--- a/loglock.pptx
+++ b/loglock.pptx
@@ -2,19 +2,19 @@
 <file path=ppt/presentation.xml><?xml version="1.0" encoding="utf-8"?>
 <p:presentation xmlns:a="http://schemas.openxmlformats.org/drawingml/2006/main" xmlns:r="http://schemas.openxmlformats.org/officeDocument/2006/relationships" xmlns:p="http://schemas.openxmlformats.org/presentationml/2006/main">
   <p:sldMasterIdLst>
-    <p:sldMasterId id="2147483648" r:id="rId1"/>
+    <p:sldMasterId id="2147483660" r:id="rId1"/>
   </p:sldMasterIdLst>
   <p:sldIdLst>
-    <p:sldId id="256" r:id="rId3"/>
-    <p:sldId id="257" r:id="rId4"/>
-    <p:sldId id="258" r:id="rId5"/>
-    <p:sldId id="259" r:id="rId6"/>
-    <p:sldId id="260" r:id="rId7"/>
-    <p:sldId id="261" r:id="rId8"/>
-    <p:sldId id="262" r:id="rId9"/>
-    <p:sldId id="263" r:id="rId10"/>
-    <p:sldId id="264" r:id="rId11"/>
-    <p:sldId id="265" r:id="rId12"/>
+    <p:sldId id="256" r:id="rId2"/>
+    <p:sldId id="257" r:id="rId3"/>
+    <p:sldId id="258" r:id="rId4"/>
+    <p:sldId id="259" r:id="rId5"/>
+    <p:sldId id="260" r:id="rId6"/>
+    <p:sldId id="261" r:id="rId7"/>
+    <p:sldId id="262" r:id="rId8"/>
+    <p:sldId id="263" r:id="rId9"/>
+    <p:sldId id="264" r:id="rId10"/>
+    <p:sldId id="265" r:id="rId11"/>
   </p:sldIdLst>
   <p:sldSz cx="12192000" cy="6858000"/>
   <p:notesSz cx="6858000" cy="9144000"/>
@@ -22,7 +22,7 @@
     <a:defPPr>
       <a:defRPr lang="en-US"/>
     </a:defPPr>
-    <a:lvl1pPr marL="0" algn="l" defTabSz="914400" rtl="0" eaLnBrk="1" latinLnBrk="0" hangingPunct="1">
+    <a:lvl1pPr marL="0" algn="l" defTabSz="457200" rtl="0" eaLnBrk="1" latinLnBrk="0" hangingPunct="1">
       <a:defRPr sz="1800" kern="1200">
         <a:solidFill>
           <a:schemeClr val="tx1"/>
@@ -32,7 +32,7 @@
         <a:cs typeface="+mn-cs"/>
       </a:defRPr>
     </a:lvl1pPr>
-    <a:lvl2pPr marL="457200" algn="l" defTabSz="914400" rtl="0" eaLnBrk="1" latinLnBrk="0" hangingPunct="1">
+    <a:lvl2pPr marL="457200" algn="l" defTabSz="457200" rtl="0" eaLnBrk="1" latinLnBrk="0" hangingPunct="1">
       <a:defRPr sz="1800" kern="1200">
         <a:solidFill>
           <a:schemeClr val="tx1"/>
@@ -42,7 +42,7 @@
         <a:cs typeface="+mn-cs"/>
       </a:defRPr>
     </a:lvl2pPr>
-    <a:lvl3pPr marL="914400" algn="l" defTabSz="914400" rtl="0" eaLnBrk="1" latinLnBrk="0" hangingPunct="1">
+    <a:lvl3pPr marL="914400" algn="l" defTabSz="457200" rtl="0" eaLnBrk="1" latinLnBrk="0" hangingPunct="1">
       <a:defRPr sz="1800" kern="1200">
         <a:solidFill>
           <a:schemeClr val="tx1"/>
@@ -52,7 +52,7 @@
         <a:cs typeface="+mn-cs"/>
       </a:defRPr>
     </a:lvl3pPr>
-    <a:lvl4pPr marL="1371600" algn="l" defTabSz="914400" rtl="0" eaLnBrk="1" latinLnBrk="0" hangingPunct="1">
+    <a:lvl4pPr marL="1371600" algn="l" defTabSz="457200" rtl="0" eaLnBrk="1" latinLnBrk="0" hangingPunct="1">
       <a:defRPr sz="1800" kern="1200">
         <a:solidFill>
           <a:schemeClr val="tx1"/>
@@ -62,7 +62,7 @@
         <a:cs typeface="+mn-cs"/>
       </a:defRPr>
     </a:lvl4pPr>
-    <a:lvl5pPr marL="1828800" algn="l" defTabSz="914400" rtl="0" eaLnBrk="1" latinLnBrk="0" hangingPunct="1">
+    <a:lvl5pPr marL="1828800" algn="l" defTabSz="457200" rtl="0" eaLnBrk="1" latinLnBrk="0" hangingPunct="1">
       <a:defRPr sz="1800" kern="1200">
         <a:solidFill>
           <a:schemeClr val="tx1"/>
@@ -72,7 +72,7 @@
         <a:cs typeface="+mn-cs"/>
       </a:defRPr>
     </a:lvl5pPr>
-    <a:lvl6pPr marL="2286000" algn="l" defTabSz="914400" rtl="0" eaLnBrk="1" latinLnBrk="0" hangingPunct="1">
+    <a:lvl6pPr marL="2286000" algn="l" defTabSz="457200" rtl="0" eaLnBrk="1" latinLnBrk="0" hangingPunct="1">
       <a:defRPr sz="1800" kern="1200">
         <a:solidFill>
           <a:schemeClr val="tx1"/>
@@ -82,7 +82,7 @@
         <a:cs typeface="+mn-cs"/>
       </a:defRPr>
     </a:lvl6pPr>
-    <a:lvl7pPr marL="2743200" algn="l" defTabSz="914400" rtl="0" eaLnBrk="1" latinLnBrk="0" hangingPunct="1">
+    <a:lvl7pPr marL="2743200" algn="l" defTabSz="457200" rtl="0" eaLnBrk="1" latinLnBrk="0" hangingPunct="1">
       <a:defRPr sz="1800" kern="1200">
         <a:solidFill>
           <a:schemeClr val="tx1"/>
@@ -92,7 +92,7 @@
         <a:cs typeface="+mn-cs"/>
       </a:defRPr>
     </a:lvl7pPr>
-    <a:lvl8pPr marL="3200400" algn="l" defTabSz="914400" rtl="0" eaLnBrk="1" latinLnBrk="0" hangingPunct="1">
+    <a:lvl8pPr marL="3200400" algn="l" defTabSz="457200" rtl="0" eaLnBrk="1" latinLnBrk="0" hangingPunct="1">
       <a:defRPr sz="1800" kern="1200">
         <a:solidFill>
           <a:schemeClr val="tx1"/>
@@ -102,7 +102,7 @@
         <a:cs typeface="+mn-cs"/>
       </a:defRPr>
     </a:lvl8pPr>
-    <a:lvl9pPr marL="3657600" algn="l" defTabSz="914400" rtl="0" eaLnBrk="1" latinLnBrk="0" hangingPunct="1">
+    <a:lvl9pPr marL="3657600" algn="l" defTabSz="457200" rtl="0" eaLnBrk="1" latinLnBrk="0" hangingPunct="1">
       <a:defRPr sz="1800" kern="1200">
         <a:solidFill>
           <a:schemeClr val="tx1"/>
@@ -113,6 +113,11 @@
       </a:defRPr>
     </a:lvl9pPr>
   </p:defaultTextStyle>
+  <p:extLst>
+    <p:ext uri="{EFAFB233-063F-42B5-8137-9DF3F51BA10A}">
+      <p15:sldGuideLst xmlns:p15="http://schemas.microsoft.com/office/powerpoint/2012/main"/>
+    </p:ext>
+  </p:extLst>
 </p:presentation>
 </file>
 
@@ -133,6 +138,36 @@
           <a:chExt cx="0" cy="0"/>
         </a:xfrm>
       </p:grpSpPr>
+      <p:pic>
+        <p:nvPicPr>
+          <p:cNvPr id="7" name="Picture 6" descr="C0-HD-BTM.png"/>
+          <p:cNvPicPr>
+            <a:picLocks noChangeAspect="1"/>
+          </p:cNvPicPr>
+          <p:nvPr/>
+        </p:nvPicPr>
+        <p:blipFill>
+          <a:blip r:embed="rId2">
+            <a:extLst>
+              <a:ext uri="{28A0092B-C50C-407E-A947-70E740481C1C}">
+                <a14:useLocalDpi xmlns:a14="http://schemas.microsoft.com/office/drawing/2010/main" val="0"/>
+              </a:ext>
+            </a:extLst>
+          </a:blip>
+          <a:stretch>
+            <a:fillRect/>
+          </a:stretch>
+        </p:blipFill>
+        <p:spPr>
+          <a:xfrm>
+            <a:off x="0" y="4375150"/>
+            <a:ext cx="12192000" cy="2482850"/>
+          </a:xfrm>
+          <a:prstGeom prst="rect">
+            <a:avLst/>
+          </a:prstGeom>
+        </p:spPr>
+      </p:pic>
       <p:sp>
         <p:nvSpPr>
           <p:cNvPr id="2" name="Title 1"/>
@@ -145,23 +180,25 @@
         </p:nvSpPr>
         <p:spPr>
           <a:xfrm>
-            <a:off x="1524000" y="1122363"/>
-            <a:ext cx="9144000" cy="2387600"/>
-          </a:xfrm>
-        </p:spPr>
-        <p:txBody>
-          <a:bodyPr anchor="b"/>
+            <a:off x="1371600" y="1803405"/>
+            <a:ext cx="9448800" cy="1825096"/>
+          </a:xfrm>
+        </p:spPr>
+        <p:txBody>
+          <a:bodyPr anchor="b">
+            <a:normAutofit/>
+          </a:bodyPr>
           <a:lstStyle>
-            <a:lvl1pPr algn="ctr">
+            <a:lvl1pPr algn="l">
               <a:defRPr sz="6000"/>
             </a:lvl1pPr>
           </a:lstStyle>
           <a:p>
             <a:r>
-              <a:rPr lang="en-US" smtClean="0"/>
+              <a:rPr lang="en-US"/>
               <a:t>Click to edit Master title style</a:t>
             </a:r>
-            <a:endParaRPr lang="en-US"/>
+            <a:endParaRPr lang="en-US" dirty="0"/>
           </a:p>
         </p:txBody>
       </p:sp>
@@ -177,16 +214,18 @@
         </p:nvSpPr>
         <p:spPr>
           <a:xfrm>
-            <a:off x="1524000" y="3602038"/>
-            <a:ext cx="9144000" cy="1655762"/>
-          </a:xfrm>
-        </p:spPr>
-        <p:txBody>
-          <a:bodyPr/>
+            <a:off x="1371600" y="3632201"/>
+            <a:ext cx="9448800" cy="685800"/>
+          </a:xfrm>
+        </p:spPr>
+        <p:txBody>
+          <a:bodyPr>
+            <a:normAutofit/>
+          </a:bodyPr>
           <a:lstStyle>
-            <a:lvl1pPr marL="0" indent="0" algn="ctr">
-              <a:buNone/>
-              <a:defRPr sz="2400"/>
+            <a:lvl1pPr marL="0" indent="0" algn="l">
+              <a:buNone/>
+              <a:defRPr sz="2000"/>
             </a:lvl1pPr>
             <a:lvl2pPr marL="457200" indent="0" algn="ctr">
               <a:buNone/>
@@ -223,10 +262,10 @@
           </a:lstStyle>
           <a:p>
             <a:r>
-              <a:rPr lang="en-US" smtClean="0"/>
+              <a:rPr lang="en-US"/>
               <a:t>Click to edit Master subtitle style</a:t>
             </a:r>
-            <a:endParaRPr lang="en-US"/>
+            <a:endParaRPr lang="en-US" dirty="0"/>
           </a:p>
         </p:txBody>
       </p:sp>
@@ -240,13 +279,19 @@
             <p:ph type="dt" sz="half" idx="10"/>
           </p:nvPr>
         </p:nvSpPr>
-        <p:spPr/>
+        <p:spPr>
+          <a:xfrm>
+            <a:off x="7909561" y="4314328"/>
+            <a:ext cx="2910840" cy="374642"/>
+          </a:xfrm>
+        </p:spPr>
         <p:txBody>
           <a:bodyPr/>
           <a:lstStyle/>
           <a:p>
             <a:fld id="{63A1C593-65D0-4073-BCC9-577B9352EA97}" type="datetimeFigureOut">
               <a:rPr lang="en-US" smtClean="0"/>
+              <a:t>11/26/2023</a:t>
             </a:fld>
             <a:endParaRPr lang="en-US"/>
           </a:p>
@@ -262,7 +307,12 @@
             <p:ph type="ftr" sz="quarter" idx="11"/>
           </p:nvPr>
         </p:nvSpPr>
-        <p:spPr/>
+        <p:spPr>
+          <a:xfrm>
+            <a:off x="1371600" y="4323845"/>
+            <a:ext cx="6400800" cy="365125"/>
+          </a:xfrm>
+        </p:spPr>
         <p:txBody>
           <a:bodyPr/>
           <a:lstStyle/>
@@ -281,19 +331,30 @@
             <p:ph type="sldNum" sz="quarter" idx="12"/>
           </p:nvPr>
         </p:nvSpPr>
-        <p:spPr/>
+        <p:spPr>
+          <a:xfrm>
+            <a:off x="8077200" y="1430866"/>
+            <a:ext cx="2743200" cy="365125"/>
+          </a:xfrm>
+        </p:spPr>
         <p:txBody>
           <a:bodyPr/>
           <a:lstStyle/>
           <a:p>
             <a:fld id="{9B618960-8005-486C-9A75-10CB2AAC16F9}" type="slidenum">
               <a:rPr lang="en-US" smtClean="0"/>
+              <a:t>‹#›</a:t>
             </a:fld>
             <a:endParaRPr lang="en-US"/>
           </a:p>
         </p:txBody>
       </p:sp>
     </p:spTree>
+    <p:extLst>
+      <p:ext uri="{BB962C8B-B14F-4D97-AF65-F5344CB8AC3E}">
+        <p14:creationId xmlns:p14="http://schemas.microsoft.com/office/powerpoint/2010/main" val="3601303355"/>
+      </p:ext>
+    </p:extLst>
   </p:cSld>
   <p:clrMapOvr>
     <a:masterClrMapping/>
@@ -302,6 +363,2598 @@
 </file>
 
 <file path=ppt/slideLayouts/slideLayout10.xml><?xml version="1.0" encoding="utf-8"?>
+<p:sldLayout xmlns:a="http://schemas.openxmlformats.org/drawingml/2006/main" xmlns:r="http://schemas.openxmlformats.org/officeDocument/2006/relationships" xmlns:p="http://schemas.openxmlformats.org/presentationml/2006/main" preserve="1">
+  <p:cSld name="Panoramic Picture with Caption">
+    <p:spTree>
+      <p:nvGrpSpPr>
+        <p:cNvPr id="1" name=""/>
+        <p:cNvGrpSpPr/>
+        <p:nvPr/>
+      </p:nvGrpSpPr>
+      <p:grpSpPr>
+        <a:xfrm>
+          <a:off x="0" y="0"/>
+          <a:ext cx="0" cy="0"/>
+          <a:chOff x="0" y="0"/>
+          <a:chExt cx="0" cy="0"/>
+        </a:xfrm>
+      </p:grpSpPr>
+      <p:sp>
+        <p:nvSpPr>
+          <p:cNvPr id="2" name="Title 1"/>
+          <p:cNvSpPr>
+            <a:spLocks noGrp="1"/>
+          </p:cNvSpPr>
+          <p:nvPr>
+            <p:ph type="title"/>
+          </p:nvPr>
+        </p:nvSpPr>
+        <p:spPr>
+          <a:xfrm>
+            <a:off x="685777" y="4697360"/>
+            <a:ext cx="10822034" cy="819355"/>
+          </a:xfrm>
+        </p:spPr>
+        <p:txBody>
+          <a:bodyPr anchor="b"/>
+          <a:lstStyle>
+            <a:lvl1pPr algn="l">
+              <a:defRPr sz="3200"/>
+            </a:lvl1pPr>
+          </a:lstStyle>
+          <a:p>
+            <a:r>
+              <a:rPr lang="en-US"/>
+              <a:t>Click to edit Master title style</a:t>
+            </a:r>
+            <a:endParaRPr lang="en-US" dirty="0"/>
+          </a:p>
+        </p:txBody>
+      </p:sp>
+      <p:sp>
+        <p:nvSpPr>
+          <p:cNvPr id="3" name="Picture Placeholder 2"/>
+          <p:cNvSpPr>
+            <a:spLocks noGrp="1" noChangeAspect="1"/>
+          </p:cNvSpPr>
+          <p:nvPr>
+            <p:ph type="pic" idx="1"/>
+          </p:nvPr>
+        </p:nvSpPr>
+        <p:spPr>
+          <a:xfrm>
+            <a:off x="681727" y="941439"/>
+            <a:ext cx="10821840" cy="3478161"/>
+          </a:xfrm>
+        </p:spPr>
+        <p:txBody>
+          <a:bodyPr anchor="t"/>
+          <a:lstStyle>
+            <a:lvl1pPr marL="0" indent="0">
+              <a:buNone/>
+              <a:defRPr sz="3200"/>
+            </a:lvl1pPr>
+            <a:lvl2pPr marL="457200" indent="0">
+              <a:buNone/>
+              <a:defRPr sz="2800"/>
+            </a:lvl2pPr>
+            <a:lvl3pPr marL="914400" indent="0">
+              <a:buNone/>
+              <a:defRPr sz="2400"/>
+            </a:lvl3pPr>
+            <a:lvl4pPr marL="1371600" indent="0">
+              <a:buNone/>
+              <a:defRPr sz="2000"/>
+            </a:lvl4pPr>
+            <a:lvl5pPr marL="1828800" indent="0">
+              <a:buNone/>
+              <a:defRPr sz="2000"/>
+            </a:lvl5pPr>
+            <a:lvl6pPr marL="2286000" indent="0">
+              <a:buNone/>
+              <a:defRPr sz="2000"/>
+            </a:lvl6pPr>
+            <a:lvl7pPr marL="2743200" indent="0">
+              <a:buNone/>
+              <a:defRPr sz="2000"/>
+            </a:lvl7pPr>
+            <a:lvl8pPr marL="3200400" indent="0">
+              <a:buNone/>
+              <a:defRPr sz="2000"/>
+            </a:lvl8pPr>
+            <a:lvl9pPr marL="3657600" indent="0">
+              <a:buNone/>
+              <a:defRPr sz="2000"/>
+            </a:lvl9pPr>
+          </a:lstStyle>
+          <a:p>
+            <a:r>
+              <a:rPr lang="en-US"/>
+              <a:t>Click icon to add picture</a:t>
+            </a:r>
+            <a:endParaRPr lang="en-US" dirty="0"/>
+          </a:p>
+        </p:txBody>
+      </p:sp>
+      <p:sp>
+        <p:nvSpPr>
+          <p:cNvPr id="4" name="Text Placeholder 3"/>
+          <p:cNvSpPr>
+            <a:spLocks noGrp="1"/>
+          </p:cNvSpPr>
+          <p:nvPr>
+            <p:ph type="body" sz="half" idx="2"/>
+          </p:nvPr>
+        </p:nvSpPr>
+        <p:spPr>
+          <a:xfrm>
+            <a:off x="685800" y="5516715"/>
+            <a:ext cx="10820400" cy="701969"/>
+          </a:xfrm>
+        </p:spPr>
+        <p:txBody>
+          <a:bodyPr/>
+          <a:lstStyle>
+            <a:lvl1pPr marL="0" indent="0" algn="l">
+              <a:buNone/>
+              <a:defRPr sz="1600"/>
+            </a:lvl1pPr>
+            <a:lvl2pPr marL="457200" indent="0">
+              <a:buNone/>
+              <a:defRPr sz="1400"/>
+            </a:lvl2pPr>
+            <a:lvl3pPr marL="914400" indent="0">
+              <a:buNone/>
+              <a:defRPr sz="1200"/>
+            </a:lvl3pPr>
+            <a:lvl4pPr marL="1371600" indent="0">
+              <a:buNone/>
+              <a:defRPr sz="1000"/>
+            </a:lvl4pPr>
+            <a:lvl5pPr marL="1828800" indent="0">
+              <a:buNone/>
+              <a:defRPr sz="1000"/>
+            </a:lvl5pPr>
+            <a:lvl6pPr marL="2286000" indent="0">
+              <a:buNone/>
+              <a:defRPr sz="1000"/>
+            </a:lvl6pPr>
+            <a:lvl7pPr marL="2743200" indent="0">
+              <a:buNone/>
+              <a:defRPr sz="1000"/>
+            </a:lvl7pPr>
+            <a:lvl8pPr marL="3200400" indent="0">
+              <a:buNone/>
+              <a:defRPr sz="1000"/>
+            </a:lvl8pPr>
+            <a:lvl9pPr marL="3657600" indent="0">
+              <a:buNone/>
+              <a:defRPr sz="1000"/>
+            </a:lvl9pPr>
+          </a:lstStyle>
+          <a:p>
+            <a:pPr lvl="0"/>
+            <a:r>
+              <a:rPr lang="en-US"/>
+              <a:t>Click to edit Master text styles</a:t>
+            </a:r>
+          </a:p>
+        </p:txBody>
+      </p:sp>
+      <p:sp>
+        <p:nvSpPr>
+          <p:cNvPr id="5" name="Date Placeholder 4"/>
+          <p:cNvSpPr>
+            <a:spLocks noGrp="1"/>
+          </p:cNvSpPr>
+          <p:nvPr>
+            <p:ph type="dt" sz="half" idx="10"/>
+          </p:nvPr>
+        </p:nvSpPr>
+        <p:spPr/>
+        <p:txBody>
+          <a:bodyPr/>
+          <a:lstStyle/>
+          <a:p>
+            <a:fld id="{63A1C593-65D0-4073-BCC9-577B9352EA97}" type="datetimeFigureOut">
+              <a:rPr lang="en-US" smtClean="0"/>
+              <a:t>11/26/2023</a:t>
+            </a:fld>
+            <a:endParaRPr lang="en-US"/>
+          </a:p>
+        </p:txBody>
+      </p:sp>
+      <p:sp>
+        <p:nvSpPr>
+          <p:cNvPr id="6" name="Footer Placeholder 5"/>
+          <p:cNvSpPr>
+            <a:spLocks noGrp="1"/>
+          </p:cNvSpPr>
+          <p:nvPr>
+            <p:ph type="ftr" sz="quarter" idx="11"/>
+          </p:nvPr>
+        </p:nvSpPr>
+        <p:spPr/>
+        <p:txBody>
+          <a:bodyPr/>
+          <a:lstStyle/>
+          <a:p>
+            <a:endParaRPr lang="en-US"/>
+          </a:p>
+        </p:txBody>
+      </p:sp>
+      <p:sp>
+        <p:nvSpPr>
+          <p:cNvPr id="7" name="Slide Number Placeholder 6"/>
+          <p:cNvSpPr>
+            <a:spLocks noGrp="1"/>
+          </p:cNvSpPr>
+          <p:nvPr>
+            <p:ph type="sldNum" sz="quarter" idx="12"/>
+          </p:nvPr>
+        </p:nvSpPr>
+        <p:spPr/>
+        <p:txBody>
+          <a:bodyPr/>
+          <a:lstStyle/>
+          <a:p>
+            <a:fld id="{9B618960-8005-486C-9A75-10CB2AAC16F9}" type="slidenum">
+              <a:rPr lang="en-US" smtClean="0"/>
+              <a:t>‹#›</a:t>
+            </a:fld>
+            <a:endParaRPr lang="en-US"/>
+          </a:p>
+        </p:txBody>
+      </p:sp>
+    </p:spTree>
+    <p:extLst>
+      <p:ext uri="{BB962C8B-B14F-4D97-AF65-F5344CB8AC3E}">
+        <p14:creationId xmlns:p14="http://schemas.microsoft.com/office/powerpoint/2010/main" val="1063275255"/>
+      </p:ext>
+    </p:extLst>
+  </p:cSld>
+  <p:clrMapOvr>
+    <a:masterClrMapping/>
+  </p:clrMapOvr>
+</p:sldLayout>
+</file>
+
+<file path=ppt/slideLayouts/slideLayout11.xml><?xml version="1.0" encoding="utf-8"?>
+<p:sldLayout xmlns:a="http://schemas.openxmlformats.org/drawingml/2006/main" xmlns:r="http://schemas.openxmlformats.org/officeDocument/2006/relationships" xmlns:p="http://schemas.openxmlformats.org/presentationml/2006/main" showMasterSp="0" preserve="1">
+  <p:cSld name="Title and Caption">
+    <p:spTree>
+      <p:nvGrpSpPr>
+        <p:cNvPr id="1" name=""/>
+        <p:cNvGrpSpPr/>
+        <p:nvPr/>
+      </p:nvGrpSpPr>
+      <p:grpSpPr>
+        <a:xfrm>
+          <a:off x="0" y="0"/>
+          <a:ext cx="0" cy="0"/>
+          <a:chOff x="0" y="0"/>
+          <a:chExt cx="0" cy="0"/>
+        </a:xfrm>
+      </p:grpSpPr>
+      <p:pic>
+        <p:nvPicPr>
+          <p:cNvPr id="8" name="Picture 7" descr="C0-HD-BTM.png"/>
+          <p:cNvPicPr>
+            <a:picLocks noChangeAspect="1"/>
+          </p:cNvPicPr>
+          <p:nvPr/>
+        </p:nvPicPr>
+        <p:blipFill>
+          <a:blip r:embed="rId2">
+            <a:extLst>
+              <a:ext uri="{28A0092B-C50C-407E-A947-70E740481C1C}">
+                <a14:useLocalDpi xmlns:a14="http://schemas.microsoft.com/office/drawing/2010/main" val="0"/>
+              </a:ext>
+            </a:extLst>
+          </a:blip>
+          <a:stretch>
+            <a:fillRect/>
+          </a:stretch>
+        </p:blipFill>
+        <p:spPr>
+          <a:xfrm>
+            <a:off x="0" y="4375150"/>
+            <a:ext cx="12192000" cy="2482850"/>
+          </a:xfrm>
+          <a:prstGeom prst="rect">
+            <a:avLst/>
+          </a:prstGeom>
+        </p:spPr>
+      </p:pic>
+      <p:sp>
+        <p:nvSpPr>
+          <p:cNvPr id="2" name="Title 1"/>
+          <p:cNvSpPr>
+            <a:spLocks noGrp="1"/>
+          </p:cNvSpPr>
+          <p:nvPr>
+            <p:ph type="title"/>
+          </p:nvPr>
+        </p:nvSpPr>
+        <p:spPr>
+          <a:xfrm>
+            <a:off x="685800" y="753532"/>
+            <a:ext cx="10820400" cy="2802467"/>
+          </a:xfrm>
+        </p:spPr>
+        <p:txBody>
+          <a:bodyPr anchor="ctr"/>
+          <a:lstStyle>
+            <a:lvl1pPr algn="l">
+              <a:defRPr sz="3200"/>
+            </a:lvl1pPr>
+          </a:lstStyle>
+          <a:p>
+            <a:r>
+              <a:rPr lang="en-US"/>
+              <a:t>Click to edit Master title style</a:t>
+            </a:r>
+            <a:endParaRPr lang="en-US" dirty="0"/>
+          </a:p>
+        </p:txBody>
+      </p:sp>
+      <p:sp>
+        <p:nvSpPr>
+          <p:cNvPr id="4" name="Text Placeholder 3"/>
+          <p:cNvSpPr>
+            <a:spLocks noGrp="1"/>
+          </p:cNvSpPr>
+          <p:nvPr>
+            <p:ph type="body" sz="half" idx="2"/>
+          </p:nvPr>
+        </p:nvSpPr>
+        <p:spPr>
+          <a:xfrm>
+            <a:off x="1024467" y="3649133"/>
+            <a:ext cx="10130516" cy="999067"/>
+          </a:xfrm>
+        </p:spPr>
+        <p:txBody>
+          <a:bodyPr anchor="ctr"/>
+          <a:lstStyle>
+            <a:lvl1pPr marL="0" indent="0">
+              <a:buNone/>
+              <a:defRPr sz="1600"/>
+            </a:lvl1pPr>
+            <a:lvl2pPr marL="457200" indent="0">
+              <a:buNone/>
+              <a:defRPr sz="1400"/>
+            </a:lvl2pPr>
+            <a:lvl3pPr marL="914400" indent="0">
+              <a:buNone/>
+              <a:defRPr sz="1200"/>
+            </a:lvl3pPr>
+            <a:lvl4pPr marL="1371600" indent="0">
+              <a:buNone/>
+              <a:defRPr sz="1000"/>
+            </a:lvl4pPr>
+            <a:lvl5pPr marL="1828800" indent="0">
+              <a:buNone/>
+              <a:defRPr sz="1000"/>
+            </a:lvl5pPr>
+            <a:lvl6pPr marL="2286000" indent="0">
+              <a:buNone/>
+              <a:defRPr sz="1000"/>
+            </a:lvl6pPr>
+            <a:lvl7pPr marL="2743200" indent="0">
+              <a:buNone/>
+              <a:defRPr sz="1000"/>
+            </a:lvl7pPr>
+            <a:lvl8pPr marL="3200400" indent="0">
+              <a:buNone/>
+              <a:defRPr sz="1000"/>
+            </a:lvl8pPr>
+            <a:lvl9pPr marL="3657600" indent="0">
+              <a:buNone/>
+              <a:defRPr sz="1000"/>
+            </a:lvl9pPr>
+          </a:lstStyle>
+          <a:p>
+            <a:pPr lvl="0"/>
+            <a:r>
+              <a:rPr lang="en-US"/>
+              <a:t>Click to edit Master text styles</a:t>
+            </a:r>
+          </a:p>
+        </p:txBody>
+      </p:sp>
+      <p:sp>
+        <p:nvSpPr>
+          <p:cNvPr id="5" name="Date Placeholder 4"/>
+          <p:cNvSpPr>
+            <a:spLocks noGrp="1"/>
+          </p:cNvSpPr>
+          <p:nvPr>
+            <p:ph type="dt" sz="half" idx="10"/>
+          </p:nvPr>
+        </p:nvSpPr>
+        <p:spPr>
+          <a:xfrm>
+            <a:off x="7814452" y="381000"/>
+            <a:ext cx="2910840" cy="365125"/>
+          </a:xfrm>
+        </p:spPr>
+        <p:txBody>
+          <a:bodyPr/>
+          <a:lstStyle>
+            <a:lvl1pPr algn="r">
+              <a:defRPr/>
+            </a:lvl1pPr>
+          </a:lstStyle>
+          <a:p>
+            <a:fld id="{63A1C593-65D0-4073-BCC9-577B9352EA97}" type="datetimeFigureOut">
+              <a:rPr lang="en-US" smtClean="0"/>
+              <a:t>11/26/2023</a:t>
+            </a:fld>
+            <a:endParaRPr lang="en-US"/>
+          </a:p>
+        </p:txBody>
+      </p:sp>
+      <p:sp>
+        <p:nvSpPr>
+          <p:cNvPr id="6" name="Footer Placeholder 5"/>
+          <p:cNvSpPr>
+            <a:spLocks noGrp="1"/>
+          </p:cNvSpPr>
+          <p:nvPr>
+            <p:ph type="ftr" sz="quarter" idx="11"/>
+          </p:nvPr>
+        </p:nvSpPr>
+        <p:spPr>
+          <a:xfrm>
+            <a:off x="685800" y="379941"/>
+            <a:ext cx="6991492" cy="365125"/>
+          </a:xfrm>
+        </p:spPr>
+        <p:txBody>
+          <a:bodyPr/>
+          <a:lstStyle/>
+          <a:p>
+            <a:endParaRPr lang="en-US"/>
+          </a:p>
+        </p:txBody>
+      </p:sp>
+      <p:sp>
+        <p:nvSpPr>
+          <p:cNvPr id="7" name="Slide Number Placeholder 6"/>
+          <p:cNvSpPr>
+            <a:spLocks noGrp="1"/>
+          </p:cNvSpPr>
+          <p:nvPr>
+            <p:ph type="sldNum" sz="quarter" idx="12"/>
+          </p:nvPr>
+        </p:nvSpPr>
+        <p:spPr>
+          <a:xfrm>
+            <a:off x="10862452" y="381000"/>
+            <a:ext cx="643748" cy="365125"/>
+          </a:xfrm>
+        </p:spPr>
+        <p:txBody>
+          <a:bodyPr/>
+          <a:lstStyle/>
+          <a:p>
+            <a:fld id="{9B618960-8005-486C-9A75-10CB2AAC16F9}" type="slidenum">
+              <a:rPr lang="en-US" smtClean="0"/>
+              <a:t>‹#›</a:t>
+            </a:fld>
+            <a:endParaRPr lang="en-US"/>
+          </a:p>
+        </p:txBody>
+      </p:sp>
+    </p:spTree>
+    <p:extLst>
+      <p:ext uri="{BB962C8B-B14F-4D97-AF65-F5344CB8AC3E}">
+        <p14:creationId xmlns:p14="http://schemas.microsoft.com/office/powerpoint/2010/main" val="2397971496"/>
+      </p:ext>
+    </p:extLst>
+  </p:cSld>
+  <p:clrMapOvr>
+    <a:masterClrMapping/>
+  </p:clrMapOvr>
+</p:sldLayout>
+</file>
+
+<file path=ppt/slideLayouts/slideLayout12.xml><?xml version="1.0" encoding="utf-8"?>
+<p:sldLayout xmlns:a="http://schemas.openxmlformats.org/drawingml/2006/main" xmlns:r="http://schemas.openxmlformats.org/officeDocument/2006/relationships" xmlns:p="http://schemas.openxmlformats.org/presentationml/2006/main" showMasterSp="0" preserve="1">
+  <p:cSld name="Quote with Caption">
+    <p:spTree>
+      <p:nvGrpSpPr>
+        <p:cNvPr id="1" name=""/>
+        <p:cNvGrpSpPr/>
+        <p:nvPr/>
+      </p:nvGrpSpPr>
+      <p:grpSpPr>
+        <a:xfrm>
+          <a:off x="0" y="0"/>
+          <a:ext cx="0" cy="0"/>
+          <a:chOff x="0" y="0"/>
+          <a:chExt cx="0" cy="0"/>
+        </a:xfrm>
+      </p:grpSpPr>
+      <p:pic>
+        <p:nvPicPr>
+          <p:cNvPr id="13" name="Picture 12" descr="C0-HD-BTM.png"/>
+          <p:cNvPicPr>
+            <a:picLocks noChangeAspect="1"/>
+          </p:cNvPicPr>
+          <p:nvPr/>
+        </p:nvPicPr>
+        <p:blipFill>
+          <a:blip r:embed="rId2">
+            <a:extLst>
+              <a:ext uri="{28A0092B-C50C-407E-A947-70E740481C1C}">
+                <a14:useLocalDpi xmlns:a14="http://schemas.microsoft.com/office/drawing/2010/main" val="0"/>
+              </a:ext>
+            </a:extLst>
+          </a:blip>
+          <a:stretch>
+            <a:fillRect/>
+          </a:stretch>
+        </p:blipFill>
+        <p:spPr>
+          <a:xfrm>
+            <a:off x="0" y="4375150"/>
+            <a:ext cx="12192000" cy="2482850"/>
+          </a:xfrm>
+          <a:prstGeom prst="rect">
+            <a:avLst/>
+          </a:prstGeom>
+        </p:spPr>
+      </p:pic>
+      <p:sp>
+        <p:nvSpPr>
+          <p:cNvPr id="2" name="Title 1"/>
+          <p:cNvSpPr>
+            <a:spLocks noGrp="1"/>
+          </p:cNvSpPr>
+          <p:nvPr>
+            <p:ph type="title"/>
+          </p:nvPr>
+        </p:nvSpPr>
+        <p:spPr>
+          <a:xfrm>
+            <a:off x="1024467" y="753533"/>
+            <a:ext cx="10151533" cy="2604495"/>
+          </a:xfrm>
+        </p:spPr>
+        <p:txBody>
+          <a:bodyPr anchor="ctr"/>
+          <a:lstStyle>
+            <a:lvl1pPr algn="l">
+              <a:defRPr sz="3200"/>
+            </a:lvl1pPr>
+          </a:lstStyle>
+          <a:p>
+            <a:r>
+              <a:rPr lang="en-US"/>
+              <a:t>Click to edit Master title style</a:t>
+            </a:r>
+            <a:endParaRPr lang="en-US" dirty="0"/>
+          </a:p>
+        </p:txBody>
+      </p:sp>
+      <p:sp>
+        <p:nvSpPr>
+          <p:cNvPr id="12" name="Text Placeholder 3"/>
+          <p:cNvSpPr>
+            <a:spLocks noGrp="1"/>
+          </p:cNvSpPr>
+          <p:nvPr>
+            <p:ph type="body" sz="half" idx="13"/>
+          </p:nvPr>
+        </p:nvSpPr>
+        <p:spPr>
+          <a:xfrm>
+            <a:off x="1303865" y="3365556"/>
+            <a:ext cx="9592736" cy="444443"/>
+          </a:xfrm>
+        </p:spPr>
+        <p:txBody>
+          <a:bodyPr anchor="t">
+            <a:normAutofit/>
+          </a:bodyPr>
+          <a:lstStyle>
+            <a:lvl1pPr marL="0" indent="0">
+              <a:buNone/>
+              <a:defRPr sz="1400"/>
+            </a:lvl1pPr>
+            <a:lvl2pPr marL="457200" indent="0">
+              <a:buNone/>
+              <a:defRPr sz="1400"/>
+            </a:lvl2pPr>
+            <a:lvl3pPr marL="914400" indent="0">
+              <a:buNone/>
+              <a:defRPr sz="1200"/>
+            </a:lvl3pPr>
+            <a:lvl4pPr marL="1371600" indent="0">
+              <a:buNone/>
+              <a:defRPr sz="1000"/>
+            </a:lvl4pPr>
+            <a:lvl5pPr marL="1828800" indent="0">
+              <a:buNone/>
+              <a:defRPr sz="1000"/>
+            </a:lvl5pPr>
+            <a:lvl6pPr marL="2286000" indent="0">
+              <a:buNone/>
+              <a:defRPr sz="1000"/>
+            </a:lvl6pPr>
+            <a:lvl7pPr marL="2743200" indent="0">
+              <a:buNone/>
+              <a:defRPr sz="1000"/>
+            </a:lvl7pPr>
+            <a:lvl8pPr marL="3200400" indent="0">
+              <a:buNone/>
+              <a:defRPr sz="1000"/>
+            </a:lvl8pPr>
+            <a:lvl9pPr marL="3657600" indent="0">
+              <a:buNone/>
+              <a:defRPr sz="1000"/>
+            </a:lvl9pPr>
+          </a:lstStyle>
+          <a:p>
+            <a:pPr lvl="0"/>
+            <a:r>
+              <a:rPr lang="en-US"/>
+              <a:t>Click to edit Master text styles</a:t>
+            </a:r>
+          </a:p>
+        </p:txBody>
+      </p:sp>
+      <p:sp>
+        <p:nvSpPr>
+          <p:cNvPr id="4" name="Text Placeholder 3"/>
+          <p:cNvSpPr>
+            <a:spLocks noGrp="1"/>
+          </p:cNvSpPr>
+          <p:nvPr>
+            <p:ph type="body" sz="half" idx="2"/>
+          </p:nvPr>
+        </p:nvSpPr>
+        <p:spPr>
+          <a:xfrm>
+            <a:off x="1024467" y="3959862"/>
+            <a:ext cx="10151533" cy="679871"/>
+          </a:xfrm>
+        </p:spPr>
+        <p:txBody>
+          <a:bodyPr anchor="ctr">
+            <a:normAutofit/>
+          </a:bodyPr>
+          <a:lstStyle>
+            <a:lvl1pPr marL="0" indent="0">
+              <a:buNone/>
+              <a:defRPr sz="1600"/>
+            </a:lvl1pPr>
+            <a:lvl2pPr marL="457200" indent="0">
+              <a:buNone/>
+              <a:defRPr sz="1400"/>
+            </a:lvl2pPr>
+            <a:lvl3pPr marL="914400" indent="0">
+              <a:buNone/>
+              <a:defRPr sz="1200"/>
+            </a:lvl3pPr>
+            <a:lvl4pPr marL="1371600" indent="0">
+              <a:buNone/>
+              <a:defRPr sz="1000"/>
+            </a:lvl4pPr>
+            <a:lvl5pPr marL="1828800" indent="0">
+              <a:buNone/>
+              <a:defRPr sz="1000"/>
+            </a:lvl5pPr>
+            <a:lvl6pPr marL="2286000" indent="0">
+              <a:buNone/>
+              <a:defRPr sz="1000"/>
+            </a:lvl6pPr>
+            <a:lvl7pPr marL="2743200" indent="0">
+              <a:buNone/>
+              <a:defRPr sz="1000"/>
+            </a:lvl7pPr>
+            <a:lvl8pPr marL="3200400" indent="0">
+              <a:buNone/>
+              <a:defRPr sz="1000"/>
+            </a:lvl8pPr>
+            <a:lvl9pPr marL="3657600" indent="0">
+              <a:buNone/>
+              <a:defRPr sz="1000"/>
+            </a:lvl9pPr>
+          </a:lstStyle>
+          <a:p>
+            <a:pPr lvl="0"/>
+            <a:r>
+              <a:rPr lang="en-US"/>
+              <a:t>Click to edit Master text styles</a:t>
+            </a:r>
+          </a:p>
+        </p:txBody>
+      </p:sp>
+      <p:sp>
+        <p:nvSpPr>
+          <p:cNvPr id="5" name="Date Placeholder 4"/>
+          <p:cNvSpPr>
+            <a:spLocks noGrp="1"/>
+          </p:cNvSpPr>
+          <p:nvPr>
+            <p:ph type="dt" sz="half" idx="10"/>
+          </p:nvPr>
+        </p:nvSpPr>
+        <p:spPr>
+          <a:xfrm>
+            <a:off x="7814452" y="381000"/>
+            <a:ext cx="2910840" cy="365125"/>
+          </a:xfrm>
+        </p:spPr>
+        <p:txBody>
+          <a:bodyPr/>
+          <a:lstStyle>
+            <a:lvl1pPr algn="r">
+              <a:defRPr/>
+            </a:lvl1pPr>
+          </a:lstStyle>
+          <a:p>
+            <a:fld id="{63A1C593-65D0-4073-BCC9-577B9352EA97}" type="datetimeFigureOut">
+              <a:rPr lang="en-US" smtClean="0"/>
+              <a:t>11/26/2023</a:t>
+            </a:fld>
+            <a:endParaRPr lang="en-US"/>
+          </a:p>
+        </p:txBody>
+      </p:sp>
+      <p:sp>
+        <p:nvSpPr>
+          <p:cNvPr id="6" name="Footer Placeholder 5"/>
+          <p:cNvSpPr>
+            <a:spLocks noGrp="1"/>
+          </p:cNvSpPr>
+          <p:nvPr>
+            <p:ph type="ftr" sz="quarter" idx="11"/>
+          </p:nvPr>
+        </p:nvSpPr>
+        <p:spPr>
+          <a:xfrm>
+            <a:off x="685800" y="379941"/>
+            <a:ext cx="6991492" cy="365125"/>
+          </a:xfrm>
+        </p:spPr>
+        <p:txBody>
+          <a:bodyPr/>
+          <a:lstStyle/>
+          <a:p>
+            <a:endParaRPr lang="en-US"/>
+          </a:p>
+        </p:txBody>
+      </p:sp>
+      <p:sp>
+        <p:nvSpPr>
+          <p:cNvPr id="7" name="Slide Number Placeholder 6"/>
+          <p:cNvSpPr>
+            <a:spLocks noGrp="1"/>
+          </p:cNvSpPr>
+          <p:nvPr>
+            <p:ph type="sldNum" sz="quarter" idx="12"/>
+          </p:nvPr>
+        </p:nvSpPr>
+        <p:spPr>
+          <a:xfrm>
+            <a:off x="10862452" y="381000"/>
+            <a:ext cx="643748" cy="365125"/>
+          </a:xfrm>
+        </p:spPr>
+        <p:txBody>
+          <a:bodyPr/>
+          <a:lstStyle/>
+          <a:p>
+            <a:fld id="{9B618960-8005-486C-9A75-10CB2AAC16F9}" type="slidenum">
+              <a:rPr lang="en-US" smtClean="0"/>
+              <a:t>‹#›</a:t>
+            </a:fld>
+            <a:endParaRPr lang="en-US"/>
+          </a:p>
+        </p:txBody>
+      </p:sp>
+      <p:sp>
+        <p:nvSpPr>
+          <p:cNvPr id="9" name="TextBox 8"/>
+          <p:cNvSpPr txBox="1"/>
+          <p:nvPr/>
+        </p:nvSpPr>
+        <p:spPr>
+          <a:xfrm>
+            <a:off x="476250" y="933450"/>
+            <a:ext cx="609600" cy="584776"/>
+          </a:xfrm>
+          <a:prstGeom prst="rect">
+            <a:avLst/>
+          </a:prstGeom>
+        </p:spPr>
+        <p:txBody>
+          <a:bodyPr vert="horz" lIns="91440" tIns="45720" rIns="91440" bIns="45720" rtlCol="0" anchor="ctr">
+            <a:noAutofit/>
+          </a:bodyPr>
+          <a:lstStyle>
+            <a:lvl1pPr>
+              <a:spcBef>
+                <a:spcPct val="0"/>
+              </a:spcBef>
+              <a:buNone/>
+              <a:defRPr sz="3200" b="0" cap="all">
+                <a:ln w="3175" cmpd="sng">
+                  <a:noFill/>
+                </a:ln>
+                <a:effectLst>
+                  <a:glow rad="38100">
+                    <a:schemeClr val="bg1">
+                      <a:lumMod val="65000"/>
+                      <a:lumOff val="35000"/>
+                      <a:alpha val="40000"/>
+                    </a:schemeClr>
+                  </a:glow>
+                  <a:outerShdw blurRad="28575" dist="38100" dir="14040000" algn="tl" rotWithShape="0">
+                    <a:srgbClr val="000000">
+                      <a:alpha val="25000"/>
+                    </a:srgbClr>
+                  </a:outerShdw>
+                </a:effectLst>
+              </a:defRPr>
+            </a:lvl1pPr>
+            <a:lvl2pPr>
+              <a:defRPr>
+                <a:solidFill>
+                  <a:schemeClr val="tx2"/>
+                </a:solidFill>
+              </a:defRPr>
+            </a:lvl2pPr>
+            <a:lvl3pPr>
+              <a:defRPr>
+                <a:solidFill>
+                  <a:schemeClr val="tx2"/>
+                </a:solidFill>
+              </a:defRPr>
+            </a:lvl3pPr>
+            <a:lvl4pPr>
+              <a:defRPr>
+                <a:solidFill>
+                  <a:schemeClr val="tx2"/>
+                </a:solidFill>
+              </a:defRPr>
+            </a:lvl4pPr>
+            <a:lvl5pPr>
+              <a:defRPr>
+                <a:solidFill>
+                  <a:schemeClr val="tx2"/>
+                </a:solidFill>
+              </a:defRPr>
+            </a:lvl5pPr>
+            <a:lvl6pPr>
+              <a:defRPr>
+                <a:solidFill>
+                  <a:schemeClr val="tx2"/>
+                </a:solidFill>
+              </a:defRPr>
+            </a:lvl6pPr>
+            <a:lvl7pPr>
+              <a:defRPr>
+                <a:solidFill>
+                  <a:schemeClr val="tx2"/>
+                </a:solidFill>
+              </a:defRPr>
+            </a:lvl7pPr>
+            <a:lvl8pPr>
+              <a:defRPr>
+                <a:solidFill>
+                  <a:schemeClr val="tx2"/>
+                </a:solidFill>
+              </a:defRPr>
+            </a:lvl8pPr>
+            <a:lvl9pPr>
+              <a:defRPr>
+                <a:solidFill>
+                  <a:schemeClr val="tx2"/>
+                </a:solidFill>
+              </a:defRPr>
+            </a:lvl9pPr>
+          </a:lstStyle>
+          <a:p>
+            <a:pPr lvl="0"/>
+            <a:r>
+              <a:rPr lang="en-US" sz="8000" dirty="0">
+                <a:solidFill>
+                  <a:schemeClr val="tx1"/>
+                </a:solidFill>
+                <a:effectLst/>
+              </a:rPr>
+              <a:t>“</a:t>
+            </a:r>
+          </a:p>
+        </p:txBody>
+      </p:sp>
+      <p:sp>
+        <p:nvSpPr>
+          <p:cNvPr id="10" name="TextBox 9"/>
+          <p:cNvSpPr txBox="1"/>
+          <p:nvPr/>
+        </p:nvSpPr>
+        <p:spPr>
+          <a:xfrm>
+            <a:off x="10984230" y="2701290"/>
+            <a:ext cx="609600" cy="584776"/>
+          </a:xfrm>
+          <a:prstGeom prst="rect">
+            <a:avLst/>
+          </a:prstGeom>
+        </p:spPr>
+        <p:txBody>
+          <a:bodyPr vert="horz" lIns="91440" tIns="45720" rIns="91440" bIns="45720" rtlCol="0" anchor="ctr">
+            <a:noAutofit/>
+          </a:bodyPr>
+          <a:lstStyle>
+            <a:lvl1pPr>
+              <a:spcBef>
+                <a:spcPct val="0"/>
+              </a:spcBef>
+              <a:buNone/>
+              <a:defRPr sz="3200" b="0" cap="all">
+                <a:ln w="3175" cmpd="sng">
+                  <a:noFill/>
+                </a:ln>
+                <a:effectLst>
+                  <a:glow rad="38100">
+                    <a:schemeClr val="bg1">
+                      <a:lumMod val="65000"/>
+                      <a:lumOff val="35000"/>
+                      <a:alpha val="40000"/>
+                    </a:schemeClr>
+                  </a:glow>
+                  <a:outerShdw blurRad="28575" dist="38100" dir="14040000" algn="tl" rotWithShape="0">
+                    <a:srgbClr val="000000">
+                      <a:alpha val="25000"/>
+                    </a:srgbClr>
+                  </a:outerShdw>
+                </a:effectLst>
+              </a:defRPr>
+            </a:lvl1pPr>
+            <a:lvl2pPr>
+              <a:defRPr>
+                <a:solidFill>
+                  <a:schemeClr val="tx2"/>
+                </a:solidFill>
+              </a:defRPr>
+            </a:lvl2pPr>
+            <a:lvl3pPr>
+              <a:defRPr>
+                <a:solidFill>
+                  <a:schemeClr val="tx2"/>
+                </a:solidFill>
+              </a:defRPr>
+            </a:lvl3pPr>
+            <a:lvl4pPr>
+              <a:defRPr>
+                <a:solidFill>
+                  <a:schemeClr val="tx2"/>
+                </a:solidFill>
+              </a:defRPr>
+            </a:lvl4pPr>
+            <a:lvl5pPr>
+              <a:defRPr>
+                <a:solidFill>
+                  <a:schemeClr val="tx2"/>
+                </a:solidFill>
+              </a:defRPr>
+            </a:lvl5pPr>
+            <a:lvl6pPr>
+              <a:defRPr>
+                <a:solidFill>
+                  <a:schemeClr val="tx2"/>
+                </a:solidFill>
+              </a:defRPr>
+            </a:lvl6pPr>
+            <a:lvl7pPr>
+              <a:defRPr>
+                <a:solidFill>
+                  <a:schemeClr val="tx2"/>
+                </a:solidFill>
+              </a:defRPr>
+            </a:lvl7pPr>
+            <a:lvl8pPr>
+              <a:defRPr>
+                <a:solidFill>
+                  <a:schemeClr val="tx2"/>
+                </a:solidFill>
+              </a:defRPr>
+            </a:lvl8pPr>
+            <a:lvl9pPr>
+              <a:defRPr>
+                <a:solidFill>
+                  <a:schemeClr val="tx2"/>
+                </a:solidFill>
+              </a:defRPr>
+            </a:lvl9pPr>
+          </a:lstStyle>
+          <a:p>
+            <a:pPr lvl="0" algn="r"/>
+            <a:r>
+              <a:rPr lang="en-US" sz="8000" dirty="0">
+                <a:solidFill>
+                  <a:schemeClr val="tx1"/>
+                </a:solidFill>
+                <a:effectLst/>
+              </a:rPr>
+              <a:t>”</a:t>
+            </a:r>
+          </a:p>
+        </p:txBody>
+      </p:sp>
+    </p:spTree>
+    <p:extLst>
+      <p:ext uri="{BB962C8B-B14F-4D97-AF65-F5344CB8AC3E}">
+        <p14:creationId xmlns:p14="http://schemas.microsoft.com/office/powerpoint/2010/main" val="1341571116"/>
+      </p:ext>
+    </p:extLst>
+  </p:cSld>
+  <p:clrMapOvr>
+    <a:masterClrMapping/>
+  </p:clrMapOvr>
+</p:sldLayout>
+</file>
+
+<file path=ppt/slideLayouts/slideLayout13.xml><?xml version="1.0" encoding="utf-8"?>
+<p:sldLayout xmlns:a="http://schemas.openxmlformats.org/drawingml/2006/main" xmlns:r="http://schemas.openxmlformats.org/officeDocument/2006/relationships" xmlns:p="http://schemas.openxmlformats.org/presentationml/2006/main" showMasterSp="0" preserve="1">
+  <p:cSld name="Name Card">
+    <p:spTree>
+      <p:nvGrpSpPr>
+        <p:cNvPr id="1" name=""/>
+        <p:cNvGrpSpPr/>
+        <p:nvPr/>
+      </p:nvGrpSpPr>
+      <p:grpSpPr>
+        <a:xfrm>
+          <a:off x="0" y="0"/>
+          <a:ext cx="0" cy="0"/>
+          <a:chOff x="0" y="0"/>
+          <a:chExt cx="0" cy="0"/>
+        </a:xfrm>
+      </p:grpSpPr>
+      <p:pic>
+        <p:nvPicPr>
+          <p:cNvPr id="9" name="Picture 8" descr="C0-HD-BTM.png"/>
+          <p:cNvPicPr>
+            <a:picLocks noChangeAspect="1"/>
+          </p:cNvPicPr>
+          <p:nvPr/>
+        </p:nvPicPr>
+        <p:blipFill>
+          <a:blip r:embed="rId2">
+            <a:extLst>
+              <a:ext uri="{28A0092B-C50C-407E-A947-70E740481C1C}">
+                <a14:useLocalDpi xmlns:a14="http://schemas.microsoft.com/office/drawing/2010/main" val="0"/>
+              </a:ext>
+            </a:extLst>
+          </a:blip>
+          <a:stretch>
+            <a:fillRect/>
+          </a:stretch>
+        </p:blipFill>
+        <p:spPr>
+          <a:xfrm>
+            <a:off x="0" y="4375150"/>
+            <a:ext cx="12192000" cy="2482850"/>
+          </a:xfrm>
+          <a:prstGeom prst="rect">
+            <a:avLst/>
+          </a:prstGeom>
+        </p:spPr>
+      </p:pic>
+      <p:sp>
+        <p:nvSpPr>
+          <p:cNvPr id="2" name="Title 1"/>
+          <p:cNvSpPr>
+            <a:spLocks noGrp="1"/>
+          </p:cNvSpPr>
+          <p:nvPr>
+            <p:ph type="title"/>
+          </p:nvPr>
+        </p:nvSpPr>
+        <p:spPr>
+          <a:xfrm>
+            <a:off x="1024495" y="1124701"/>
+            <a:ext cx="10146186" cy="2511835"/>
+          </a:xfrm>
+        </p:spPr>
+        <p:txBody>
+          <a:bodyPr anchor="b"/>
+          <a:lstStyle>
+            <a:lvl1pPr algn="l">
+              <a:defRPr sz="3200"/>
+            </a:lvl1pPr>
+          </a:lstStyle>
+          <a:p>
+            <a:r>
+              <a:rPr lang="en-US"/>
+              <a:t>Click to edit Master title style</a:t>
+            </a:r>
+            <a:endParaRPr lang="en-US" dirty="0"/>
+          </a:p>
+        </p:txBody>
+      </p:sp>
+      <p:sp>
+        <p:nvSpPr>
+          <p:cNvPr id="4" name="Text Placeholder 3"/>
+          <p:cNvSpPr>
+            <a:spLocks noGrp="1"/>
+          </p:cNvSpPr>
+          <p:nvPr>
+            <p:ph type="body" sz="half" idx="2"/>
+          </p:nvPr>
+        </p:nvSpPr>
+        <p:spPr>
+          <a:xfrm>
+            <a:off x="1024467" y="3648315"/>
+            <a:ext cx="10144654" cy="999885"/>
+          </a:xfrm>
+        </p:spPr>
+        <p:txBody>
+          <a:bodyPr anchor="t"/>
+          <a:lstStyle>
+            <a:lvl1pPr marL="0" indent="0">
+              <a:buNone/>
+              <a:defRPr sz="1600"/>
+            </a:lvl1pPr>
+            <a:lvl2pPr marL="457200" indent="0">
+              <a:buNone/>
+              <a:defRPr sz="1400"/>
+            </a:lvl2pPr>
+            <a:lvl3pPr marL="914400" indent="0">
+              <a:buNone/>
+              <a:defRPr sz="1200"/>
+            </a:lvl3pPr>
+            <a:lvl4pPr marL="1371600" indent="0">
+              <a:buNone/>
+              <a:defRPr sz="1000"/>
+            </a:lvl4pPr>
+            <a:lvl5pPr marL="1828800" indent="0">
+              <a:buNone/>
+              <a:defRPr sz="1000"/>
+            </a:lvl5pPr>
+            <a:lvl6pPr marL="2286000" indent="0">
+              <a:buNone/>
+              <a:defRPr sz="1000"/>
+            </a:lvl6pPr>
+            <a:lvl7pPr marL="2743200" indent="0">
+              <a:buNone/>
+              <a:defRPr sz="1000"/>
+            </a:lvl7pPr>
+            <a:lvl8pPr marL="3200400" indent="0">
+              <a:buNone/>
+              <a:defRPr sz="1000"/>
+            </a:lvl8pPr>
+            <a:lvl9pPr marL="3657600" indent="0">
+              <a:buNone/>
+              <a:defRPr sz="1000"/>
+            </a:lvl9pPr>
+          </a:lstStyle>
+          <a:p>
+            <a:pPr lvl="0"/>
+            <a:r>
+              <a:rPr lang="en-US"/>
+              <a:t>Click to edit Master text styles</a:t>
+            </a:r>
+          </a:p>
+        </p:txBody>
+      </p:sp>
+      <p:sp>
+        <p:nvSpPr>
+          <p:cNvPr id="5" name="Date Placeholder 4"/>
+          <p:cNvSpPr>
+            <a:spLocks noGrp="1"/>
+          </p:cNvSpPr>
+          <p:nvPr>
+            <p:ph type="dt" sz="half" idx="10"/>
+          </p:nvPr>
+        </p:nvSpPr>
+        <p:spPr>
+          <a:xfrm>
+            <a:off x="7814452" y="378883"/>
+            <a:ext cx="2910840" cy="365125"/>
+          </a:xfrm>
+        </p:spPr>
+        <p:txBody>
+          <a:bodyPr/>
+          <a:lstStyle>
+            <a:lvl1pPr algn="r">
+              <a:defRPr/>
+            </a:lvl1pPr>
+          </a:lstStyle>
+          <a:p>
+            <a:fld id="{63A1C593-65D0-4073-BCC9-577B9352EA97}" type="datetimeFigureOut">
+              <a:rPr lang="en-US" smtClean="0"/>
+              <a:t>11/26/2023</a:t>
+            </a:fld>
+            <a:endParaRPr lang="en-US"/>
+          </a:p>
+        </p:txBody>
+      </p:sp>
+      <p:sp>
+        <p:nvSpPr>
+          <p:cNvPr id="6" name="Footer Placeholder 5"/>
+          <p:cNvSpPr>
+            <a:spLocks noGrp="1"/>
+          </p:cNvSpPr>
+          <p:nvPr>
+            <p:ph type="ftr" sz="quarter" idx="11"/>
+          </p:nvPr>
+        </p:nvSpPr>
+        <p:spPr>
+          <a:xfrm>
+            <a:off x="685800" y="378883"/>
+            <a:ext cx="6991492" cy="365125"/>
+          </a:xfrm>
+        </p:spPr>
+        <p:txBody>
+          <a:bodyPr/>
+          <a:lstStyle/>
+          <a:p>
+            <a:endParaRPr lang="en-US"/>
+          </a:p>
+        </p:txBody>
+      </p:sp>
+      <p:sp>
+        <p:nvSpPr>
+          <p:cNvPr id="7" name="Slide Number Placeholder 6"/>
+          <p:cNvSpPr>
+            <a:spLocks noGrp="1"/>
+          </p:cNvSpPr>
+          <p:nvPr>
+            <p:ph type="sldNum" sz="quarter" idx="12"/>
+          </p:nvPr>
+        </p:nvSpPr>
+        <p:spPr>
+          <a:xfrm>
+            <a:off x="10862452" y="381000"/>
+            <a:ext cx="643748" cy="365125"/>
+          </a:xfrm>
+        </p:spPr>
+        <p:txBody>
+          <a:bodyPr/>
+          <a:lstStyle/>
+          <a:p>
+            <a:fld id="{9B618960-8005-486C-9A75-10CB2AAC16F9}" type="slidenum">
+              <a:rPr lang="en-US" smtClean="0"/>
+              <a:t>‹#›</a:t>
+            </a:fld>
+            <a:endParaRPr lang="en-US"/>
+          </a:p>
+        </p:txBody>
+      </p:sp>
+    </p:spTree>
+    <p:extLst>
+      <p:ext uri="{BB962C8B-B14F-4D97-AF65-F5344CB8AC3E}">
+        <p14:creationId xmlns:p14="http://schemas.microsoft.com/office/powerpoint/2010/main" val="2232241544"/>
+      </p:ext>
+    </p:extLst>
+  </p:cSld>
+  <p:clrMapOvr>
+    <a:masterClrMapping/>
+  </p:clrMapOvr>
+</p:sldLayout>
+</file>
+
+<file path=ppt/slideLayouts/slideLayout14.xml><?xml version="1.0" encoding="utf-8"?>
+<p:sldLayout xmlns:a="http://schemas.openxmlformats.org/drawingml/2006/main" xmlns:r="http://schemas.openxmlformats.org/officeDocument/2006/relationships" xmlns:p="http://schemas.openxmlformats.org/presentationml/2006/main" preserve="1">
+  <p:cSld name="3 Column">
+    <p:spTree>
+      <p:nvGrpSpPr>
+        <p:cNvPr id="1" name=""/>
+        <p:cNvGrpSpPr/>
+        <p:nvPr/>
+      </p:nvGrpSpPr>
+      <p:grpSpPr>
+        <a:xfrm>
+          <a:off x="0" y="0"/>
+          <a:ext cx="0" cy="0"/>
+          <a:chOff x="0" y="0"/>
+          <a:chExt cx="0" cy="0"/>
+        </a:xfrm>
+      </p:grpSpPr>
+      <p:sp>
+        <p:nvSpPr>
+          <p:cNvPr id="15" name="Title 1"/>
+          <p:cNvSpPr>
+            <a:spLocks noGrp="1"/>
+          </p:cNvSpPr>
+          <p:nvPr>
+            <p:ph type="title"/>
+          </p:nvPr>
+        </p:nvSpPr>
+        <p:spPr>
+          <a:xfrm>
+            <a:off x="2895600" y="761999"/>
+            <a:ext cx="8610599" cy="1303867"/>
+          </a:xfrm>
+        </p:spPr>
+        <p:txBody>
+          <a:bodyPr/>
+          <a:lstStyle/>
+          <a:p>
+            <a:r>
+              <a:rPr lang="en-US"/>
+              <a:t>Click to edit Master title style</a:t>
+            </a:r>
+            <a:endParaRPr lang="en-US" dirty="0"/>
+          </a:p>
+        </p:txBody>
+      </p:sp>
+      <p:sp>
+        <p:nvSpPr>
+          <p:cNvPr id="7" name="Text Placeholder 2"/>
+          <p:cNvSpPr>
+            <a:spLocks noGrp="1"/>
+          </p:cNvSpPr>
+          <p:nvPr>
+            <p:ph type="body" idx="1"/>
+          </p:nvPr>
+        </p:nvSpPr>
+        <p:spPr>
+          <a:xfrm>
+            <a:off x="685800" y="2202080"/>
+            <a:ext cx="3456432" cy="617320"/>
+          </a:xfrm>
+        </p:spPr>
+        <p:txBody>
+          <a:bodyPr anchor="b">
+            <a:noAutofit/>
+          </a:bodyPr>
+          <a:lstStyle>
+            <a:lvl1pPr marL="0" indent="0">
+              <a:buNone/>
+              <a:defRPr sz="2400" b="0">
+                <a:solidFill>
+                  <a:schemeClr val="tx1"/>
+                </a:solidFill>
+              </a:defRPr>
+            </a:lvl1pPr>
+            <a:lvl2pPr marL="457200" indent="0">
+              <a:buNone/>
+              <a:defRPr sz="2000" b="1"/>
+            </a:lvl2pPr>
+            <a:lvl3pPr marL="914400" indent="0">
+              <a:buNone/>
+              <a:defRPr sz="1800" b="1"/>
+            </a:lvl3pPr>
+            <a:lvl4pPr marL="1371600" indent="0">
+              <a:buNone/>
+              <a:defRPr sz="1600" b="1"/>
+            </a:lvl4pPr>
+            <a:lvl5pPr marL="1828800" indent="0">
+              <a:buNone/>
+              <a:defRPr sz="1600" b="1"/>
+            </a:lvl5pPr>
+            <a:lvl6pPr marL="2286000" indent="0">
+              <a:buNone/>
+              <a:defRPr sz="1600" b="1"/>
+            </a:lvl6pPr>
+            <a:lvl7pPr marL="2743200" indent="0">
+              <a:buNone/>
+              <a:defRPr sz="1600" b="1"/>
+            </a:lvl7pPr>
+            <a:lvl8pPr marL="3200400" indent="0">
+              <a:buNone/>
+              <a:defRPr sz="1600" b="1"/>
+            </a:lvl8pPr>
+            <a:lvl9pPr marL="3657600" indent="0">
+              <a:buNone/>
+              <a:defRPr sz="1600" b="1"/>
+            </a:lvl9pPr>
+          </a:lstStyle>
+          <a:p>
+            <a:pPr lvl="0"/>
+            <a:r>
+              <a:rPr lang="en-US"/>
+              <a:t>Click to edit Master text styles</a:t>
+            </a:r>
+          </a:p>
+        </p:txBody>
+      </p:sp>
+      <p:sp>
+        <p:nvSpPr>
+          <p:cNvPr id="8" name="Text Placeholder 3"/>
+          <p:cNvSpPr>
+            <a:spLocks noGrp="1"/>
+          </p:cNvSpPr>
+          <p:nvPr>
+            <p:ph type="body" sz="half" idx="15"/>
+          </p:nvPr>
+        </p:nvSpPr>
+        <p:spPr>
+          <a:xfrm>
+            <a:off x="685799" y="2904565"/>
+            <a:ext cx="3456432" cy="3314132"/>
+          </a:xfrm>
+        </p:spPr>
+        <p:txBody>
+          <a:bodyPr anchor="t">
+            <a:normAutofit/>
+          </a:bodyPr>
+          <a:lstStyle>
+            <a:lvl1pPr marL="0" indent="0">
+              <a:buNone/>
+              <a:defRPr sz="1400"/>
+            </a:lvl1pPr>
+            <a:lvl2pPr marL="457200" indent="0">
+              <a:buNone/>
+              <a:defRPr sz="1200"/>
+            </a:lvl2pPr>
+            <a:lvl3pPr marL="914400" indent="0">
+              <a:buNone/>
+              <a:defRPr sz="1000"/>
+            </a:lvl3pPr>
+            <a:lvl4pPr marL="1371600" indent="0">
+              <a:buNone/>
+              <a:defRPr sz="900"/>
+            </a:lvl4pPr>
+            <a:lvl5pPr marL="1828800" indent="0">
+              <a:buNone/>
+              <a:defRPr sz="900"/>
+            </a:lvl5pPr>
+            <a:lvl6pPr marL="2286000" indent="0">
+              <a:buNone/>
+              <a:defRPr sz="900"/>
+            </a:lvl6pPr>
+            <a:lvl7pPr marL="2743200" indent="0">
+              <a:buNone/>
+              <a:defRPr sz="900"/>
+            </a:lvl7pPr>
+            <a:lvl8pPr marL="3200400" indent="0">
+              <a:buNone/>
+              <a:defRPr sz="900"/>
+            </a:lvl8pPr>
+            <a:lvl9pPr marL="3657600" indent="0">
+              <a:buNone/>
+              <a:defRPr sz="900"/>
+            </a:lvl9pPr>
+          </a:lstStyle>
+          <a:p>
+            <a:pPr lvl="0"/>
+            <a:r>
+              <a:rPr lang="en-US"/>
+              <a:t>Click to edit Master text styles</a:t>
+            </a:r>
+          </a:p>
+        </p:txBody>
+      </p:sp>
+      <p:sp>
+        <p:nvSpPr>
+          <p:cNvPr id="9" name="Text Placeholder 4"/>
+          <p:cNvSpPr>
+            <a:spLocks noGrp="1"/>
+          </p:cNvSpPr>
+          <p:nvPr>
+            <p:ph type="body" sz="quarter" idx="3"/>
+          </p:nvPr>
+        </p:nvSpPr>
+        <p:spPr>
+          <a:xfrm>
+            <a:off x="4368800" y="2201333"/>
+            <a:ext cx="3456432" cy="626534"/>
+          </a:xfrm>
+        </p:spPr>
+        <p:txBody>
+          <a:bodyPr anchor="b">
+            <a:noAutofit/>
+          </a:bodyPr>
+          <a:lstStyle>
+            <a:lvl1pPr marL="0" indent="0">
+              <a:buNone/>
+              <a:defRPr sz="2400" b="0">
+                <a:solidFill>
+                  <a:schemeClr val="tx1"/>
+                </a:solidFill>
+              </a:defRPr>
+            </a:lvl1pPr>
+            <a:lvl2pPr marL="457200" indent="0">
+              <a:buNone/>
+              <a:defRPr sz="2000" b="1"/>
+            </a:lvl2pPr>
+            <a:lvl3pPr marL="914400" indent="0">
+              <a:buNone/>
+              <a:defRPr sz="1800" b="1"/>
+            </a:lvl3pPr>
+            <a:lvl4pPr marL="1371600" indent="0">
+              <a:buNone/>
+              <a:defRPr sz="1600" b="1"/>
+            </a:lvl4pPr>
+            <a:lvl5pPr marL="1828800" indent="0">
+              <a:buNone/>
+              <a:defRPr sz="1600" b="1"/>
+            </a:lvl5pPr>
+            <a:lvl6pPr marL="2286000" indent="0">
+              <a:buNone/>
+              <a:defRPr sz="1600" b="1"/>
+            </a:lvl6pPr>
+            <a:lvl7pPr marL="2743200" indent="0">
+              <a:buNone/>
+              <a:defRPr sz="1600" b="1"/>
+            </a:lvl7pPr>
+            <a:lvl8pPr marL="3200400" indent="0">
+              <a:buNone/>
+              <a:defRPr sz="1600" b="1"/>
+            </a:lvl8pPr>
+            <a:lvl9pPr marL="3657600" indent="0">
+              <a:buNone/>
+              <a:defRPr sz="1600" b="1"/>
+            </a:lvl9pPr>
+          </a:lstStyle>
+          <a:p>
+            <a:pPr lvl="0"/>
+            <a:r>
+              <a:rPr lang="en-US"/>
+              <a:t>Click to edit Master text styles</a:t>
+            </a:r>
+          </a:p>
+        </p:txBody>
+      </p:sp>
+      <p:sp>
+        <p:nvSpPr>
+          <p:cNvPr id="10" name="Text Placeholder 3"/>
+          <p:cNvSpPr>
+            <a:spLocks noGrp="1"/>
+          </p:cNvSpPr>
+          <p:nvPr>
+            <p:ph type="body" sz="half" idx="16"/>
+          </p:nvPr>
+        </p:nvSpPr>
+        <p:spPr>
+          <a:xfrm>
+            <a:off x="4366858" y="2904067"/>
+            <a:ext cx="3456432" cy="3314618"/>
+          </a:xfrm>
+        </p:spPr>
+        <p:txBody>
+          <a:bodyPr anchor="t">
+            <a:normAutofit/>
+          </a:bodyPr>
+          <a:lstStyle>
+            <a:lvl1pPr marL="0" indent="0">
+              <a:buNone/>
+              <a:defRPr sz="1400"/>
+            </a:lvl1pPr>
+            <a:lvl2pPr marL="457200" indent="0">
+              <a:buNone/>
+              <a:defRPr sz="1200"/>
+            </a:lvl2pPr>
+            <a:lvl3pPr marL="914400" indent="0">
+              <a:buNone/>
+              <a:defRPr sz="1000"/>
+            </a:lvl3pPr>
+            <a:lvl4pPr marL="1371600" indent="0">
+              <a:buNone/>
+              <a:defRPr sz="900"/>
+            </a:lvl4pPr>
+            <a:lvl5pPr marL="1828800" indent="0">
+              <a:buNone/>
+              <a:defRPr sz="900"/>
+            </a:lvl5pPr>
+            <a:lvl6pPr marL="2286000" indent="0">
+              <a:buNone/>
+              <a:defRPr sz="900"/>
+            </a:lvl6pPr>
+            <a:lvl7pPr marL="2743200" indent="0">
+              <a:buNone/>
+              <a:defRPr sz="900"/>
+            </a:lvl7pPr>
+            <a:lvl8pPr marL="3200400" indent="0">
+              <a:buNone/>
+              <a:defRPr sz="900"/>
+            </a:lvl8pPr>
+            <a:lvl9pPr marL="3657600" indent="0">
+              <a:buNone/>
+              <a:defRPr sz="900"/>
+            </a:lvl9pPr>
+          </a:lstStyle>
+          <a:p>
+            <a:pPr lvl="0"/>
+            <a:r>
+              <a:rPr lang="en-US"/>
+              <a:t>Click to edit Master text styles</a:t>
+            </a:r>
+          </a:p>
+        </p:txBody>
+      </p:sp>
+      <p:sp>
+        <p:nvSpPr>
+          <p:cNvPr id="11" name="Text Placeholder 4"/>
+          <p:cNvSpPr>
+            <a:spLocks noGrp="1"/>
+          </p:cNvSpPr>
+          <p:nvPr>
+            <p:ph type="body" sz="quarter" idx="13"/>
+          </p:nvPr>
+        </p:nvSpPr>
+        <p:spPr>
+          <a:xfrm>
+            <a:off x="8051800" y="2192866"/>
+            <a:ext cx="3456432" cy="626534"/>
+          </a:xfrm>
+        </p:spPr>
+        <p:txBody>
+          <a:bodyPr anchor="b">
+            <a:noAutofit/>
+          </a:bodyPr>
+          <a:lstStyle>
+            <a:lvl1pPr marL="0" indent="0">
+              <a:buNone/>
+              <a:defRPr sz="2400" b="0">
+                <a:solidFill>
+                  <a:schemeClr val="tx1"/>
+                </a:solidFill>
+              </a:defRPr>
+            </a:lvl1pPr>
+            <a:lvl2pPr marL="457200" indent="0">
+              <a:buNone/>
+              <a:defRPr sz="2000" b="1"/>
+            </a:lvl2pPr>
+            <a:lvl3pPr marL="914400" indent="0">
+              <a:buNone/>
+              <a:defRPr sz="1800" b="1"/>
+            </a:lvl3pPr>
+            <a:lvl4pPr marL="1371600" indent="0">
+              <a:buNone/>
+              <a:defRPr sz="1600" b="1"/>
+            </a:lvl4pPr>
+            <a:lvl5pPr marL="1828800" indent="0">
+              <a:buNone/>
+              <a:defRPr sz="1600" b="1"/>
+            </a:lvl5pPr>
+            <a:lvl6pPr marL="2286000" indent="0">
+              <a:buNone/>
+              <a:defRPr sz="1600" b="1"/>
+            </a:lvl6pPr>
+            <a:lvl7pPr marL="2743200" indent="0">
+              <a:buNone/>
+              <a:defRPr sz="1600" b="1"/>
+            </a:lvl7pPr>
+            <a:lvl8pPr marL="3200400" indent="0">
+              <a:buNone/>
+              <a:defRPr sz="1600" b="1"/>
+            </a:lvl8pPr>
+            <a:lvl9pPr marL="3657600" indent="0">
+              <a:buNone/>
+              <a:defRPr sz="1600" b="1"/>
+            </a:lvl9pPr>
+          </a:lstStyle>
+          <a:p>
+            <a:pPr lvl="0"/>
+            <a:r>
+              <a:rPr lang="en-US"/>
+              <a:t>Click to edit Master text styles</a:t>
+            </a:r>
+          </a:p>
+        </p:txBody>
+      </p:sp>
+      <p:sp>
+        <p:nvSpPr>
+          <p:cNvPr id="12" name="Text Placeholder 3"/>
+          <p:cNvSpPr>
+            <a:spLocks noGrp="1"/>
+          </p:cNvSpPr>
+          <p:nvPr>
+            <p:ph type="body" sz="half" idx="17"/>
+          </p:nvPr>
+        </p:nvSpPr>
+        <p:spPr>
+          <a:xfrm>
+            <a:off x="8051801" y="2904565"/>
+            <a:ext cx="3456432" cy="3314132"/>
+          </a:xfrm>
+        </p:spPr>
+        <p:txBody>
+          <a:bodyPr anchor="t">
+            <a:normAutofit/>
+          </a:bodyPr>
+          <a:lstStyle>
+            <a:lvl1pPr marL="0" indent="0">
+              <a:buNone/>
+              <a:defRPr sz="1400"/>
+            </a:lvl1pPr>
+            <a:lvl2pPr marL="457200" indent="0">
+              <a:buNone/>
+              <a:defRPr sz="1200"/>
+            </a:lvl2pPr>
+            <a:lvl3pPr marL="914400" indent="0">
+              <a:buNone/>
+              <a:defRPr sz="1000"/>
+            </a:lvl3pPr>
+            <a:lvl4pPr marL="1371600" indent="0">
+              <a:buNone/>
+              <a:defRPr sz="900"/>
+            </a:lvl4pPr>
+            <a:lvl5pPr marL="1828800" indent="0">
+              <a:buNone/>
+              <a:defRPr sz="900"/>
+            </a:lvl5pPr>
+            <a:lvl6pPr marL="2286000" indent="0">
+              <a:buNone/>
+              <a:defRPr sz="900"/>
+            </a:lvl6pPr>
+            <a:lvl7pPr marL="2743200" indent="0">
+              <a:buNone/>
+              <a:defRPr sz="900"/>
+            </a:lvl7pPr>
+            <a:lvl8pPr marL="3200400" indent="0">
+              <a:buNone/>
+              <a:defRPr sz="900"/>
+            </a:lvl8pPr>
+            <a:lvl9pPr marL="3657600" indent="0">
+              <a:buNone/>
+              <a:defRPr sz="900"/>
+            </a:lvl9pPr>
+          </a:lstStyle>
+          <a:p>
+            <a:pPr lvl="0"/>
+            <a:r>
+              <a:rPr lang="en-US"/>
+              <a:t>Click to edit Master text styles</a:t>
+            </a:r>
+          </a:p>
+        </p:txBody>
+      </p:sp>
+      <p:sp>
+        <p:nvSpPr>
+          <p:cNvPr id="3" name="Date Placeholder 2"/>
+          <p:cNvSpPr>
+            <a:spLocks noGrp="1"/>
+          </p:cNvSpPr>
+          <p:nvPr>
+            <p:ph type="dt" sz="half" idx="10"/>
+          </p:nvPr>
+        </p:nvSpPr>
+        <p:spPr/>
+        <p:txBody>
+          <a:bodyPr/>
+          <a:lstStyle/>
+          <a:p>
+            <a:fld id="{63A1C593-65D0-4073-BCC9-577B9352EA97}" type="datetimeFigureOut">
+              <a:rPr lang="en-US" smtClean="0"/>
+              <a:t>11/26/2023</a:t>
+            </a:fld>
+            <a:endParaRPr lang="en-US"/>
+          </a:p>
+        </p:txBody>
+      </p:sp>
+      <p:sp>
+        <p:nvSpPr>
+          <p:cNvPr id="4" name="Footer Placeholder 3"/>
+          <p:cNvSpPr>
+            <a:spLocks noGrp="1"/>
+          </p:cNvSpPr>
+          <p:nvPr>
+            <p:ph type="ftr" sz="quarter" idx="11"/>
+          </p:nvPr>
+        </p:nvSpPr>
+        <p:spPr/>
+        <p:txBody>
+          <a:bodyPr/>
+          <a:lstStyle/>
+          <a:p>
+            <a:endParaRPr lang="en-US"/>
+          </a:p>
+        </p:txBody>
+      </p:sp>
+      <p:sp>
+        <p:nvSpPr>
+          <p:cNvPr id="5" name="Slide Number Placeholder 4"/>
+          <p:cNvSpPr>
+            <a:spLocks noGrp="1"/>
+          </p:cNvSpPr>
+          <p:nvPr>
+            <p:ph type="sldNum" sz="quarter" idx="12"/>
+          </p:nvPr>
+        </p:nvSpPr>
+        <p:spPr/>
+        <p:txBody>
+          <a:bodyPr/>
+          <a:lstStyle/>
+          <a:p>
+            <a:fld id="{9B618960-8005-486C-9A75-10CB2AAC16F9}" type="slidenum">
+              <a:rPr lang="en-US" smtClean="0"/>
+              <a:t>‹#›</a:t>
+            </a:fld>
+            <a:endParaRPr lang="en-US"/>
+          </a:p>
+        </p:txBody>
+      </p:sp>
+    </p:spTree>
+    <p:extLst>
+      <p:ext uri="{BB962C8B-B14F-4D97-AF65-F5344CB8AC3E}">
+        <p14:creationId xmlns:p14="http://schemas.microsoft.com/office/powerpoint/2010/main" val="4129185699"/>
+      </p:ext>
+    </p:extLst>
+  </p:cSld>
+  <p:clrMapOvr>
+    <a:masterClrMapping/>
+  </p:clrMapOvr>
+</p:sldLayout>
+</file>
+
+<file path=ppt/slideLayouts/slideLayout15.xml><?xml version="1.0" encoding="utf-8"?>
+<p:sldLayout xmlns:a="http://schemas.openxmlformats.org/drawingml/2006/main" xmlns:r="http://schemas.openxmlformats.org/officeDocument/2006/relationships" xmlns:p="http://schemas.openxmlformats.org/presentationml/2006/main" preserve="1">
+  <p:cSld name="3 Picture Column">
+    <p:spTree>
+      <p:nvGrpSpPr>
+        <p:cNvPr id="1" name=""/>
+        <p:cNvGrpSpPr/>
+        <p:nvPr/>
+      </p:nvGrpSpPr>
+      <p:grpSpPr>
+        <a:xfrm>
+          <a:off x="0" y="0"/>
+          <a:ext cx="0" cy="0"/>
+          <a:chOff x="0" y="0"/>
+          <a:chExt cx="0" cy="0"/>
+        </a:xfrm>
+      </p:grpSpPr>
+      <p:sp>
+        <p:nvSpPr>
+          <p:cNvPr id="30" name="Title 1"/>
+          <p:cNvSpPr>
+            <a:spLocks noGrp="1"/>
+          </p:cNvSpPr>
+          <p:nvPr>
+            <p:ph type="title"/>
+          </p:nvPr>
+        </p:nvSpPr>
+        <p:spPr>
+          <a:xfrm>
+            <a:off x="2895600" y="762000"/>
+            <a:ext cx="8610599" cy="1295400"/>
+          </a:xfrm>
+        </p:spPr>
+        <p:txBody>
+          <a:bodyPr/>
+          <a:lstStyle/>
+          <a:p>
+            <a:r>
+              <a:rPr lang="en-US"/>
+              <a:t>Click to edit Master title style</a:t>
+            </a:r>
+            <a:endParaRPr lang="en-US" dirty="0"/>
+          </a:p>
+        </p:txBody>
+      </p:sp>
+      <p:sp>
+        <p:nvSpPr>
+          <p:cNvPr id="19" name="Text Placeholder 2"/>
+          <p:cNvSpPr>
+            <a:spLocks noGrp="1"/>
+          </p:cNvSpPr>
+          <p:nvPr>
+            <p:ph type="body" idx="1"/>
+          </p:nvPr>
+        </p:nvSpPr>
+        <p:spPr>
+          <a:xfrm>
+            <a:off x="688618" y="4191000"/>
+            <a:ext cx="3451582" cy="682765"/>
+          </a:xfrm>
+        </p:spPr>
+        <p:txBody>
+          <a:bodyPr anchor="b">
+            <a:noAutofit/>
+          </a:bodyPr>
+          <a:lstStyle>
+            <a:lvl1pPr marL="0" indent="0">
+              <a:buNone/>
+              <a:defRPr sz="2400" b="0">
+                <a:solidFill>
+                  <a:schemeClr val="tx1"/>
+                </a:solidFill>
+              </a:defRPr>
+            </a:lvl1pPr>
+            <a:lvl2pPr marL="457200" indent="0">
+              <a:buNone/>
+              <a:defRPr sz="2000" b="1"/>
+            </a:lvl2pPr>
+            <a:lvl3pPr marL="914400" indent="0">
+              <a:buNone/>
+              <a:defRPr sz="1800" b="1"/>
+            </a:lvl3pPr>
+            <a:lvl4pPr marL="1371600" indent="0">
+              <a:buNone/>
+              <a:defRPr sz="1600" b="1"/>
+            </a:lvl4pPr>
+            <a:lvl5pPr marL="1828800" indent="0">
+              <a:buNone/>
+              <a:defRPr sz="1600" b="1"/>
+            </a:lvl5pPr>
+            <a:lvl6pPr marL="2286000" indent="0">
+              <a:buNone/>
+              <a:defRPr sz="1600" b="1"/>
+            </a:lvl6pPr>
+            <a:lvl7pPr marL="2743200" indent="0">
+              <a:buNone/>
+              <a:defRPr sz="1600" b="1"/>
+            </a:lvl7pPr>
+            <a:lvl8pPr marL="3200400" indent="0">
+              <a:buNone/>
+              <a:defRPr sz="1600" b="1"/>
+            </a:lvl8pPr>
+            <a:lvl9pPr marL="3657600" indent="0">
+              <a:buNone/>
+              <a:defRPr sz="1600" b="1"/>
+            </a:lvl9pPr>
+          </a:lstStyle>
+          <a:p>
+            <a:pPr lvl="0"/>
+            <a:r>
+              <a:rPr lang="en-US"/>
+              <a:t>Click to edit Master text styles</a:t>
+            </a:r>
+          </a:p>
+        </p:txBody>
+      </p:sp>
+      <p:sp>
+        <p:nvSpPr>
+          <p:cNvPr id="20" name="Picture Placeholder 2"/>
+          <p:cNvSpPr>
+            <a:spLocks noGrp="1" noChangeAspect="1"/>
+          </p:cNvSpPr>
+          <p:nvPr>
+            <p:ph type="pic" idx="15"/>
+          </p:nvPr>
+        </p:nvSpPr>
+        <p:spPr>
+          <a:xfrm>
+            <a:off x="688618" y="2362200"/>
+            <a:ext cx="3451582" cy="1524000"/>
+          </a:xfrm>
+          <a:prstGeom prst="roundRect">
+            <a:avLst>
+              <a:gd name="adj" fmla="val 0"/>
+            </a:avLst>
+          </a:prstGeom>
+          <a:effectLst>
+            <a:outerShdw blurRad="50800" dist="50800" dir="5400000" algn="tl" rotWithShape="0">
+              <a:srgbClr val="000000">
+                <a:alpha val="43000"/>
+              </a:srgbClr>
+            </a:outerShdw>
+          </a:effectLst>
+        </p:spPr>
+        <p:txBody>
+          <a:bodyPr anchor="t">
+            <a:normAutofit/>
+          </a:bodyPr>
+          <a:lstStyle>
+            <a:lvl1pPr marL="0" indent="0" algn="ctr">
+              <a:buNone/>
+              <a:defRPr sz="1600"/>
+            </a:lvl1pPr>
+            <a:lvl2pPr marL="457200" indent="0">
+              <a:buNone/>
+              <a:defRPr sz="1600"/>
+            </a:lvl2pPr>
+            <a:lvl3pPr marL="914400" indent="0">
+              <a:buNone/>
+              <a:defRPr sz="1600"/>
+            </a:lvl3pPr>
+            <a:lvl4pPr marL="1371600" indent="0">
+              <a:buNone/>
+              <a:defRPr sz="1600"/>
+            </a:lvl4pPr>
+            <a:lvl5pPr marL="1828800" indent="0">
+              <a:buNone/>
+              <a:defRPr sz="1600"/>
+            </a:lvl5pPr>
+            <a:lvl6pPr marL="2286000" indent="0">
+              <a:buNone/>
+              <a:defRPr sz="1600"/>
+            </a:lvl6pPr>
+            <a:lvl7pPr marL="2743200" indent="0">
+              <a:buNone/>
+              <a:defRPr sz="1600"/>
+            </a:lvl7pPr>
+            <a:lvl8pPr marL="3200400" indent="0">
+              <a:buNone/>
+              <a:defRPr sz="1600"/>
+            </a:lvl8pPr>
+            <a:lvl9pPr marL="3657600" indent="0">
+              <a:buNone/>
+              <a:defRPr sz="1600"/>
+            </a:lvl9pPr>
+          </a:lstStyle>
+          <a:p>
+            <a:r>
+              <a:rPr lang="en-US"/>
+              <a:t>Click icon to add picture</a:t>
+            </a:r>
+            <a:endParaRPr lang="en-US" dirty="0"/>
+          </a:p>
+        </p:txBody>
+      </p:sp>
+      <p:sp>
+        <p:nvSpPr>
+          <p:cNvPr id="21" name="Text Placeholder 3"/>
+          <p:cNvSpPr>
+            <a:spLocks noGrp="1"/>
+          </p:cNvSpPr>
+          <p:nvPr>
+            <p:ph type="body" sz="half" idx="18"/>
+          </p:nvPr>
+        </p:nvSpPr>
+        <p:spPr>
+          <a:xfrm>
+            <a:off x="688618" y="4873764"/>
+            <a:ext cx="3451582" cy="1344921"/>
+          </a:xfrm>
+        </p:spPr>
+        <p:txBody>
+          <a:bodyPr anchor="t">
+            <a:normAutofit/>
+          </a:bodyPr>
+          <a:lstStyle>
+            <a:lvl1pPr marL="0" indent="0">
+              <a:buNone/>
+              <a:defRPr sz="1400"/>
+            </a:lvl1pPr>
+            <a:lvl2pPr marL="457200" indent="0">
+              <a:buNone/>
+              <a:defRPr sz="1200"/>
+            </a:lvl2pPr>
+            <a:lvl3pPr marL="914400" indent="0">
+              <a:buNone/>
+              <a:defRPr sz="1000"/>
+            </a:lvl3pPr>
+            <a:lvl4pPr marL="1371600" indent="0">
+              <a:buNone/>
+              <a:defRPr sz="900"/>
+            </a:lvl4pPr>
+            <a:lvl5pPr marL="1828800" indent="0">
+              <a:buNone/>
+              <a:defRPr sz="900"/>
+            </a:lvl5pPr>
+            <a:lvl6pPr marL="2286000" indent="0">
+              <a:buNone/>
+              <a:defRPr sz="900"/>
+            </a:lvl6pPr>
+            <a:lvl7pPr marL="2743200" indent="0">
+              <a:buNone/>
+              <a:defRPr sz="900"/>
+            </a:lvl7pPr>
+            <a:lvl8pPr marL="3200400" indent="0">
+              <a:buNone/>
+              <a:defRPr sz="900"/>
+            </a:lvl8pPr>
+            <a:lvl9pPr marL="3657600" indent="0">
+              <a:buNone/>
+              <a:defRPr sz="900"/>
+            </a:lvl9pPr>
+          </a:lstStyle>
+          <a:p>
+            <a:pPr lvl="0"/>
+            <a:r>
+              <a:rPr lang="en-US"/>
+              <a:t>Click to edit Master text styles</a:t>
+            </a:r>
+          </a:p>
+        </p:txBody>
+      </p:sp>
+      <p:sp>
+        <p:nvSpPr>
+          <p:cNvPr id="22" name="Text Placeholder 4"/>
+          <p:cNvSpPr>
+            <a:spLocks noGrp="1"/>
+          </p:cNvSpPr>
+          <p:nvPr>
+            <p:ph type="body" sz="quarter" idx="3"/>
+          </p:nvPr>
+        </p:nvSpPr>
+        <p:spPr>
+          <a:xfrm>
+            <a:off x="4374263" y="4191000"/>
+            <a:ext cx="3448935" cy="682765"/>
+          </a:xfrm>
+        </p:spPr>
+        <p:txBody>
+          <a:bodyPr anchor="b">
+            <a:noAutofit/>
+          </a:bodyPr>
+          <a:lstStyle>
+            <a:lvl1pPr marL="0" indent="0">
+              <a:buNone/>
+              <a:defRPr sz="2400" b="0">
+                <a:solidFill>
+                  <a:schemeClr val="tx1"/>
+                </a:solidFill>
+              </a:defRPr>
+            </a:lvl1pPr>
+            <a:lvl2pPr marL="457200" indent="0">
+              <a:buNone/>
+              <a:defRPr sz="2000" b="1"/>
+            </a:lvl2pPr>
+            <a:lvl3pPr marL="914400" indent="0">
+              <a:buNone/>
+              <a:defRPr sz="1800" b="1"/>
+            </a:lvl3pPr>
+            <a:lvl4pPr marL="1371600" indent="0">
+              <a:buNone/>
+              <a:defRPr sz="1600" b="1"/>
+            </a:lvl4pPr>
+            <a:lvl5pPr marL="1828800" indent="0">
+              <a:buNone/>
+              <a:defRPr sz="1600" b="1"/>
+            </a:lvl5pPr>
+            <a:lvl6pPr marL="2286000" indent="0">
+              <a:buNone/>
+              <a:defRPr sz="1600" b="1"/>
+            </a:lvl6pPr>
+            <a:lvl7pPr marL="2743200" indent="0">
+              <a:buNone/>
+              <a:defRPr sz="1600" b="1"/>
+            </a:lvl7pPr>
+            <a:lvl8pPr marL="3200400" indent="0">
+              <a:buNone/>
+              <a:defRPr sz="1600" b="1"/>
+            </a:lvl8pPr>
+            <a:lvl9pPr marL="3657600" indent="0">
+              <a:buNone/>
+              <a:defRPr sz="1600" b="1"/>
+            </a:lvl9pPr>
+          </a:lstStyle>
+          <a:p>
+            <a:pPr lvl="0"/>
+            <a:r>
+              <a:rPr lang="en-US"/>
+              <a:t>Click to edit Master text styles</a:t>
+            </a:r>
+          </a:p>
+        </p:txBody>
+      </p:sp>
+      <p:sp>
+        <p:nvSpPr>
+          <p:cNvPr id="23" name="Picture Placeholder 2"/>
+          <p:cNvSpPr>
+            <a:spLocks noGrp="1" noChangeAspect="1"/>
+          </p:cNvSpPr>
+          <p:nvPr>
+            <p:ph type="pic" idx="21"/>
+          </p:nvPr>
+        </p:nvSpPr>
+        <p:spPr>
+          <a:xfrm>
+            <a:off x="4374263" y="2362200"/>
+            <a:ext cx="3448936" cy="1524000"/>
+          </a:xfrm>
+          <a:prstGeom prst="roundRect">
+            <a:avLst>
+              <a:gd name="adj" fmla="val 0"/>
+            </a:avLst>
+          </a:prstGeom>
+          <a:effectLst>
+            <a:outerShdw blurRad="50800" dist="50800" dir="5400000" algn="tl" rotWithShape="0">
+              <a:srgbClr val="000000">
+                <a:alpha val="43000"/>
+              </a:srgbClr>
+            </a:outerShdw>
+          </a:effectLst>
+        </p:spPr>
+        <p:txBody>
+          <a:bodyPr anchor="t">
+            <a:normAutofit/>
+          </a:bodyPr>
+          <a:lstStyle>
+            <a:lvl1pPr marL="0" indent="0" algn="ctr">
+              <a:buNone/>
+              <a:defRPr sz="1600"/>
+            </a:lvl1pPr>
+            <a:lvl2pPr marL="457200" indent="0">
+              <a:buNone/>
+              <a:defRPr sz="1600"/>
+            </a:lvl2pPr>
+            <a:lvl3pPr marL="914400" indent="0">
+              <a:buNone/>
+              <a:defRPr sz="1600"/>
+            </a:lvl3pPr>
+            <a:lvl4pPr marL="1371600" indent="0">
+              <a:buNone/>
+              <a:defRPr sz="1600"/>
+            </a:lvl4pPr>
+            <a:lvl5pPr marL="1828800" indent="0">
+              <a:buNone/>
+              <a:defRPr sz="1600"/>
+            </a:lvl5pPr>
+            <a:lvl6pPr marL="2286000" indent="0">
+              <a:buNone/>
+              <a:defRPr sz="1600"/>
+            </a:lvl6pPr>
+            <a:lvl7pPr marL="2743200" indent="0">
+              <a:buNone/>
+              <a:defRPr sz="1600"/>
+            </a:lvl7pPr>
+            <a:lvl8pPr marL="3200400" indent="0">
+              <a:buNone/>
+              <a:defRPr sz="1600"/>
+            </a:lvl8pPr>
+            <a:lvl9pPr marL="3657600" indent="0">
+              <a:buNone/>
+              <a:defRPr sz="1600"/>
+            </a:lvl9pPr>
+          </a:lstStyle>
+          <a:p>
+            <a:r>
+              <a:rPr lang="en-US"/>
+              <a:t>Click icon to add picture</a:t>
+            </a:r>
+            <a:endParaRPr lang="en-US" dirty="0"/>
+          </a:p>
+        </p:txBody>
+      </p:sp>
+      <p:sp>
+        <p:nvSpPr>
+          <p:cNvPr id="24" name="Text Placeholder 3"/>
+          <p:cNvSpPr>
+            <a:spLocks noGrp="1"/>
+          </p:cNvSpPr>
+          <p:nvPr>
+            <p:ph type="body" sz="half" idx="19"/>
+          </p:nvPr>
+        </p:nvSpPr>
+        <p:spPr>
+          <a:xfrm>
+            <a:off x="4374264" y="4873763"/>
+            <a:ext cx="3448935" cy="1344921"/>
+          </a:xfrm>
+        </p:spPr>
+        <p:txBody>
+          <a:bodyPr anchor="t">
+            <a:normAutofit/>
+          </a:bodyPr>
+          <a:lstStyle>
+            <a:lvl1pPr marL="0" indent="0">
+              <a:buNone/>
+              <a:defRPr sz="1400"/>
+            </a:lvl1pPr>
+            <a:lvl2pPr marL="457200" indent="0">
+              <a:buNone/>
+              <a:defRPr sz="1200"/>
+            </a:lvl2pPr>
+            <a:lvl3pPr marL="914400" indent="0">
+              <a:buNone/>
+              <a:defRPr sz="1000"/>
+            </a:lvl3pPr>
+            <a:lvl4pPr marL="1371600" indent="0">
+              <a:buNone/>
+              <a:defRPr sz="900"/>
+            </a:lvl4pPr>
+            <a:lvl5pPr marL="1828800" indent="0">
+              <a:buNone/>
+              <a:defRPr sz="900"/>
+            </a:lvl5pPr>
+            <a:lvl6pPr marL="2286000" indent="0">
+              <a:buNone/>
+              <a:defRPr sz="900"/>
+            </a:lvl6pPr>
+            <a:lvl7pPr marL="2743200" indent="0">
+              <a:buNone/>
+              <a:defRPr sz="900"/>
+            </a:lvl7pPr>
+            <a:lvl8pPr marL="3200400" indent="0">
+              <a:buNone/>
+              <a:defRPr sz="900"/>
+            </a:lvl8pPr>
+            <a:lvl9pPr marL="3657600" indent="0">
+              <a:buNone/>
+              <a:defRPr sz="900"/>
+            </a:lvl9pPr>
+          </a:lstStyle>
+          <a:p>
+            <a:pPr lvl="0"/>
+            <a:r>
+              <a:rPr lang="en-US"/>
+              <a:t>Click to edit Master text styles</a:t>
+            </a:r>
+          </a:p>
+        </p:txBody>
+      </p:sp>
+      <p:sp>
+        <p:nvSpPr>
+          <p:cNvPr id="25" name="Text Placeholder 4"/>
+          <p:cNvSpPr>
+            <a:spLocks noGrp="1"/>
+          </p:cNvSpPr>
+          <p:nvPr>
+            <p:ph type="body" sz="quarter" idx="13"/>
+          </p:nvPr>
+        </p:nvSpPr>
+        <p:spPr>
+          <a:xfrm>
+            <a:off x="8049731" y="4191000"/>
+            <a:ext cx="3456469" cy="682765"/>
+          </a:xfrm>
+        </p:spPr>
+        <p:txBody>
+          <a:bodyPr anchor="b">
+            <a:noAutofit/>
+          </a:bodyPr>
+          <a:lstStyle>
+            <a:lvl1pPr marL="0" indent="0">
+              <a:buNone/>
+              <a:defRPr sz="2400" b="0">
+                <a:solidFill>
+                  <a:schemeClr val="tx1"/>
+                </a:solidFill>
+              </a:defRPr>
+            </a:lvl1pPr>
+            <a:lvl2pPr marL="457200" indent="0">
+              <a:buNone/>
+              <a:defRPr sz="2000" b="1"/>
+            </a:lvl2pPr>
+            <a:lvl3pPr marL="914400" indent="0">
+              <a:buNone/>
+              <a:defRPr sz="1800" b="1"/>
+            </a:lvl3pPr>
+            <a:lvl4pPr marL="1371600" indent="0">
+              <a:buNone/>
+              <a:defRPr sz="1600" b="1"/>
+            </a:lvl4pPr>
+            <a:lvl5pPr marL="1828800" indent="0">
+              <a:buNone/>
+              <a:defRPr sz="1600" b="1"/>
+            </a:lvl5pPr>
+            <a:lvl6pPr marL="2286000" indent="0">
+              <a:buNone/>
+              <a:defRPr sz="1600" b="1"/>
+            </a:lvl6pPr>
+            <a:lvl7pPr marL="2743200" indent="0">
+              <a:buNone/>
+              <a:defRPr sz="1600" b="1"/>
+            </a:lvl7pPr>
+            <a:lvl8pPr marL="3200400" indent="0">
+              <a:buNone/>
+              <a:defRPr sz="1600" b="1"/>
+            </a:lvl8pPr>
+            <a:lvl9pPr marL="3657600" indent="0">
+              <a:buNone/>
+              <a:defRPr sz="1600" b="1"/>
+            </a:lvl9pPr>
+          </a:lstStyle>
+          <a:p>
+            <a:pPr lvl="0"/>
+            <a:r>
+              <a:rPr lang="en-US"/>
+              <a:t>Click to edit Master text styles</a:t>
+            </a:r>
+          </a:p>
+        </p:txBody>
+      </p:sp>
+      <p:sp>
+        <p:nvSpPr>
+          <p:cNvPr id="26" name="Picture Placeholder 2"/>
+          <p:cNvSpPr>
+            <a:spLocks noGrp="1" noChangeAspect="1"/>
+          </p:cNvSpPr>
+          <p:nvPr>
+            <p:ph type="pic" idx="22"/>
+          </p:nvPr>
+        </p:nvSpPr>
+        <p:spPr>
+          <a:xfrm>
+            <a:off x="8049855" y="2362200"/>
+            <a:ext cx="3447878" cy="1524000"/>
+          </a:xfrm>
+          <a:prstGeom prst="roundRect">
+            <a:avLst>
+              <a:gd name="adj" fmla="val 0"/>
+            </a:avLst>
+          </a:prstGeom>
+          <a:effectLst>
+            <a:outerShdw blurRad="50800" dist="50800" dir="5400000" algn="tl" rotWithShape="0">
+              <a:srgbClr val="000000">
+                <a:alpha val="43000"/>
+              </a:srgbClr>
+            </a:outerShdw>
+          </a:effectLst>
+        </p:spPr>
+        <p:txBody>
+          <a:bodyPr anchor="t">
+            <a:normAutofit/>
+          </a:bodyPr>
+          <a:lstStyle>
+            <a:lvl1pPr marL="0" indent="0" algn="ctr">
+              <a:buNone/>
+              <a:defRPr sz="1600"/>
+            </a:lvl1pPr>
+            <a:lvl2pPr marL="457200" indent="0">
+              <a:buNone/>
+              <a:defRPr sz="1600"/>
+            </a:lvl2pPr>
+            <a:lvl3pPr marL="914400" indent="0">
+              <a:buNone/>
+              <a:defRPr sz="1600"/>
+            </a:lvl3pPr>
+            <a:lvl4pPr marL="1371600" indent="0">
+              <a:buNone/>
+              <a:defRPr sz="1600"/>
+            </a:lvl4pPr>
+            <a:lvl5pPr marL="1828800" indent="0">
+              <a:buNone/>
+              <a:defRPr sz="1600"/>
+            </a:lvl5pPr>
+            <a:lvl6pPr marL="2286000" indent="0">
+              <a:buNone/>
+              <a:defRPr sz="1600"/>
+            </a:lvl6pPr>
+            <a:lvl7pPr marL="2743200" indent="0">
+              <a:buNone/>
+              <a:defRPr sz="1600"/>
+            </a:lvl7pPr>
+            <a:lvl8pPr marL="3200400" indent="0">
+              <a:buNone/>
+              <a:defRPr sz="1600"/>
+            </a:lvl8pPr>
+            <a:lvl9pPr marL="3657600" indent="0">
+              <a:buNone/>
+              <a:defRPr sz="1600"/>
+            </a:lvl9pPr>
+          </a:lstStyle>
+          <a:p>
+            <a:r>
+              <a:rPr lang="en-US"/>
+              <a:t>Click icon to add picture</a:t>
+            </a:r>
+            <a:endParaRPr lang="en-US" dirty="0"/>
+          </a:p>
+        </p:txBody>
+      </p:sp>
+      <p:sp>
+        <p:nvSpPr>
+          <p:cNvPr id="27" name="Text Placeholder 3"/>
+          <p:cNvSpPr>
+            <a:spLocks noGrp="1"/>
+          </p:cNvSpPr>
+          <p:nvPr>
+            <p:ph type="body" sz="half" idx="20"/>
+          </p:nvPr>
+        </p:nvSpPr>
+        <p:spPr>
+          <a:xfrm>
+            <a:off x="8049731" y="4873761"/>
+            <a:ext cx="3452445" cy="1344921"/>
+          </a:xfrm>
+        </p:spPr>
+        <p:txBody>
+          <a:bodyPr anchor="t">
+            <a:normAutofit/>
+          </a:bodyPr>
+          <a:lstStyle>
+            <a:lvl1pPr marL="0" indent="0">
+              <a:buNone/>
+              <a:defRPr sz="1400"/>
+            </a:lvl1pPr>
+            <a:lvl2pPr marL="457200" indent="0">
+              <a:buNone/>
+              <a:defRPr sz="1200"/>
+            </a:lvl2pPr>
+            <a:lvl3pPr marL="914400" indent="0">
+              <a:buNone/>
+              <a:defRPr sz="1000"/>
+            </a:lvl3pPr>
+            <a:lvl4pPr marL="1371600" indent="0">
+              <a:buNone/>
+              <a:defRPr sz="900"/>
+            </a:lvl4pPr>
+            <a:lvl5pPr marL="1828800" indent="0">
+              <a:buNone/>
+              <a:defRPr sz="900"/>
+            </a:lvl5pPr>
+            <a:lvl6pPr marL="2286000" indent="0">
+              <a:buNone/>
+              <a:defRPr sz="900"/>
+            </a:lvl6pPr>
+            <a:lvl7pPr marL="2743200" indent="0">
+              <a:buNone/>
+              <a:defRPr sz="900"/>
+            </a:lvl7pPr>
+            <a:lvl8pPr marL="3200400" indent="0">
+              <a:buNone/>
+              <a:defRPr sz="900"/>
+            </a:lvl8pPr>
+            <a:lvl9pPr marL="3657600" indent="0">
+              <a:buNone/>
+              <a:defRPr sz="900"/>
+            </a:lvl9pPr>
+          </a:lstStyle>
+          <a:p>
+            <a:pPr lvl="0"/>
+            <a:r>
+              <a:rPr lang="en-US"/>
+              <a:t>Click to edit Master text styles</a:t>
+            </a:r>
+          </a:p>
+        </p:txBody>
+      </p:sp>
+      <p:sp>
+        <p:nvSpPr>
+          <p:cNvPr id="3" name="Date Placeholder 2"/>
+          <p:cNvSpPr>
+            <a:spLocks noGrp="1"/>
+          </p:cNvSpPr>
+          <p:nvPr>
+            <p:ph type="dt" sz="half" idx="10"/>
+          </p:nvPr>
+        </p:nvSpPr>
+        <p:spPr/>
+        <p:txBody>
+          <a:bodyPr/>
+          <a:lstStyle/>
+          <a:p>
+            <a:fld id="{63A1C593-65D0-4073-BCC9-577B9352EA97}" type="datetimeFigureOut">
+              <a:rPr lang="en-US" smtClean="0"/>
+              <a:t>11/26/2023</a:t>
+            </a:fld>
+            <a:endParaRPr lang="en-US"/>
+          </a:p>
+        </p:txBody>
+      </p:sp>
+      <p:sp>
+        <p:nvSpPr>
+          <p:cNvPr id="4" name="Footer Placeholder 3"/>
+          <p:cNvSpPr>
+            <a:spLocks noGrp="1"/>
+          </p:cNvSpPr>
+          <p:nvPr>
+            <p:ph type="ftr" sz="quarter" idx="11"/>
+          </p:nvPr>
+        </p:nvSpPr>
+        <p:spPr/>
+        <p:txBody>
+          <a:bodyPr/>
+          <a:lstStyle/>
+          <a:p>
+            <a:endParaRPr lang="en-US"/>
+          </a:p>
+        </p:txBody>
+      </p:sp>
+      <p:sp>
+        <p:nvSpPr>
+          <p:cNvPr id="5" name="Slide Number Placeholder 4"/>
+          <p:cNvSpPr>
+            <a:spLocks noGrp="1"/>
+          </p:cNvSpPr>
+          <p:nvPr>
+            <p:ph type="sldNum" sz="quarter" idx="12"/>
+          </p:nvPr>
+        </p:nvSpPr>
+        <p:spPr/>
+        <p:txBody>
+          <a:bodyPr/>
+          <a:lstStyle/>
+          <a:p>
+            <a:fld id="{9B618960-8005-486C-9A75-10CB2AAC16F9}" type="slidenum">
+              <a:rPr lang="en-US" smtClean="0"/>
+              <a:t>‹#›</a:t>
+            </a:fld>
+            <a:endParaRPr lang="en-US"/>
+          </a:p>
+        </p:txBody>
+      </p:sp>
+    </p:spTree>
+    <p:extLst>
+      <p:ext uri="{BB962C8B-B14F-4D97-AF65-F5344CB8AC3E}">
+        <p14:creationId xmlns:p14="http://schemas.microsoft.com/office/powerpoint/2010/main" val="3932855430"/>
+      </p:ext>
+    </p:extLst>
+  </p:cSld>
+  <p:clrMapOvr>
+    <a:masterClrMapping/>
+  </p:clrMapOvr>
+</p:sldLayout>
+</file>
+
+<file path=ppt/slideLayouts/slideLayout16.xml><?xml version="1.0" encoding="utf-8"?>
 <p:sldLayout xmlns:a="http://schemas.openxmlformats.org/drawingml/2006/main" xmlns:r="http://schemas.openxmlformats.org/officeDocument/2006/relationships" xmlns:p="http://schemas.openxmlformats.org/presentationml/2006/main" type="vertTx" preserve="1">
   <p:cSld name="Title and Vertical Text">
     <p:spTree>
@@ -334,10 +2987,10 @@
           <a:lstStyle/>
           <a:p>
             <a:r>
-              <a:rPr lang="en-US" smtClean="0"/>
+              <a:rPr lang="en-US"/>
               <a:t>Click to edit Master title style</a:t>
             </a:r>
-            <a:endParaRPr lang="en-US"/>
+            <a:endParaRPr lang="en-US" dirty="0"/>
           </a:p>
         </p:txBody>
       </p:sp>
@@ -351,49 +3004,50 @@
             <p:ph type="body" orient="vert" idx="1"/>
           </p:nvPr>
         </p:nvSpPr>
-        <p:spPr/>
+        <p:spPr>
+          <a:xfrm>
+            <a:off x="685800" y="2194559"/>
+            <a:ext cx="10820400" cy="4024125"/>
+          </a:xfrm>
+        </p:spPr>
         <p:txBody>
           <a:bodyPr vert="eaVert"/>
           <a:lstStyle/>
           <a:p>
             <a:pPr lvl="0"/>
             <a:r>
-              <a:rPr lang="en-US" smtClean="0"/>
+              <a:rPr lang="en-US"/>
               <a:t>Click to edit Master text styles</a:t>
             </a:r>
-            <a:endParaRPr lang="en-US" smtClean="0"/>
           </a:p>
           <a:p>
             <a:pPr lvl="1"/>
             <a:r>
-              <a:rPr lang="en-US" smtClean="0"/>
+              <a:rPr lang="en-US"/>
               <a:t>Second level</a:t>
             </a:r>
-            <a:endParaRPr lang="en-US" smtClean="0"/>
           </a:p>
           <a:p>
             <a:pPr lvl="2"/>
             <a:r>
-              <a:rPr lang="en-US" smtClean="0"/>
+              <a:rPr lang="en-US"/>
               <a:t>Third level</a:t>
             </a:r>
-            <a:endParaRPr lang="en-US" smtClean="0"/>
           </a:p>
           <a:p>
             <a:pPr lvl="3"/>
             <a:r>
-              <a:rPr lang="en-US" smtClean="0"/>
+              <a:rPr lang="en-US"/>
               <a:t>Fourth level</a:t>
             </a:r>
-            <a:endParaRPr lang="en-US" smtClean="0"/>
           </a:p>
           <a:p>
             <a:pPr lvl="4"/>
             <a:r>
-              <a:rPr lang="en-US" smtClean="0"/>
+              <a:rPr lang="en-US"/>
               <a:t>Fifth level</a:t>
             </a:r>
-            <a:endParaRPr lang="en-US"/>
+            <a:endParaRPr lang="en-US" dirty="0"/>
           </a:p>
         </p:txBody>
       </p:sp>
@@ -414,6 +3068,7 @@
           <a:p>
             <a:fld id="{63A1C593-65D0-4073-BCC9-577B9352EA97}" type="datetimeFigureOut">
               <a:rPr lang="en-US" smtClean="0"/>
+              <a:t>11/26/2023</a:t>
             </a:fld>
             <a:endParaRPr lang="en-US"/>
           </a:p>
@@ -455,12 +3110,18 @@
           <a:p>
             <a:fld id="{9B618960-8005-486C-9A75-10CB2AAC16F9}" type="slidenum">
               <a:rPr lang="en-US" smtClean="0"/>
+              <a:t>‹#›</a:t>
             </a:fld>
             <a:endParaRPr lang="en-US"/>
           </a:p>
         </p:txBody>
       </p:sp>
     </p:spTree>
+    <p:extLst>
+      <p:ext uri="{BB962C8B-B14F-4D97-AF65-F5344CB8AC3E}">
+        <p14:creationId xmlns:p14="http://schemas.microsoft.com/office/powerpoint/2010/main" val="2237355280"/>
+      </p:ext>
+    </p:extLst>
   </p:cSld>
   <p:clrMapOvr>
     <a:masterClrMapping/>
@@ -468,8 +3129,8 @@
 </p:sldLayout>
 </file>
 
-<file path=ppt/slideLayouts/slideLayout11.xml><?xml version="1.0" encoding="utf-8"?>
-<p:sldLayout xmlns:a="http://schemas.openxmlformats.org/drawingml/2006/main" xmlns:r="http://schemas.openxmlformats.org/officeDocument/2006/relationships" xmlns:p="http://schemas.openxmlformats.org/presentationml/2006/main" type="vertTitleAndTx" preserve="1">
+<file path=ppt/slideLayouts/slideLayout17.xml><?xml version="1.0" encoding="utf-8"?>
+<p:sldLayout xmlns:a="http://schemas.openxmlformats.org/drawingml/2006/main" xmlns:r="http://schemas.openxmlformats.org/officeDocument/2006/relationships" xmlns:p="http://schemas.openxmlformats.org/presentationml/2006/main" showMasterSp="0" type="vertTitleAndTx" preserve="1">
   <p:cSld name="Vertical Title and Text">
     <p:spTree>
       <p:nvGrpSpPr>
@@ -485,6 +3146,36 @@
           <a:chExt cx="0" cy="0"/>
         </a:xfrm>
       </p:grpSpPr>
+      <p:pic>
+        <p:nvPicPr>
+          <p:cNvPr id="8" name="Picture 7" descr="C0-HD-BTM.png"/>
+          <p:cNvPicPr>
+            <a:picLocks noChangeAspect="1"/>
+          </p:cNvPicPr>
+          <p:nvPr/>
+        </p:nvPicPr>
+        <p:blipFill>
+          <a:blip r:embed="rId2">
+            <a:extLst>
+              <a:ext uri="{28A0092B-C50C-407E-A947-70E740481C1C}">
+                <a14:useLocalDpi xmlns:a14="http://schemas.microsoft.com/office/drawing/2010/main" val="0"/>
+              </a:ext>
+            </a:extLst>
+          </a:blip>
+          <a:stretch>
+            <a:fillRect/>
+          </a:stretch>
+        </p:blipFill>
+        <p:spPr>
+          <a:xfrm>
+            <a:off x="0" y="4375150"/>
+            <a:ext cx="12192000" cy="2482850"/>
+          </a:xfrm>
+          <a:prstGeom prst="rect">
+            <a:avLst/>
+          </a:prstGeom>
+        </p:spPr>
+      </p:pic>
       <p:sp>
         <p:nvSpPr>
           <p:cNvPr id="2" name="Vertical Title 1"/>
@@ -497,19 +3188,23 @@
         </p:nvSpPr>
         <p:spPr>
           <a:xfrm>
-            <a:off x="8724900" y="365125"/>
-            <a:ext cx="2628900" cy="5811838"/>
+            <a:off x="9448800" y="745066"/>
+            <a:ext cx="2057400" cy="3903133"/>
           </a:xfrm>
         </p:spPr>
         <p:txBody>
           <a:bodyPr vert="eaVert"/>
-          <a:lstStyle/>
-          <a:p>
-            <a:r>
-              <a:rPr lang="en-US" smtClean="0"/>
+          <a:lstStyle>
+            <a:lvl1pPr algn="l">
+              <a:defRPr/>
+            </a:lvl1pPr>
+          </a:lstStyle>
+          <a:p>
+            <a:r>
+              <a:rPr lang="en-US"/>
               <a:t>Click to edit Master title style</a:t>
             </a:r>
-            <a:endParaRPr lang="en-US"/>
+            <a:endParaRPr lang="en-US" dirty="0"/>
           </a:p>
         </p:txBody>
       </p:sp>
@@ -525,8 +3220,8 @@
         </p:nvSpPr>
         <p:spPr>
           <a:xfrm>
-            <a:off x="838200" y="365125"/>
-            <a:ext cx="7734300" cy="5811838"/>
+            <a:off x="1024466" y="745067"/>
+            <a:ext cx="8204201" cy="3903133"/>
           </a:xfrm>
         </p:spPr>
         <p:txBody>
@@ -535,42 +3230,38 @@
           <a:p>
             <a:pPr lvl="0"/>
             <a:r>
-              <a:rPr lang="en-US" smtClean="0"/>
+              <a:rPr lang="en-US"/>
               <a:t>Click to edit Master text styles</a:t>
             </a:r>
-            <a:endParaRPr lang="en-US" smtClean="0"/>
           </a:p>
           <a:p>
             <a:pPr lvl="1"/>
             <a:r>
-              <a:rPr lang="en-US" smtClean="0"/>
+              <a:rPr lang="en-US"/>
               <a:t>Second level</a:t>
             </a:r>
-            <a:endParaRPr lang="en-US" smtClean="0"/>
           </a:p>
           <a:p>
             <a:pPr lvl="2"/>
             <a:r>
-              <a:rPr lang="en-US" smtClean="0"/>
+              <a:rPr lang="en-US"/>
               <a:t>Third level</a:t>
             </a:r>
-            <a:endParaRPr lang="en-US" smtClean="0"/>
           </a:p>
           <a:p>
             <a:pPr lvl="3"/>
             <a:r>
-              <a:rPr lang="en-US" smtClean="0"/>
+              <a:rPr lang="en-US"/>
               <a:t>Fourth level</a:t>
             </a:r>
-            <a:endParaRPr lang="en-US" smtClean="0"/>
           </a:p>
           <a:p>
             <a:pPr lvl="4"/>
             <a:r>
-              <a:rPr lang="en-US" smtClean="0"/>
+              <a:rPr lang="en-US"/>
               <a:t>Fifth level</a:t>
             </a:r>
-            <a:endParaRPr lang="en-US"/>
+            <a:endParaRPr lang="en-US" dirty="0"/>
           </a:p>
         </p:txBody>
       </p:sp>
@@ -584,13 +3275,23 @@
             <p:ph type="dt" sz="half" idx="10"/>
           </p:nvPr>
         </p:nvSpPr>
-        <p:spPr/>
-        <p:txBody>
-          <a:bodyPr/>
-          <a:lstStyle/>
+        <p:spPr>
+          <a:xfrm>
+            <a:off x="7814452" y="379941"/>
+            <a:ext cx="2910840" cy="365125"/>
+          </a:xfrm>
+        </p:spPr>
+        <p:txBody>
+          <a:bodyPr/>
+          <a:lstStyle>
+            <a:lvl1pPr algn="r">
+              <a:defRPr/>
+            </a:lvl1pPr>
+          </a:lstStyle>
           <a:p>
             <a:fld id="{63A1C593-65D0-4073-BCC9-577B9352EA97}" type="datetimeFigureOut">
               <a:rPr lang="en-US" smtClean="0"/>
+              <a:t>11/26/2023</a:t>
             </a:fld>
             <a:endParaRPr lang="en-US"/>
           </a:p>
@@ -606,7 +3307,12 @@
             <p:ph type="ftr" sz="quarter" idx="11"/>
           </p:nvPr>
         </p:nvSpPr>
-        <p:spPr/>
+        <p:spPr>
+          <a:xfrm>
+            <a:off x="685800" y="381000"/>
+            <a:ext cx="6991492" cy="365125"/>
+          </a:xfrm>
+        </p:spPr>
         <p:txBody>
           <a:bodyPr/>
           <a:lstStyle/>
@@ -625,19 +3331,30 @@
             <p:ph type="sldNum" sz="quarter" idx="12"/>
           </p:nvPr>
         </p:nvSpPr>
-        <p:spPr/>
+        <p:spPr>
+          <a:xfrm>
+            <a:off x="10862452" y="381000"/>
+            <a:ext cx="643748" cy="365125"/>
+          </a:xfrm>
+        </p:spPr>
         <p:txBody>
           <a:bodyPr/>
           <a:lstStyle/>
           <a:p>
             <a:fld id="{9B618960-8005-486C-9A75-10CB2AAC16F9}" type="slidenum">
               <a:rPr lang="en-US" smtClean="0"/>
+              <a:t>‹#›</a:t>
             </a:fld>
             <a:endParaRPr lang="en-US"/>
           </a:p>
         </p:txBody>
       </p:sp>
     </p:spTree>
+    <p:extLst>
+      <p:ext uri="{BB962C8B-B14F-4D97-AF65-F5344CB8AC3E}">
+        <p14:creationId xmlns:p14="http://schemas.microsoft.com/office/powerpoint/2010/main" val="4074489883"/>
+      </p:ext>
+    </p:extLst>
   </p:cSld>
   <p:clrMapOvr>
     <a:masterClrMapping/>
@@ -678,10 +3395,10 @@
           <a:lstStyle/>
           <a:p>
             <a:r>
-              <a:rPr lang="en-US" smtClean="0"/>
+              <a:rPr lang="en-US"/>
               <a:t>Click to edit Master title style</a:t>
             </a:r>
-            <a:endParaRPr lang="en-US"/>
+            <a:endParaRPr lang="en-US" dirty="0"/>
           </a:p>
         </p:txBody>
       </p:sp>
@@ -702,42 +3419,38 @@
           <a:p>
             <a:pPr lvl="0"/>
             <a:r>
-              <a:rPr lang="en-US" smtClean="0"/>
+              <a:rPr lang="en-US"/>
               <a:t>Click to edit Master text styles</a:t>
             </a:r>
-            <a:endParaRPr lang="en-US" smtClean="0"/>
           </a:p>
           <a:p>
             <a:pPr lvl="1"/>
             <a:r>
-              <a:rPr lang="en-US" smtClean="0"/>
+              <a:rPr lang="en-US"/>
               <a:t>Second level</a:t>
             </a:r>
-            <a:endParaRPr lang="en-US" smtClean="0"/>
           </a:p>
           <a:p>
             <a:pPr lvl="2"/>
             <a:r>
-              <a:rPr lang="en-US" smtClean="0"/>
+              <a:rPr lang="en-US"/>
               <a:t>Third level</a:t>
             </a:r>
-            <a:endParaRPr lang="en-US" smtClean="0"/>
           </a:p>
           <a:p>
             <a:pPr lvl="3"/>
             <a:r>
-              <a:rPr lang="en-US" smtClean="0"/>
+              <a:rPr lang="en-US"/>
               <a:t>Fourth level</a:t>
             </a:r>
-            <a:endParaRPr lang="en-US" smtClean="0"/>
           </a:p>
           <a:p>
             <a:pPr lvl="4"/>
             <a:r>
-              <a:rPr lang="en-US" smtClean="0"/>
+              <a:rPr lang="en-US"/>
               <a:t>Fifth level</a:t>
             </a:r>
-            <a:endParaRPr lang="en-US"/>
+            <a:endParaRPr lang="en-US" dirty="0"/>
           </a:p>
         </p:txBody>
       </p:sp>
@@ -758,6 +3471,7 @@
           <a:p>
             <a:fld id="{63A1C593-65D0-4073-BCC9-577B9352EA97}" type="datetimeFigureOut">
               <a:rPr lang="en-US" smtClean="0"/>
+              <a:t>11/26/2023</a:t>
             </a:fld>
             <a:endParaRPr lang="en-US"/>
           </a:p>
@@ -799,12 +3513,18 @@
           <a:p>
             <a:fld id="{9B618960-8005-486C-9A75-10CB2AAC16F9}" type="slidenum">
               <a:rPr lang="en-US" smtClean="0"/>
+              <a:t>‹#›</a:t>
             </a:fld>
             <a:endParaRPr lang="en-US"/>
           </a:p>
         </p:txBody>
       </p:sp>
     </p:spTree>
+    <p:extLst>
+      <p:ext uri="{BB962C8B-B14F-4D97-AF65-F5344CB8AC3E}">
+        <p14:creationId xmlns:p14="http://schemas.microsoft.com/office/powerpoint/2010/main" val="2792030116"/>
+      </p:ext>
+    </p:extLst>
   </p:cSld>
   <p:clrMapOvr>
     <a:masterClrMapping/>
@@ -813,7 +3533,7 @@
 </file>
 
 <file path=ppt/slideLayouts/slideLayout3.xml><?xml version="1.0" encoding="utf-8"?>
-<p:sldLayout xmlns:a="http://schemas.openxmlformats.org/drawingml/2006/main" xmlns:r="http://schemas.openxmlformats.org/officeDocument/2006/relationships" xmlns:p="http://schemas.openxmlformats.org/presentationml/2006/main" type="secHead" preserve="1">
+<p:sldLayout xmlns:a="http://schemas.openxmlformats.org/drawingml/2006/main" xmlns:r="http://schemas.openxmlformats.org/officeDocument/2006/relationships" xmlns:p="http://schemas.openxmlformats.org/presentationml/2006/main" showMasterSp="0" type="secHead" preserve="1">
   <p:cSld name="Section Header">
     <p:spTree>
       <p:nvGrpSpPr>
@@ -829,6 +3549,36 @@
           <a:chExt cx="0" cy="0"/>
         </a:xfrm>
       </p:grpSpPr>
+      <p:pic>
+        <p:nvPicPr>
+          <p:cNvPr id="9" name="Picture 8" descr="C0-HD-BTM.png"/>
+          <p:cNvPicPr>
+            <a:picLocks noChangeAspect="1"/>
+          </p:cNvPicPr>
+          <p:nvPr/>
+        </p:nvPicPr>
+        <p:blipFill>
+          <a:blip r:embed="rId2">
+            <a:extLst>
+              <a:ext uri="{28A0092B-C50C-407E-A947-70E740481C1C}">
+                <a14:useLocalDpi xmlns:a14="http://schemas.microsoft.com/office/drawing/2010/main" val="0"/>
+              </a:ext>
+            </a:extLst>
+          </a:blip>
+          <a:stretch>
+            <a:fillRect/>
+          </a:stretch>
+        </p:blipFill>
+        <p:spPr>
+          <a:xfrm>
+            <a:off x="0" y="4375150"/>
+            <a:ext cx="12192000" cy="2482850"/>
+          </a:xfrm>
+          <a:prstGeom prst="rect">
+            <a:avLst/>
+          </a:prstGeom>
+        </p:spPr>
+      </p:pic>
       <p:sp>
         <p:nvSpPr>
           <p:cNvPr id="2" name="Title 1"/>
@@ -841,23 +3591,25 @@
         </p:nvSpPr>
         <p:spPr>
           <a:xfrm>
-            <a:off x="831850" y="1709738"/>
-            <a:ext cx="10515600" cy="2852737"/>
-          </a:xfrm>
-        </p:spPr>
-        <p:txBody>
-          <a:bodyPr anchor="b"/>
+            <a:off x="685800" y="753533"/>
+            <a:ext cx="10820399" cy="2801935"/>
+          </a:xfrm>
+        </p:spPr>
+        <p:txBody>
+          <a:bodyPr anchor="b">
+            <a:normAutofit/>
+          </a:bodyPr>
           <a:lstStyle>
-            <a:lvl1pPr>
-              <a:defRPr sz="6000"/>
+            <a:lvl1pPr algn="r">
+              <a:defRPr sz="4000"/>
             </a:lvl1pPr>
           </a:lstStyle>
           <a:p>
             <a:r>
-              <a:rPr lang="en-US" smtClean="0"/>
+              <a:rPr lang="en-US"/>
               <a:t>Click to edit Master title style</a:t>
             </a:r>
-            <a:endParaRPr lang="en-US"/>
+            <a:endParaRPr lang="en-US" dirty="0"/>
           </a:p>
         </p:txBody>
       </p:sp>
@@ -873,16 +3625,18 @@
         </p:nvSpPr>
         <p:spPr>
           <a:xfrm>
-            <a:off x="831850" y="4589463"/>
-            <a:ext cx="10515600" cy="1500187"/>
-          </a:xfrm>
-        </p:spPr>
-        <p:txBody>
-          <a:bodyPr/>
+            <a:off x="1024467" y="3641725"/>
+            <a:ext cx="10490200" cy="955675"/>
+          </a:xfrm>
+        </p:spPr>
+        <p:txBody>
+          <a:bodyPr>
+            <a:normAutofit/>
+          </a:bodyPr>
           <a:lstStyle>
-            <a:lvl1pPr marL="0" indent="0">
-              <a:buNone/>
-              <a:defRPr sz="2400">
+            <a:lvl1pPr marL="0" indent="0" algn="r">
+              <a:buNone/>
+              <a:defRPr sz="2200">
                 <a:solidFill>
                   <a:schemeClr val="tx1">
                     <a:tint val="75000"/>
@@ -974,10 +3728,9 @@
           <a:p>
             <a:pPr lvl="0"/>
             <a:r>
-              <a:rPr lang="en-US" smtClean="0"/>
+              <a:rPr lang="en-US"/>
               <a:t>Click to edit Master text styles</a:t>
             </a:r>
-            <a:endParaRPr lang="en-US" smtClean="0"/>
           </a:p>
         </p:txBody>
       </p:sp>
@@ -991,13 +3744,23 @@
             <p:ph type="dt" sz="half" idx="10"/>
           </p:nvPr>
         </p:nvSpPr>
-        <p:spPr/>
-        <p:txBody>
-          <a:bodyPr/>
-          <a:lstStyle/>
+        <p:spPr>
+          <a:xfrm>
+            <a:off x="7814452" y="381000"/>
+            <a:ext cx="2910840" cy="365125"/>
+          </a:xfrm>
+        </p:spPr>
+        <p:txBody>
+          <a:bodyPr/>
+          <a:lstStyle>
+            <a:lvl1pPr algn="r">
+              <a:defRPr/>
+            </a:lvl1pPr>
+          </a:lstStyle>
           <a:p>
             <a:fld id="{63A1C593-65D0-4073-BCC9-577B9352EA97}" type="datetimeFigureOut">
               <a:rPr lang="en-US" smtClean="0"/>
+              <a:t>11/26/2023</a:t>
             </a:fld>
             <a:endParaRPr lang="en-US"/>
           </a:p>
@@ -1013,7 +3776,12 @@
             <p:ph type="ftr" sz="quarter" idx="11"/>
           </p:nvPr>
         </p:nvSpPr>
-        <p:spPr/>
+        <p:spPr>
+          <a:xfrm>
+            <a:off x="685800" y="381001"/>
+            <a:ext cx="6991492" cy="364065"/>
+          </a:xfrm>
+        </p:spPr>
         <p:txBody>
           <a:bodyPr/>
           <a:lstStyle/>
@@ -1032,19 +3800,30 @@
             <p:ph type="sldNum" sz="quarter" idx="12"/>
           </p:nvPr>
         </p:nvSpPr>
-        <p:spPr/>
+        <p:spPr>
+          <a:xfrm>
+            <a:off x="10862452" y="381000"/>
+            <a:ext cx="643748" cy="365125"/>
+          </a:xfrm>
+        </p:spPr>
         <p:txBody>
           <a:bodyPr/>
           <a:lstStyle/>
           <a:p>
             <a:fld id="{9B618960-8005-486C-9A75-10CB2AAC16F9}" type="slidenum">
               <a:rPr lang="en-US" smtClean="0"/>
+              <a:t>‹#›</a:t>
             </a:fld>
             <a:endParaRPr lang="en-US"/>
           </a:p>
         </p:txBody>
       </p:sp>
     </p:spTree>
+    <p:extLst>
+      <p:ext uri="{BB962C8B-B14F-4D97-AF65-F5344CB8AC3E}">
+        <p14:creationId xmlns:p14="http://schemas.microsoft.com/office/powerpoint/2010/main" val="2403726755"/>
+      </p:ext>
+    </p:extLst>
   </p:cSld>
   <p:clrMapOvr>
     <a:masterClrMapping/>
@@ -1085,10 +3864,10 @@
           <a:lstStyle/>
           <a:p>
             <a:r>
-              <a:rPr lang="en-US" smtClean="0"/>
+              <a:rPr lang="en-US"/>
               <a:t>Click to edit Master title style</a:t>
             </a:r>
-            <a:endParaRPr lang="en-US"/>
+            <a:endParaRPr lang="en-US" dirty="0"/>
           </a:p>
         </p:txBody>
       </p:sp>
@@ -1104,8 +3883,8 @@
         </p:nvSpPr>
         <p:spPr>
           <a:xfrm>
-            <a:off x="838200" y="1825625"/>
-            <a:ext cx="5181600" cy="4351338"/>
+            <a:off x="685800" y="2194559"/>
+            <a:ext cx="5334000" cy="4024125"/>
           </a:xfrm>
         </p:spPr>
         <p:txBody>
@@ -1114,42 +3893,38 @@
           <a:p>
             <a:pPr lvl="0"/>
             <a:r>
-              <a:rPr lang="en-US" smtClean="0"/>
+              <a:rPr lang="en-US"/>
               <a:t>Click to edit Master text styles</a:t>
             </a:r>
-            <a:endParaRPr lang="en-US" smtClean="0"/>
           </a:p>
           <a:p>
             <a:pPr lvl="1"/>
             <a:r>
-              <a:rPr lang="en-US" smtClean="0"/>
+              <a:rPr lang="en-US"/>
               <a:t>Second level</a:t>
             </a:r>
-            <a:endParaRPr lang="en-US" smtClean="0"/>
           </a:p>
           <a:p>
             <a:pPr lvl="2"/>
             <a:r>
-              <a:rPr lang="en-US" smtClean="0"/>
+              <a:rPr lang="en-US"/>
               <a:t>Third level</a:t>
             </a:r>
-            <a:endParaRPr lang="en-US" smtClean="0"/>
           </a:p>
           <a:p>
             <a:pPr lvl="3"/>
             <a:r>
-              <a:rPr lang="en-US" smtClean="0"/>
+              <a:rPr lang="en-US"/>
               <a:t>Fourth level</a:t>
             </a:r>
-            <a:endParaRPr lang="en-US" smtClean="0"/>
           </a:p>
           <a:p>
             <a:pPr lvl="4"/>
             <a:r>
-              <a:rPr lang="en-US" smtClean="0"/>
+              <a:rPr lang="en-US"/>
               <a:t>Fifth level</a:t>
             </a:r>
-            <a:endParaRPr lang="en-US"/>
+            <a:endParaRPr lang="en-US" dirty="0"/>
           </a:p>
         </p:txBody>
       </p:sp>
@@ -1165,8 +3940,8 @@
         </p:nvSpPr>
         <p:spPr>
           <a:xfrm>
-            <a:off x="6172200" y="1825625"/>
-            <a:ext cx="5181600" cy="4351338"/>
+            <a:off x="6172200" y="2194559"/>
+            <a:ext cx="5334000" cy="4024125"/>
           </a:xfrm>
         </p:spPr>
         <p:txBody>
@@ -1175,42 +3950,38 @@
           <a:p>
             <a:pPr lvl="0"/>
             <a:r>
-              <a:rPr lang="en-US" smtClean="0"/>
+              <a:rPr lang="en-US"/>
               <a:t>Click to edit Master text styles</a:t>
             </a:r>
-            <a:endParaRPr lang="en-US" smtClean="0"/>
           </a:p>
           <a:p>
             <a:pPr lvl="1"/>
             <a:r>
-              <a:rPr lang="en-US" smtClean="0"/>
+              <a:rPr lang="en-US"/>
               <a:t>Second level</a:t>
             </a:r>
-            <a:endParaRPr lang="en-US" smtClean="0"/>
           </a:p>
           <a:p>
             <a:pPr lvl="2"/>
             <a:r>
-              <a:rPr lang="en-US" smtClean="0"/>
+              <a:rPr lang="en-US"/>
               <a:t>Third level</a:t>
             </a:r>
-            <a:endParaRPr lang="en-US" smtClean="0"/>
           </a:p>
           <a:p>
             <a:pPr lvl="3"/>
             <a:r>
-              <a:rPr lang="en-US" smtClean="0"/>
+              <a:rPr lang="en-US"/>
               <a:t>Fourth level</a:t>
             </a:r>
-            <a:endParaRPr lang="en-US" smtClean="0"/>
           </a:p>
           <a:p>
             <a:pPr lvl="4"/>
             <a:r>
-              <a:rPr lang="en-US" smtClean="0"/>
+              <a:rPr lang="en-US"/>
               <a:t>Fifth level</a:t>
             </a:r>
-            <a:endParaRPr lang="en-US"/>
+            <a:endParaRPr lang="en-US" dirty="0"/>
           </a:p>
         </p:txBody>
       </p:sp>
@@ -1231,6 +4002,7 @@
           <a:p>
             <a:fld id="{63A1C593-65D0-4073-BCC9-577B9352EA97}" type="datetimeFigureOut">
               <a:rPr lang="en-US" smtClean="0"/>
+              <a:t>11/26/2023</a:t>
             </a:fld>
             <a:endParaRPr lang="en-US"/>
           </a:p>
@@ -1272,12 +4044,18 @@
           <a:p>
             <a:fld id="{9B618960-8005-486C-9A75-10CB2AAC16F9}" type="slidenum">
               <a:rPr lang="en-US" smtClean="0"/>
+              <a:t>‹#›</a:t>
             </a:fld>
             <a:endParaRPr lang="en-US"/>
           </a:p>
         </p:txBody>
       </p:sp>
     </p:spTree>
+    <p:extLst>
+      <p:ext uri="{BB962C8B-B14F-4D97-AF65-F5344CB8AC3E}">
+        <p14:creationId xmlns:p14="http://schemas.microsoft.com/office/powerpoint/2010/main" val="984659362"/>
+      </p:ext>
+    </p:extLst>
   </p:cSld>
   <p:clrMapOvr>
     <a:masterClrMapping/>
@@ -1314,19 +4092,19 @@
         </p:nvSpPr>
         <p:spPr>
           <a:xfrm>
-            <a:off x="839788" y="365125"/>
-            <a:ext cx="10515600" cy="1325563"/>
-          </a:xfrm>
-        </p:spPr>
-        <p:txBody>
-          <a:bodyPr/>
-          <a:lstStyle/>
-          <a:p>
-            <a:r>
-              <a:rPr lang="en-US" smtClean="0"/>
+            <a:off x="2895600" y="762000"/>
+            <a:ext cx="8610600" cy="1295400"/>
+          </a:xfrm>
+        </p:spPr>
+        <p:txBody>
+          <a:bodyPr/>
+          <a:lstStyle/>
+          <a:p>
+            <a:r>
+              <a:rPr lang="en-US"/>
               <a:t>Click to edit Master title style</a:t>
             </a:r>
-            <a:endParaRPr lang="en-US"/>
+            <a:endParaRPr lang="en-US" dirty="0"/>
           </a:p>
         </p:txBody>
       </p:sp>
@@ -1342,16 +4120,22 @@
         </p:nvSpPr>
         <p:spPr>
           <a:xfrm>
-            <a:off x="839788" y="1681163"/>
-            <a:ext cx="5157787" cy="823912"/>
-          </a:xfrm>
-        </p:spPr>
-        <p:txBody>
-          <a:bodyPr anchor="b"/>
+            <a:off x="914409" y="2183802"/>
+            <a:ext cx="5079991" cy="823912"/>
+          </a:xfrm>
+        </p:spPr>
+        <p:txBody>
+          <a:bodyPr anchor="b">
+            <a:normAutofit/>
+          </a:bodyPr>
           <a:lstStyle>
             <a:lvl1pPr marL="0" indent="0">
               <a:buNone/>
-              <a:defRPr sz="2400" b="1"/>
+              <a:defRPr sz="2800" b="0">
+                <a:solidFill>
+                  <a:schemeClr val="tx1"/>
+                </a:solidFill>
+              </a:defRPr>
             </a:lvl1pPr>
             <a:lvl2pPr marL="457200" indent="0">
               <a:buNone/>
@@ -1389,10 +4173,9 @@
           <a:p>
             <a:pPr lvl="0"/>
             <a:r>
-              <a:rPr lang="en-US" smtClean="0"/>
+              <a:rPr lang="en-US"/>
               <a:t>Click to edit Master text styles</a:t>
             </a:r>
-            <a:endParaRPr lang="en-US" smtClean="0"/>
           </a:p>
         </p:txBody>
       </p:sp>
@@ -1408,8 +4191,8 @@
         </p:nvSpPr>
         <p:spPr>
           <a:xfrm>
-            <a:off x="839788" y="2505075"/>
-            <a:ext cx="5157787" cy="3684588"/>
+            <a:off x="685800" y="3132666"/>
+            <a:ext cx="5311775" cy="3086019"/>
           </a:xfrm>
         </p:spPr>
         <p:txBody>
@@ -1418,42 +4201,38 @@
           <a:p>
             <a:pPr lvl="0"/>
             <a:r>
-              <a:rPr lang="en-US" smtClean="0"/>
+              <a:rPr lang="en-US"/>
               <a:t>Click to edit Master text styles</a:t>
             </a:r>
-            <a:endParaRPr lang="en-US" smtClean="0"/>
           </a:p>
           <a:p>
             <a:pPr lvl="1"/>
             <a:r>
-              <a:rPr lang="en-US" smtClean="0"/>
+              <a:rPr lang="en-US"/>
               <a:t>Second level</a:t>
             </a:r>
-            <a:endParaRPr lang="en-US" smtClean="0"/>
           </a:p>
           <a:p>
             <a:pPr lvl="2"/>
             <a:r>
-              <a:rPr lang="en-US" smtClean="0"/>
+              <a:rPr lang="en-US"/>
               <a:t>Third level</a:t>
             </a:r>
-            <a:endParaRPr lang="en-US" smtClean="0"/>
           </a:p>
           <a:p>
             <a:pPr lvl="3"/>
             <a:r>
-              <a:rPr lang="en-US" smtClean="0"/>
+              <a:rPr lang="en-US"/>
               <a:t>Fourth level</a:t>
             </a:r>
-            <a:endParaRPr lang="en-US" smtClean="0"/>
           </a:p>
           <a:p>
             <a:pPr lvl="4"/>
             <a:r>
-              <a:rPr lang="en-US" smtClean="0"/>
+              <a:rPr lang="en-US"/>
               <a:t>Fifth level</a:t>
             </a:r>
-            <a:endParaRPr lang="en-US"/>
+            <a:endParaRPr lang="en-US" dirty="0"/>
           </a:p>
         </p:txBody>
       </p:sp>
@@ -1469,16 +4248,22 @@
         </p:nvSpPr>
         <p:spPr>
           <a:xfrm>
-            <a:off x="6172200" y="1681163"/>
-            <a:ext cx="5183188" cy="823912"/>
-          </a:xfrm>
-        </p:spPr>
-        <p:txBody>
-          <a:bodyPr anchor="b"/>
+            <a:off x="6400800" y="2183802"/>
+            <a:ext cx="5105400" cy="823912"/>
+          </a:xfrm>
+        </p:spPr>
+        <p:txBody>
+          <a:bodyPr anchor="b">
+            <a:normAutofit/>
+          </a:bodyPr>
           <a:lstStyle>
             <a:lvl1pPr marL="0" indent="0">
               <a:buNone/>
-              <a:defRPr sz="2400" b="1"/>
+              <a:defRPr sz="2800" b="0">
+                <a:solidFill>
+                  <a:schemeClr val="tx1"/>
+                </a:solidFill>
+              </a:defRPr>
             </a:lvl1pPr>
             <a:lvl2pPr marL="457200" indent="0">
               <a:buNone/>
@@ -1516,10 +4301,9 @@
           <a:p>
             <a:pPr lvl="0"/>
             <a:r>
-              <a:rPr lang="en-US" smtClean="0"/>
+              <a:rPr lang="en-US"/>
               <a:t>Click to edit Master text styles</a:t>
             </a:r>
-            <a:endParaRPr lang="en-US" smtClean="0"/>
           </a:p>
         </p:txBody>
       </p:sp>
@@ -1535,8 +4319,8 @@
         </p:nvSpPr>
         <p:spPr>
           <a:xfrm>
-            <a:off x="6172200" y="2505075"/>
-            <a:ext cx="5183188" cy="3684588"/>
+            <a:off x="6172200" y="3132666"/>
+            <a:ext cx="5334000" cy="3086019"/>
           </a:xfrm>
         </p:spPr>
         <p:txBody>
@@ -1545,42 +4329,38 @@
           <a:p>
             <a:pPr lvl="0"/>
             <a:r>
-              <a:rPr lang="en-US" smtClean="0"/>
+              <a:rPr lang="en-US"/>
               <a:t>Click to edit Master text styles</a:t>
             </a:r>
-            <a:endParaRPr lang="en-US" smtClean="0"/>
           </a:p>
           <a:p>
             <a:pPr lvl="1"/>
             <a:r>
-              <a:rPr lang="en-US" smtClean="0"/>
+              <a:rPr lang="en-US"/>
               <a:t>Second level</a:t>
             </a:r>
-            <a:endParaRPr lang="en-US" smtClean="0"/>
           </a:p>
           <a:p>
             <a:pPr lvl="2"/>
             <a:r>
-              <a:rPr lang="en-US" smtClean="0"/>
+              <a:rPr lang="en-US"/>
               <a:t>Third level</a:t>
             </a:r>
-            <a:endParaRPr lang="en-US" smtClean="0"/>
           </a:p>
           <a:p>
             <a:pPr lvl="3"/>
             <a:r>
-              <a:rPr lang="en-US" smtClean="0"/>
+              <a:rPr lang="en-US"/>
               <a:t>Fourth level</a:t>
             </a:r>
-            <a:endParaRPr lang="en-US" smtClean="0"/>
           </a:p>
           <a:p>
             <a:pPr lvl="4"/>
             <a:r>
-              <a:rPr lang="en-US" smtClean="0"/>
+              <a:rPr lang="en-US"/>
               <a:t>Fifth level</a:t>
             </a:r>
-            <a:endParaRPr lang="en-US"/>
+            <a:endParaRPr lang="en-US" dirty="0"/>
           </a:p>
         </p:txBody>
       </p:sp>
@@ -1601,6 +4381,7 @@
           <a:p>
             <a:fld id="{63A1C593-65D0-4073-BCC9-577B9352EA97}" type="datetimeFigureOut">
               <a:rPr lang="en-US" smtClean="0"/>
+              <a:t>11/26/2023</a:t>
             </a:fld>
             <a:endParaRPr lang="en-US"/>
           </a:p>
@@ -1642,12 +4423,18 @@
           <a:p>
             <a:fld id="{9B618960-8005-486C-9A75-10CB2AAC16F9}" type="slidenum">
               <a:rPr lang="en-US" smtClean="0"/>
+              <a:t>‹#›</a:t>
             </a:fld>
             <a:endParaRPr lang="en-US"/>
           </a:p>
         </p:txBody>
       </p:sp>
     </p:spTree>
+    <p:extLst>
+      <p:ext uri="{BB962C8B-B14F-4D97-AF65-F5344CB8AC3E}">
+        <p14:creationId xmlns:p14="http://schemas.microsoft.com/office/powerpoint/2010/main" val="1493220069"/>
+      </p:ext>
+    </p:extLst>
   </p:cSld>
   <p:clrMapOvr>
     <a:masterClrMapping/>
@@ -1688,10 +4475,10 @@
           <a:lstStyle/>
           <a:p>
             <a:r>
-              <a:rPr lang="en-US" smtClean="0"/>
+              <a:rPr lang="en-US"/>
               <a:t>Click to edit Master title style</a:t>
             </a:r>
-            <a:endParaRPr lang="en-US"/>
+            <a:endParaRPr lang="en-US" dirty="0"/>
           </a:p>
         </p:txBody>
       </p:sp>
@@ -1712,6 +4499,7 @@
           <a:p>
             <a:fld id="{63A1C593-65D0-4073-BCC9-577B9352EA97}" type="datetimeFigureOut">
               <a:rPr lang="en-US" smtClean="0"/>
+              <a:t>11/26/2023</a:t>
             </a:fld>
             <a:endParaRPr lang="en-US"/>
           </a:p>
@@ -1753,12 +4541,18 @@
           <a:p>
             <a:fld id="{9B618960-8005-486C-9A75-10CB2AAC16F9}" type="slidenum">
               <a:rPr lang="en-US" smtClean="0"/>
+              <a:t>‹#›</a:t>
             </a:fld>
             <a:endParaRPr lang="en-US"/>
           </a:p>
         </p:txBody>
       </p:sp>
     </p:spTree>
+    <p:extLst>
+      <p:ext uri="{BB962C8B-B14F-4D97-AF65-F5344CB8AC3E}">
+        <p14:creationId xmlns:p14="http://schemas.microsoft.com/office/powerpoint/2010/main" val="2040528033"/>
+      </p:ext>
+    </p:extLst>
   </p:cSld>
   <p:clrMapOvr>
     <a:masterClrMapping/>
@@ -1800,6 +4594,7 @@
           <a:p>
             <a:fld id="{63A1C593-65D0-4073-BCC9-577B9352EA97}" type="datetimeFigureOut">
               <a:rPr lang="en-US" smtClean="0"/>
+              <a:t>11/26/2023</a:t>
             </a:fld>
             <a:endParaRPr lang="en-US"/>
           </a:p>
@@ -1841,12 +4636,18 @@
           <a:p>
             <a:fld id="{9B618960-8005-486C-9A75-10CB2AAC16F9}" type="slidenum">
               <a:rPr lang="en-US" smtClean="0"/>
+              <a:t>‹#›</a:t>
             </a:fld>
             <a:endParaRPr lang="en-US"/>
           </a:p>
         </p:txBody>
       </p:sp>
     </p:spTree>
+    <p:extLst>
+      <p:ext uri="{BB962C8B-B14F-4D97-AF65-F5344CB8AC3E}">
+        <p14:creationId xmlns:p14="http://schemas.microsoft.com/office/powerpoint/2010/main" val="651355812"/>
+      </p:ext>
+    </p:extLst>
   </p:cSld>
   <p:clrMapOvr>
     <a:masterClrMapping/>
@@ -1883,23 +4684,23 @@
         </p:nvSpPr>
         <p:spPr>
           <a:xfrm>
-            <a:off x="839788" y="457200"/>
-            <a:ext cx="3932237" cy="1600200"/>
+            <a:off x="685800" y="1524000"/>
+            <a:ext cx="4114800" cy="1600200"/>
           </a:xfrm>
         </p:spPr>
         <p:txBody>
           <a:bodyPr anchor="b"/>
           <a:lstStyle>
-            <a:lvl1pPr>
+            <a:lvl1pPr algn="l">
               <a:defRPr sz="3200"/>
             </a:lvl1pPr>
           </a:lstStyle>
           <a:p>
             <a:r>
-              <a:rPr lang="en-US" smtClean="0"/>
+              <a:rPr lang="en-US"/>
               <a:t>Click to edit Master title style</a:t>
             </a:r>
-            <a:endParaRPr lang="en-US"/>
+            <a:endParaRPr lang="en-US" dirty="0"/>
           </a:p>
         </p:txBody>
       </p:sp>
@@ -1915,80 +4716,48 @@
         </p:nvSpPr>
         <p:spPr>
           <a:xfrm>
-            <a:off x="5183188" y="987425"/>
-            <a:ext cx="6172200" cy="4873625"/>
-          </a:xfrm>
-        </p:spPr>
-        <p:txBody>
-          <a:bodyPr/>
-          <a:lstStyle>
-            <a:lvl1pPr>
-              <a:defRPr sz="3200"/>
-            </a:lvl1pPr>
-            <a:lvl2pPr>
-              <a:defRPr sz="2800"/>
-            </a:lvl2pPr>
-            <a:lvl3pPr>
-              <a:defRPr sz="2400"/>
-            </a:lvl3pPr>
-            <a:lvl4pPr>
-              <a:defRPr sz="2000"/>
-            </a:lvl4pPr>
-            <a:lvl5pPr>
-              <a:defRPr sz="2000"/>
-            </a:lvl5pPr>
-            <a:lvl6pPr>
-              <a:defRPr sz="2000"/>
-            </a:lvl6pPr>
-            <a:lvl7pPr>
-              <a:defRPr sz="2000"/>
-            </a:lvl7pPr>
-            <a:lvl8pPr>
-              <a:defRPr sz="2000"/>
-            </a:lvl8pPr>
-            <a:lvl9pPr>
-              <a:defRPr sz="2000"/>
-            </a:lvl9pPr>
-          </a:lstStyle>
+            <a:off x="4995582" y="746759"/>
+            <a:ext cx="6510618" cy="5471925"/>
+          </a:xfrm>
+        </p:spPr>
+        <p:txBody>
+          <a:bodyPr anchor="ctr"/>
+          <a:lstStyle/>
           <a:p>
             <a:pPr lvl="0"/>
             <a:r>
-              <a:rPr lang="en-US" smtClean="0"/>
+              <a:rPr lang="en-US"/>
               <a:t>Click to edit Master text styles</a:t>
             </a:r>
-            <a:endParaRPr lang="en-US" smtClean="0"/>
           </a:p>
           <a:p>
             <a:pPr lvl="1"/>
             <a:r>
-              <a:rPr lang="en-US" smtClean="0"/>
+              <a:rPr lang="en-US"/>
               <a:t>Second level</a:t>
             </a:r>
-            <a:endParaRPr lang="en-US" smtClean="0"/>
           </a:p>
           <a:p>
             <a:pPr lvl="2"/>
             <a:r>
-              <a:rPr lang="en-US" smtClean="0"/>
+              <a:rPr lang="en-US"/>
               <a:t>Third level</a:t>
             </a:r>
-            <a:endParaRPr lang="en-US" smtClean="0"/>
           </a:p>
           <a:p>
             <a:pPr lvl="3"/>
             <a:r>
-              <a:rPr lang="en-US" smtClean="0"/>
+              <a:rPr lang="en-US"/>
               <a:t>Fourth level</a:t>
             </a:r>
-            <a:endParaRPr lang="en-US" smtClean="0"/>
           </a:p>
           <a:p>
             <a:pPr lvl="4"/>
             <a:r>
-              <a:rPr lang="en-US" smtClean="0"/>
+              <a:rPr lang="en-US"/>
               <a:t>Fifth level</a:t>
             </a:r>
-            <a:endParaRPr lang="en-US"/>
+            <a:endParaRPr lang="en-US" dirty="0"/>
           </a:p>
         </p:txBody>
       </p:sp>
@@ -2004,8 +4773,8 @@
         </p:nvSpPr>
         <p:spPr>
           <a:xfrm>
-            <a:off x="839788" y="2057400"/>
-            <a:ext cx="3932237" cy="3811588"/>
+            <a:off x="685800" y="3124199"/>
+            <a:ext cx="4114800" cy="3094485"/>
           </a:xfrm>
         </p:spPr>
         <p:txBody>
@@ -2051,10 +4820,9 @@
           <a:p>
             <a:pPr lvl="0"/>
             <a:r>
-              <a:rPr lang="en-US" smtClean="0"/>
+              <a:rPr lang="en-US"/>
               <a:t>Click to edit Master text styles</a:t>
             </a:r>
-            <a:endParaRPr lang="en-US" smtClean="0"/>
           </a:p>
         </p:txBody>
       </p:sp>
@@ -2075,6 +4843,7 @@
           <a:p>
             <a:fld id="{63A1C593-65D0-4073-BCC9-577B9352EA97}" type="datetimeFigureOut">
               <a:rPr lang="en-US" smtClean="0"/>
+              <a:t>11/26/2023</a:t>
             </a:fld>
             <a:endParaRPr lang="en-US"/>
           </a:p>
@@ -2116,12 +4885,18 @@
           <a:p>
             <a:fld id="{9B618960-8005-486C-9A75-10CB2AAC16F9}" type="slidenum">
               <a:rPr lang="en-US" smtClean="0"/>
+              <a:t>‹#›</a:t>
             </a:fld>
             <a:endParaRPr lang="en-US"/>
           </a:p>
         </p:txBody>
       </p:sp>
     </p:spTree>
+    <p:extLst>
+      <p:ext uri="{BB962C8B-B14F-4D97-AF65-F5344CB8AC3E}">
+        <p14:creationId xmlns:p14="http://schemas.microsoft.com/office/powerpoint/2010/main" val="2672491056"/>
+      </p:ext>
+    </p:extLst>
   </p:cSld>
   <p:clrMapOvr>
     <a:masterClrMapping/>
@@ -2158,23 +4933,23 @@
         </p:nvSpPr>
         <p:spPr>
           <a:xfrm>
-            <a:off x="839788" y="457200"/>
-            <a:ext cx="3932237" cy="1600200"/>
+            <a:off x="685800" y="1524000"/>
+            <a:ext cx="6873240" cy="1600200"/>
           </a:xfrm>
         </p:spPr>
         <p:txBody>
           <a:bodyPr anchor="b"/>
           <a:lstStyle>
-            <a:lvl1pPr>
+            <a:lvl1pPr algn="l">
               <a:defRPr sz="3200"/>
             </a:lvl1pPr>
           </a:lstStyle>
           <a:p>
             <a:r>
-              <a:rPr lang="en-US" smtClean="0"/>
+              <a:rPr lang="en-US"/>
               <a:t>Click to edit Master title style</a:t>
             </a:r>
-            <a:endParaRPr lang="en-US"/>
+            <a:endParaRPr lang="en-US" dirty="0"/>
           </a:p>
         </p:txBody>
       </p:sp>
@@ -2182,7 +4957,7 @@
         <p:nvSpPr>
           <p:cNvPr id="3" name="Picture Placeholder 2"/>
           <p:cNvSpPr>
-            <a:spLocks noGrp="1"/>
+            <a:spLocks noGrp="1" noChangeAspect="1"/>
           </p:cNvSpPr>
           <p:nvPr>
             <p:ph type="pic" idx="1"/>
@@ -2190,12 +4965,12 @@
         </p:nvSpPr>
         <p:spPr>
           <a:xfrm>
-            <a:off x="5183188" y="987425"/>
-            <a:ext cx="6172200" cy="4873625"/>
-          </a:xfrm>
-        </p:spPr>
-        <p:txBody>
-          <a:bodyPr/>
+            <a:off x="7861238" y="751241"/>
+            <a:ext cx="3644962" cy="5467443"/>
+          </a:xfrm>
+        </p:spPr>
+        <p:txBody>
+          <a:bodyPr anchor="t"/>
           <a:lstStyle>
             <a:lvl1pPr marL="0" indent="0">
               <a:buNone/>
@@ -2235,7 +5010,11 @@
             </a:lvl9pPr>
           </a:lstStyle>
           <a:p>
-            <a:endParaRPr lang="en-US"/>
+            <a:r>
+              <a:rPr lang="en-US"/>
+              <a:t>Click icon to add picture</a:t>
+            </a:r>
+            <a:endParaRPr lang="en-US" dirty="0"/>
           </a:p>
         </p:txBody>
       </p:sp>
@@ -2251,8 +5030,8 @@
         </p:nvSpPr>
         <p:spPr>
           <a:xfrm>
-            <a:off x="839788" y="2057400"/>
-            <a:ext cx="3932237" cy="3811588"/>
+            <a:off x="685800" y="3124199"/>
+            <a:ext cx="6873240" cy="3094485"/>
           </a:xfrm>
         </p:spPr>
         <p:txBody>
@@ -2298,10 +5077,9 @@
           <a:p>
             <a:pPr lvl="0"/>
             <a:r>
-              <a:rPr lang="en-US" smtClean="0"/>
+              <a:rPr lang="en-US"/>
               <a:t>Click to edit Master text styles</a:t>
             </a:r>
-            <a:endParaRPr lang="en-US" smtClean="0"/>
           </a:p>
         </p:txBody>
       </p:sp>
@@ -2322,6 +5100,7 @@
           <a:p>
             <a:fld id="{63A1C593-65D0-4073-BCC9-577B9352EA97}" type="datetimeFigureOut">
               <a:rPr lang="en-US" smtClean="0"/>
+              <a:t>11/26/2023</a:t>
             </a:fld>
             <a:endParaRPr lang="en-US"/>
           </a:p>
@@ -2363,12 +5142,18 @@
           <a:p>
             <a:fld id="{9B618960-8005-486C-9A75-10CB2AAC16F9}" type="slidenum">
               <a:rPr lang="en-US" smtClean="0"/>
+              <a:t>‹#›</a:t>
             </a:fld>
             <a:endParaRPr lang="en-US"/>
           </a:p>
         </p:txBody>
       </p:sp>
     </p:spTree>
+    <p:extLst>
+      <p:ext uri="{BB962C8B-B14F-4D97-AF65-F5344CB8AC3E}">
+        <p14:creationId xmlns:p14="http://schemas.microsoft.com/office/powerpoint/2010/main" val="3025778795"/>
+      </p:ext>
+    </p:extLst>
   </p:cSld>
   <p:clrMapOvr>
     <a:masterClrMapping/>
@@ -2398,25 +5183,55 @@
           <a:chExt cx="0" cy="0"/>
         </a:xfrm>
       </p:grpSpPr>
-      <p:sp>
-        <p:nvSpPr>
-          <p:cNvPr id="2" name="Title Placeholder 1"/>
-          <p:cNvSpPr>
-            <a:spLocks noGrp="1"/>
-          </p:cNvSpPr>
-          <p:nvPr>
-            <p:ph type="title"/>
-          </p:nvPr>
-        </p:nvSpPr>
-        <p:spPr>
-          <a:xfrm>
-            <a:off x="838200" y="365125"/>
-            <a:ext cx="10515600" cy="1325563"/>
+      <p:pic>
+        <p:nvPicPr>
+          <p:cNvPr id="7" name="Picture 6" descr="C0-HD-TOP.png"/>
+          <p:cNvPicPr>
+            <a:picLocks noChangeAspect="1"/>
+          </p:cNvPicPr>
+          <p:nvPr/>
+        </p:nvPicPr>
+        <p:blipFill>
+          <a:blip r:embed="rId19">
+            <a:extLst>
+              <a:ext uri="{28A0092B-C50C-407E-A947-70E740481C1C}">
+                <a14:useLocalDpi xmlns:a14="http://schemas.microsoft.com/office/drawing/2010/main" val="0"/>
+              </a:ext>
+            </a:extLst>
+          </a:blip>
+          <a:stretch>
+            <a:fillRect/>
+          </a:stretch>
+        </p:blipFill>
+        <p:spPr>
+          <a:xfrm>
+            <a:off x="0" y="0"/>
+            <a:ext cx="12192000" cy="1441450"/>
           </a:xfrm>
           <a:prstGeom prst="rect">
             <a:avLst/>
           </a:prstGeom>
         </p:spPr>
+      </p:pic>
+      <p:sp>
+        <p:nvSpPr>
+          <p:cNvPr id="2" name="Title Placeholder 1"/>
+          <p:cNvSpPr>
+            <a:spLocks noGrp="1"/>
+          </p:cNvSpPr>
+          <p:nvPr>
+            <p:ph type="title"/>
+          </p:nvPr>
+        </p:nvSpPr>
+        <p:spPr>
+          <a:xfrm>
+            <a:off x="2895600" y="764373"/>
+            <a:ext cx="8610600" cy="1293028"/>
+          </a:xfrm>
+          <a:prstGeom prst="rect">
+            <a:avLst/>
+          </a:prstGeom>
+        </p:spPr>
         <p:txBody>
           <a:bodyPr vert="horz" lIns="91440" tIns="45720" rIns="91440" bIns="45720" rtlCol="0" anchor="ctr">
             <a:normAutofit/>
@@ -2424,10 +5239,10 @@
           <a:lstStyle/>
           <a:p>
             <a:r>
-              <a:rPr lang="en-US" smtClean="0"/>
+              <a:rPr lang="en-US"/>
               <a:t>Click to edit Master title style</a:t>
             </a:r>
-            <a:endParaRPr lang="en-US"/>
+            <a:endParaRPr lang="en-US" dirty="0"/>
           </a:p>
         </p:txBody>
       </p:sp>
@@ -2443,8 +5258,8 @@
         </p:nvSpPr>
         <p:spPr>
           <a:xfrm>
-            <a:off x="838200" y="1825625"/>
-            <a:ext cx="10515600" cy="4351338"/>
+            <a:off x="685800" y="2194560"/>
+            <a:ext cx="10820400" cy="4024125"/>
           </a:xfrm>
           <a:prstGeom prst="rect">
             <a:avLst/>
@@ -2458,42 +5273,38 @@
           <a:p>
             <a:pPr lvl="0"/>
             <a:r>
-              <a:rPr lang="en-US" smtClean="0"/>
+              <a:rPr lang="en-US"/>
               <a:t>Click to edit Master text styles</a:t>
             </a:r>
-            <a:endParaRPr lang="en-US" smtClean="0"/>
           </a:p>
           <a:p>
             <a:pPr lvl="1"/>
             <a:r>
-              <a:rPr lang="en-US" smtClean="0"/>
+              <a:rPr lang="en-US"/>
               <a:t>Second level</a:t>
             </a:r>
-            <a:endParaRPr lang="en-US" smtClean="0"/>
           </a:p>
           <a:p>
             <a:pPr lvl="2"/>
             <a:r>
-              <a:rPr lang="en-US" smtClean="0"/>
+              <a:rPr lang="en-US"/>
               <a:t>Third level</a:t>
             </a:r>
-            <a:endParaRPr lang="en-US" smtClean="0"/>
           </a:p>
           <a:p>
             <a:pPr lvl="3"/>
             <a:r>
-              <a:rPr lang="en-US" smtClean="0"/>
+              <a:rPr lang="en-US"/>
               <a:t>Fourth level</a:t>
             </a:r>
-            <a:endParaRPr lang="en-US" smtClean="0"/>
           </a:p>
           <a:p>
             <a:pPr lvl="4"/>
             <a:r>
-              <a:rPr lang="en-US" smtClean="0"/>
+              <a:rPr lang="en-US"/>
               <a:t>Fifth level</a:t>
             </a:r>
-            <a:endParaRPr lang="en-US"/>
+            <a:endParaRPr lang="en-US" dirty="0"/>
           </a:p>
         </p:txBody>
       </p:sp>
@@ -2509,8 +5320,8 @@
         </p:nvSpPr>
         <p:spPr>
           <a:xfrm>
-            <a:off x="838200" y="6356350"/>
-            <a:ext cx="2743200" cy="365125"/>
+            <a:off x="8595360" y="6356350"/>
+            <a:ext cx="2910840" cy="365125"/>
           </a:xfrm>
           <a:prstGeom prst="rect">
             <a:avLst/>
@@ -2519,8 +5330,8 @@
         <p:txBody>
           <a:bodyPr vert="horz" lIns="91440" tIns="45720" rIns="91440" bIns="45720" rtlCol="0" anchor="ctr"/>
           <a:lstStyle>
-            <a:lvl1pPr algn="l">
-              <a:defRPr sz="1200">
+            <a:lvl1pPr algn="r">
+              <a:defRPr sz="1050">
                 <a:solidFill>
                   <a:schemeClr val="tx1">
                     <a:tint val="75000"/>
@@ -2532,6 +5343,7 @@
           <a:p>
             <a:fld id="{63A1C593-65D0-4073-BCC9-577B9352EA97}" type="datetimeFigureOut">
               <a:rPr lang="en-US" smtClean="0"/>
+              <a:t>11/26/2023</a:t>
             </a:fld>
             <a:endParaRPr lang="en-US"/>
           </a:p>
@@ -2549,8 +5361,8 @@
         </p:nvSpPr>
         <p:spPr>
           <a:xfrm>
-            <a:off x="4038600" y="6356350"/>
-            <a:ext cx="4114800" cy="365125"/>
+            <a:off x="685800" y="6355845"/>
+            <a:ext cx="7772400" cy="365125"/>
           </a:xfrm>
           <a:prstGeom prst="rect">
             <a:avLst/>
@@ -2559,8 +5371,8 @@
         <p:txBody>
           <a:bodyPr vert="horz" lIns="91440" tIns="45720" rIns="91440" bIns="45720" rtlCol="0" anchor="ctr"/>
           <a:lstStyle>
-            <a:lvl1pPr algn="ctr">
-              <a:defRPr sz="1200">
+            <a:lvl1pPr algn="l">
+              <a:defRPr sz="1050">
                 <a:solidFill>
                   <a:schemeClr val="tx1">
                     <a:tint val="75000"/>
@@ -2586,7 +5398,7 @@
         </p:nvSpPr>
         <p:spPr>
           <a:xfrm>
-            <a:off x="8610600" y="6356350"/>
+            <a:off x="8763000" y="381000"/>
             <a:ext cx="2743200" cy="365125"/>
           </a:xfrm>
           <a:prstGeom prst="rect">
@@ -2597,7 +5409,7 @@
           <a:bodyPr vert="horz" lIns="91440" tIns="45720" rIns="91440" bIns="45720" rtlCol="0" anchor="ctr"/>
           <a:lstStyle>
             <a:lvl1pPr algn="r">
-              <a:defRPr sz="1200">
+              <a:defRPr sz="1050">
                 <a:solidFill>
                   <a:schemeClr val="tx1">
                     <a:tint val="75000"/>
@@ -2609,30 +5421,42 @@
           <a:p>
             <a:fld id="{9B618960-8005-486C-9A75-10CB2AAC16F9}" type="slidenum">
               <a:rPr lang="en-US" smtClean="0"/>
+              <a:t>‹#›</a:t>
             </a:fld>
             <a:endParaRPr lang="en-US"/>
           </a:p>
         </p:txBody>
       </p:sp>
     </p:spTree>
+    <p:extLst>
+      <p:ext uri="{BB962C8B-B14F-4D97-AF65-F5344CB8AC3E}">
+        <p14:creationId xmlns:p14="http://schemas.microsoft.com/office/powerpoint/2010/main" val="2204789051"/>
+      </p:ext>
+    </p:extLst>
   </p:cSld>
-  <p:clrMap bg1="lt1" tx1="dk1" bg2="lt2" tx2="dk2" accent1="accent1" accent2="accent2" accent3="accent3" accent4="accent4" accent5="accent5" accent6="accent6" hlink="hlink" folHlink="folHlink"/>
+  <p:clrMap bg1="dk1" tx1="lt1" bg2="dk2" tx2="lt2" accent1="accent1" accent2="accent2" accent3="accent3" accent4="accent4" accent5="accent5" accent6="accent6" hlink="hlink" folHlink="folHlink"/>
   <p:sldLayoutIdLst>
-    <p:sldLayoutId id="2147483649" r:id="rId1"/>
-    <p:sldLayoutId id="2147483650" r:id="rId2"/>
-    <p:sldLayoutId id="2147483651" r:id="rId3"/>
-    <p:sldLayoutId id="2147483652" r:id="rId4"/>
-    <p:sldLayoutId id="2147483653" r:id="rId5"/>
-    <p:sldLayoutId id="2147483654" r:id="rId6"/>
-    <p:sldLayoutId id="2147483655" r:id="rId7"/>
-    <p:sldLayoutId id="2147483656" r:id="rId8"/>
-    <p:sldLayoutId id="2147483657" r:id="rId9"/>
-    <p:sldLayoutId id="2147483658" r:id="rId10"/>
-    <p:sldLayoutId id="2147483659" r:id="rId11"/>
+    <p:sldLayoutId id="2147483661" r:id="rId1"/>
+    <p:sldLayoutId id="2147483662" r:id="rId2"/>
+    <p:sldLayoutId id="2147483663" r:id="rId3"/>
+    <p:sldLayoutId id="2147483664" r:id="rId4"/>
+    <p:sldLayoutId id="2147483665" r:id="rId5"/>
+    <p:sldLayoutId id="2147483666" r:id="rId6"/>
+    <p:sldLayoutId id="2147483667" r:id="rId7"/>
+    <p:sldLayoutId id="2147483668" r:id="rId8"/>
+    <p:sldLayoutId id="2147483669" r:id="rId9"/>
+    <p:sldLayoutId id="2147483670" r:id="rId10"/>
+    <p:sldLayoutId id="2147483671" r:id="rId11"/>
+    <p:sldLayoutId id="2147483672" r:id="rId12"/>
+    <p:sldLayoutId id="2147483673" r:id="rId13"/>
+    <p:sldLayoutId id="2147483674" r:id="rId14"/>
+    <p:sldLayoutId id="2147483675" r:id="rId15"/>
+    <p:sldLayoutId id="2147483676" r:id="rId16"/>
+    <p:sldLayoutId id="2147483677" r:id="rId17"/>
   </p:sldLayoutIdLst>
   <p:txStyles>
     <p:titleStyle>
-      <a:lvl1pPr algn="l" defTabSz="914400" rtl="0" eaLnBrk="1" latinLnBrk="0" hangingPunct="1">
+      <a:lvl1pPr algn="r" defTabSz="914400" rtl="0" eaLnBrk="1" latinLnBrk="0" hangingPunct="1">
         <a:lnSpc>
           <a:spcPct val="90000"/>
         </a:lnSpc>
@@ -2640,7 +5464,7 @@
           <a:spcPct val="0"/>
         </a:spcBef>
         <a:buNone/>
-        <a:defRPr sz="4400" kern="1200">
+        <a:defRPr sz="4000" kern="1200" cap="all" baseline="0">
           <a:solidFill>
             <a:schemeClr val="tx1"/>
           </a:solidFill>
@@ -2660,7 +5484,7 @@
         </a:spcBef>
         <a:buFont typeface="Arial" panose="020B0604020202020204" pitchFamily="34" charset="0"/>
         <a:buChar char="•"/>
-        <a:defRPr sz="2800" kern="1200">
+        <a:defRPr sz="2200" kern="1200">
           <a:solidFill>
             <a:schemeClr val="tx1"/>
           </a:solidFill>
@@ -2678,7 +5502,7 @@
         </a:spcBef>
         <a:buFont typeface="Arial" panose="020B0604020202020204" pitchFamily="34" charset="0"/>
         <a:buChar char="•"/>
-        <a:defRPr sz="2400" kern="1200">
+        <a:defRPr sz="2000" kern="1200">
           <a:solidFill>
             <a:schemeClr val="tx1"/>
           </a:solidFill>
@@ -2696,7 +5520,7 @@
         </a:spcBef>
         <a:buFont typeface="Arial" panose="020B0604020202020204" pitchFamily="34" charset="0"/>
         <a:buChar char="•"/>
-        <a:defRPr sz="2000" kern="1200">
+        <a:defRPr sz="1800" kern="1200">
           <a:solidFill>
             <a:schemeClr val="tx1"/>
           </a:solidFill>
@@ -2714,7 +5538,7 @@
         </a:spcBef>
         <a:buFont typeface="Arial" panose="020B0604020202020204" pitchFamily="34" charset="0"/>
         <a:buChar char="•"/>
-        <a:defRPr sz="1800" kern="1200">
+        <a:defRPr sz="1600" kern="1200">
           <a:solidFill>
             <a:schemeClr val="tx1"/>
           </a:solidFill>
@@ -2732,7 +5556,7 @@
         </a:spcBef>
         <a:buFont typeface="Arial" panose="020B0604020202020204" pitchFamily="34" charset="0"/>
         <a:buChar char="•"/>
-        <a:defRPr sz="1800" kern="1200">
+        <a:defRPr sz="1600" kern="1200">
           <a:solidFill>
             <a:schemeClr val="tx1"/>
           </a:solidFill>
@@ -2750,7 +5574,7 @@
         </a:spcBef>
         <a:buFont typeface="Arial" panose="020B0604020202020204" pitchFamily="34" charset="0"/>
         <a:buChar char="•"/>
-        <a:defRPr sz="1800" kern="1200">
+        <a:defRPr sz="1600" kern="1200">
           <a:solidFill>
             <a:schemeClr val="tx1"/>
           </a:solidFill>
@@ -2768,7 +5592,7 @@
         </a:spcBef>
         <a:buFont typeface="Arial" panose="020B0604020202020204" pitchFamily="34" charset="0"/>
         <a:buChar char="•"/>
-        <a:defRPr sz="1800" kern="1200">
+        <a:defRPr sz="1600" kern="1200">
           <a:solidFill>
             <a:schemeClr val="tx1"/>
           </a:solidFill>
@@ -2786,7 +5610,7 @@
         </a:spcBef>
         <a:buFont typeface="Arial" panose="020B0604020202020204" pitchFamily="34" charset="0"/>
         <a:buChar char="•"/>
-        <a:defRPr sz="1800" kern="1200">
+        <a:defRPr sz="1600" kern="1200">
           <a:solidFill>
             <a:schemeClr val="tx1"/>
           </a:solidFill>
@@ -2804,7 +5628,7 @@
         </a:spcBef>
         <a:buFont typeface="Arial" panose="020B0604020202020204" pitchFamily="34" charset="0"/>
         <a:buChar char="•"/>
-        <a:defRPr sz="1800" kern="1200">
+        <a:defRPr sz="1600" kern="1200">
           <a:solidFill>
             <a:schemeClr val="tx1"/>
           </a:solidFill>
@@ -2922,7 +5746,14 @@
         <p:cNvGrpSpPr/>
         <p:nvPr/>
       </p:nvGrpSpPr>
-      <p:grpSpPr/>
+      <p:grpSpPr>
+        <a:xfrm>
+          <a:off x="0" y="0"/>
+          <a:ext cx="0" cy="0"/>
+          <a:chOff x="0" y="0"/>
+          <a:chExt cx="0" cy="0"/>
+        </a:xfrm>
+      </p:grpSpPr>
       <p:sp>
         <p:nvSpPr>
           <p:cNvPr id="2" name="Title 1"/>
@@ -2941,12 +5772,16 @@
         </p:spPr>
         <p:txBody>
           <a:bodyPr/>
-          <a:p>
-            <a:r>
-              <a:rPr lang="en-US"/>
-              <a:t>Loglock project</a:t>
-            </a:r>
-            <a:endParaRPr lang="en-US"/>
+          <a:lstStyle/>
+          <a:p>
+            <a:r>
+              <a:rPr lang="en-US" dirty="0" err="1"/>
+              <a:t>Loglock</a:t>
+            </a:r>
+            <a:r>
+              <a:rPr lang="en-US" dirty="0"/>
+              <a:t> project</a:t>
+            </a:r>
           </a:p>
         </p:txBody>
       </p:sp>
@@ -2960,29 +5795,38 @@
             <p:ph type="subTitle" idx="1"/>
           </p:nvPr>
         </p:nvSpPr>
-        <p:spPr/>
-        <p:txBody>
-          <a:bodyPr/>
-          <a:p>
-            <a:r>
-              <a:rPr lang="en-US"/>
+        <p:spPr>
+          <a:xfrm>
+            <a:off x="1371600" y="3110907"/>
+            <a:ext cx="9448800" cy="1743103"/>
+          </a:xfrm>
+        </p:spPr>
+        <p:txBody>
+          <a:bodyPr>
+            <a:normAutofit/>
+          </a:bodyPr>
+          <a:lstStyle/>
+          <a:p>
+            <a:r>
+              <a:rPr lang="en-US" dirty="0"/>
               <a:t>Member: Matthew Salazar, salazams@mail.uc.edu</a:t>
             </a:r>
-            <a:endParaRPr lang="en-US"/>
-          </a:p>
-          <a:p>
-            <a:r>
-              <a:rPr lang="en-US"/>
+          </a:p>
+          <a:p>
+            <a:r>
+              <a:rPr lang="en-US" dirty="0"/>
               <a:t>Yage Bai, baiyg@mail.uc.edu</a:t>
             </a:r>
-            <a:endParaRPr lang="en-US"/>
-          </a:p>
-          <a:p>
-            <a:r>
-              <a:rPr lang="en-US"/>
-              <a:t>Haoran Wang, wang3hr@mail.uc.edu</a:t>
-            </a:r>
-            <a:endParaRPr lang="en-US"/>
+          </a:p>
+          <a:p>
+            <a:r>
+              <a:rPr lang="en-US" dirty="0" err="1"/>
+              <a:t>Haoran</a:t>
+            </a:r>
+            <a:r>
+              <a:rPr lang="en-US" dirty="0"/>
+              <a:t> Wang, wang3hr@mail.uc.edu</a:t>
+            </a:r>
           </a:p>
         </p:txBody>
       </p:sp>
@@ -3003,7 +5847,14 @@
         <p:cNvGrpSpPr/>
         <p:nvPr/>
       </p:nvGrpSpPr>
-      <p:grpSpPr/>
+      <p:grpSpPr>
+        <a:xfrm>
+          <a:off x="0" y="0"/>
+          <a:ext cx="0" cy="0"/>
+          <a:chOff x="0" y="0"/>
+          <a:chExt cx="0" cy="0"/>
+        </a:xfrm>
+      </p:grpSpPr>
       <p:sp>
         <p:nvSpPr>
           <p:cNvPr id="2" name="Title 1"/>
@@ -3017,12 +5868,12 @@
         <p:spPr/>
         <p:txBody>
           <a:bodyPr/>
-          <a:p>
-            <a:r>
-              <a:rPr lang="en-US"/>
-              <a:t>Expected Demo at Expo.</a:t>
-            </a:r>
-            <a:endParaRPr lang="en-US"/>
+          <a:lstStyle/>
+          <a:p>
+            <a:r>
+              <a:rPr lang="en-US" dirty="0"/>
+              <a:t>Expected Demo at Expo</a:t>
+            </a:r>
           </a:p>
         </p:txBody>
       </p:sp>
@@ -3039,12 +5890,12 @@
         <p:spPr/>
         <p:txBody>
           <a:bodyPr/>
-          <a:p>
-            <a:r>
-              <a:rPr lang="en-US"/>
+          <a:lstStyle/>
+          <a:p>
+            <a:r>
+              <a:rPr lang="en-US" dirty="0"/>
               <a:t>I hope we can implement most of the features we envision during the demo, such as a full database, login verification functionality, and sign-in functionality.</a:t>
             </a:r>
-            <a:endParaRPr lang="en-US"/>
           </a:p>
         </p:txBody>
       </p:sp>
@@ -3068,6 +5919,7 @@
           <a:bodyPr wrap="none" rtlCol="0">
             <a:spAutoFit/>
           </a:bodyPr>
+          <a:lstStyle/>
           <a:p>
             <a:endParaRPr lang="en-US"/>
           </a:p>
@@ -3090,7 +5942,14 @@
         <p:cNvGrpSpPr/>
         <p:nvPr/>
       </p:nvGrpSpPr>
-      <p:grpSpPr/>
+      <p:grpSpPr>
+        <a:xfrm>
+          <a:off x="0" y="0"/>
+          <a:ext cx="0" cy="0"/>
+          <a:chOff x="0" y="0"/>
+          <a:chExt cx="0" cy="0"/>
+        </a:xfrm>
+      </p:grpSpPr>
       <p:sp>
         <p:nvSpPr>
           <p:cNvPr id="3" name="Content Placeholder 2"/>
@@ -3103,28 +5962,45 @@
         </p:nvSpPr>
         <p:spPr>
           <a:xfrm>
-            <a:off x="838200" y="236855"/>
+            <a:off x="838200" y="1911831"/>
             <a:ext cx="10515600" cy="5940425"/>
           </a:xfrm>
         </p:spPr>
         <p:txBody>
           <a:bodyPr/>
-          <a:p>
-            <a:r>
-              <a:rPr lang="en-US"/>
-              <a:t>Project purposes: the project is to build a log in website that professors and students can log into and the attendances could be checked so the professor can verify attendance, the professor will provide a code and the students will use that code to log in and their attendance is checked.</a:t>
-            </a:r>
-            <a:endParaRPr lang="en-US"/>
-          </a:p>
-          <a:p>
-            <a:endParaRPr lang="en-US"/>
-          </a:p>
-          <a:p>
-            <a:r>
-              <a:rPr lang="en-US"/>
-              <a:t>Goal statements: we are planning on adding a functionality that checks with students' IP address, using facial recognitionor ID. With this we also are thinking about using the student’s approximate location to ensure they are in campus when they log in their attendance.</a:t>
-            </a:r>
-            <a:endParaRPr lang="en-US"/>
+          <a:lstStyle/>
+          <a:p>
+            <a:r>
+              <a:rPr lang="en-US" b="1" dirty="0"/>
+              <a:t>Project purposes</a:t>
+            </a:r>
+          </a:p>
+          <a:p>
+            <a:pPr lvl="1"/>
+            <a:r>
+              <a:rPr lang="en-US" dirty="0"/>
+              <a:t> the project is to build a log in website that professors and students can log into, and the attendances could be checked so the professor can verify attendance, the professor will provide a code and the students will use that code to log in and their attendance is checked.</a:t>
+            </a:r>
+          </a:p>
+          <a:p>
+            <a:endParaRPr lang="en-US" dirty="0"/>
+          </a:p>
+          <a:p>
+            <a:r>
+              <a:rPr lang="en-US" b="1" dirty="0"/>
+              <a:t>Goal statements</a:t>
+            </a:r>
+            <a:r>
+              <a:rPr lang="en-US" dirty="0"/>
+              <a:t> </a:t>
+            </a:r>
+          </a:p>
+          <a:p>
+            <a:pPr lvl="1"/>
+            <a:r>
+              <a:rPr lang="en-US" dirty="0"/>
+              <a:t>we are planning on adding a functionality that checks with students' IP address, using facial recognition or ID. With this we also are thinking about using the student’s approximate location to ensure they are in campus when they log in their attendance.</a:t>
+            </a:r>
           </a:p>
         </p:txBody>
       </p:sp>
@@ -3145,7 +6021,14 @@
         <p:cNvGrpSpPr/>
         <p:nvPr/>
       </p:nvGrpSpPr>
-      <p:grpSpPr/>
+      <p:grpSpPr>
+        <a:xfrm>
+          <a:off x="0" y="0"/>
+          <a:ext cx="0" cy="0"/>
+          <a:chOff x="0" y="0"/>
+          <a:chExt cx="0" cy="0"/>
+        </a:xfrm>
+      </p:grpSpPr>
       <p:sp>
         <p:nvSpPr>
           <p:cNvPr id="2" name="Title 1"/>
@@ -3156,16 +6039,21 @@
             <p:ph type="title"/>
           </p:nvPr>
         </p:nvSpPr>
-        <p:spPr/>
-        <p:txBody>
-          <a:bodyPr/>
+        <p:spPr>
+          <a:xfrm>
+            <a:off x="1790700" y="680720"/>
+            <a:ext cx="8610600" cy="1293028"/>
+          </a:xfrm>
+        </p:spPr>
+        <p:txBody>
+          <a:bodyPr/>
+          <a:lstStyle/>
           <a:p>
             <a:pPr algn="ctr"/>
             <a:r>
-              <a:rPr lang="en-US"/>
+              <a:rPr lang="en-US" dirty="0"/>
               <a:t>Project Abstract</a:t>
             </a:r>
-            <a:endParaRPr lang="en-US"/>
           </a:p>
         </p:txBody>
       </p:sp>
@@ -3181,14 +6069,15 @@
         </p:nvSpPr>
         <p:spPr>
           <a:xfrm>
-            <a:off x="838200" y="1434465"/>
-            <a:ext cx="10515600" cy="4742815"/>
+            <a:off x="1051132" y="1786071"/>
+            <a:ext cx="10302667" cy="4391209"/>
           </a:xfrm>
         </p:spPr>
         <p:txBody>
           <a:bodyPr>
-            <a:normAutofit fontScale="80000"/>
+            <a:normAutofit fontScale="87500"/>
           </a:bodyPr>
+          <a:lstStyle/>
           <a:p>
             <a:pPr>
               <a:lnSpc>
@@ -3196,10 +6085,9 @@
               </a:lnSpc>
             </a:pPr>
             <a:r>
-              <a:rPr lang="en-US"/>
+              <a:rPr lang="en-US" dirty="0"/>
               <a:t>This project aims to design a web-based platform where both professors and students can log in to facilitate attendance verification. To counteract potential misuse, where students might share login codes, multiple layers of validation are introduced: IP address checking, facial recognition, and student ID validation. Furthermore, to ensure physical presence on campus during attendance logging, the student's approximate location will be gauged. This multi-faceted approach not only streamlines the attendance process but also enhances its reliability and integrity by leveraging contemporary technological advancements. Key terms: attendance verification, IP address, facial recognition, location-based validation, web-based platform.</a:t>
             </a:r>
-            <a:endParaRPr lang="en-US"/>
           </a:p>
         </p:txBody>
       </p:sp>
@@ -3220,7 +6108,14 @@
         <p:cNvGrpSpPr/>
         <p:nvPr/>
       </p:nvGrpSpPr>
-      <p:grpSpPr/>
+      <p:grpSpPr>
+        <a:xfrm>
+          <a:off x="0" y="0"/>
+          <a:ext cx="0" cy="0"/>
+          <a:chOff x="0" y="0"/>
+          <a:chExt cx="0" cy="0"/>
+        </a:xfrm>
+      </p:grpSpPr>
       <p:sp>
         <p:nvSpPr>
           <p:cNvPr id="2" name="Title 1"/>
@@ -3231,16 +6126,21 @@
             <p:ph type="title"/>
           </p:nvPr>
         </p:nvSpPr>
-        <p:spPr/>
-        <p:txBody>
-          <a:bodyPr/>
+        <p:spPr>
+          <a:xfrm>
+            <a:off x="1562456" y="639314"/>
+            <a:ext cx="8610600" cy="1293028"/>
+          </a:xfrm>
+        </p:spPr>
+        <p:txBody>
+          <a:bodyPr/>
+          <a:lstStyle/>
           <a:p>
             <a:pPr algn="ctr"/>
             <a:r>
-              <a:rPr lang="en-US"/>
-              <a:t>Useer Stories</a:t>
-            </a:r>
-            <a:endParaRPr lang="en-US"/>
+              <a:rPr lang="en-US" dirty="0"/>
+              <a:t>User Stories</a:t>
+            </a:r>
           </a:p>
         </p:txBody>
       </p:sp>
@@ -3254,31 +6154,34 @@
             <p:ph idx="1"/>
           </p:nvPr>
         </p:nvSpPr>
-        <p:spPr/>
+        <p:spPr>
+          <a:xfrm>
+            <a:off x="685800" y="1880076"/>
+            <a:ext cx="10820400" cy="4338610"/>
+          </a:xfrm>
+        </p:spPr>
         <p:txBody>
           <a:bodyPr>
-            <a:normAutofit fontScale="90000" lnSpcReduction="20000"/>
+            <a:normAutofit fontScale="82500" lnSpcReduction="10000"/>
           </a:bodyPr>
-          <a:p>
-            <a:r>
-              <a:rPr lang="en-US" sz="3000"/>
-              <a:t>User Story: As a professor, I want to generate a unique code for each class session, so that my students can log in to verify their attendance. Benefit: This ensures that only students attending the particular session can mark their attendance.</a:t>
-            </a:r>
-            <a:endParaRPr lang="en-US" sz="3000"/>
-          </a:p>
-          <a:p>
-            <a:r>
-              <a:rPr lang="en-US" sz="3000"/>
+          <a:lstStyle/>
+          <a:p>
+            <a:r>
+              <a:rPr lang="en-US" sz="3000" dirty="0"/>
+              <a:t>User Story: As a professor, I want to generate a unique code for each class session, so that my students can log in to verify their attendance. Benefit: This ensures that only students attending the session can mark their attendance.</a:t>
+            </a:r>
+          </a:p>
+          <a:p>
+            <a:r>
+              <a:rPr lang="en-US" sz="3000" dirty="0"/>
               <a:t>User Story: As a student, I want to enter the provided code on the attendance platform, so that my presence for the session is logged and acknowledged. Benefit: This provides an efficient and digital way for students to confirm their attendance without manual.</a:t>
             </a:r>
-            <a:endParaRPr lang="en-US" sz="3000"/>
-          </a:p>
-          <a:p>
-            <a:r>
-              <a:rPr lang="en-US" sz="3000"/>
-              <a:t>User Story: As the attendance system, I want to check the IP address of the studentwhen they log in, so that I can verify the authenticity of the student's location. Benefit: This adds an additional layer of verification, ensuring students are genuinely attending from a legitimate location.</a:t>
-            </a:r>
-            <a:endParaRPr lang="en-US" sz="3000"/>
+          </a:p>
+          <a:p>
+            <a:r>
+              <a:rPr lang="en-US" sz="3000" dirty="0"/>
+              <a:t>User Story: As the attendance system, I want to check the IP address of the student when they log in, so that I can verify the authenticity of the student's location. Benefit: This adds an additional layer of verification, ensuring students are genuinely attending from a legitimate location.</a:t>
+            </a:r>
           </a:p>
         </p:txBody>
       </p:sp>
@@ -3299,70 +6202,36 @@
         <p:cNvGrpSpPr/>
         <p:nvPr/>
       </p:nvGrpSpPr>
-      <p:grpSpPr/>
-      <p:sp>
-        <p:nvSpPr>
-          <p:cNvPr id="2" name="Title 1"/>
-          <p:cNvSpPr>
-            <a:spLocks noGrp="1"/>
-          </p:cNvSpPr>
-          <p:nvPr>
-            <p:ph type="title"/>
+      <p:grpSpPr>
+        <a:xfrm>
+          <a:off x="0" y="0"/>
+          <a:ext cx="0" cy="0"/>
+          <a:chOff x="0" y="0"/>
+          <a:chExt cx="0" cy="0"/>
+        </a:xfrm>
+      </p:grpSpPr>
+      <p:sp>
+        <p:nvSpPr>
+          <p:cNvPr id="3" name="Content Placeholder 2"/>
+          <p:cNvSpPr>
+            <a:spLocks noGrp="1"/>
+          </p:cNvSpPr>
+          <p:nvPr>
+            <p:ph idx="1"/>
           </p:nvPr>
         </p:nvSpPr>
         <p:spPr/>
         <p:txBody>
           <a:bodyPr/>
-          <a:p>
-            <a:endParaRPr lang="en-US"/>
-          </a:p>
-        </p:txBody>
-      </p:sp>
-      <p:sp>
-        <p:nvSpPr>
-          <p:cNvPr id="3" name="Content Placeholder 2"/>
-          <p:cNvSpPr>
-            <a:spLocks noGrp="1"/>
-          </p:cNvSpPr>
-          <p:nvPr>
-            <p:ph idx="1"/>
-          </p:nvPr>
-        </p:nvSpPr>
-        <p:spPr/>
-        <p:txBody>
-          <a:bodyPr/>
-          <a:p>
-            <a:endParaRPr lang="en-US"/>
+          <a:lstStyle/>
+          <a:p>
+            <a:endParaRPr lang="en-US" dirty="0"/>
           </a:p>
         </p:txBody>
       </p:sp>
       <p:pic>
         <p:nvPicPr>
           <p:cNvPr id="4" name="Picture 3" descr="6c0dc4bbbaa5e2dd8f19dd6e8b3d950"/>
-          <p:cNvPicPr>
-            <a:picLocks noChangeAspect="1"/>
-          </p:cNvPicPr>
-          <p:nvPr/>
-        </p:nvPicPr>
-        <p:blipFill>
-          <a:blip r:embed="rId1"/>
-          <a:stretch>
-            <a:fillRect/>
-          </a:stretch>
-        </p:blipFill>
-        <p:spPr>
-          <a:xfrm>
-            <a:off x="0" y="1024255"/>
-            <a:ext cx="3067050" cy="5153025"/>
-          </a:xfrm>
-          <a:prstGeom prst="rect">
-            <a:avLst/>
-          </a:prstGeom>
-        </p:spPr>
-      </p:pic>
-      <p:pic>
-        <p:nvPicPr>
-          <p:cNvPr id="5" name="Picture 4" descr="7f497b2b291ec77375a123fe4491174"/>
           <p:cNvPicPr>
             <a:picLocks noChangeAspect="1"/>
           </p:cNvPicPr>
@@ -3376,8 +6245,8 @@
         </p:blipFill>
         <p:spPr>
           <a:xfrm>
-            <a:off x="2451735" y="976630"/>
-            <a:ext cx="4972050" cy="5200650"/>
+            <a:off x="74064" y="1024255"/>
+            <a:ext cx="2857143" cy="5153025"/>
           </a:xfrm>
           <a:prstGeom prst="rect">
             <a:avLst/>
@@ -3386,7 +6255,7 @@
       </p:pic>
       <p:pic>
         <p:nvPicPr>
-          <p:cNvPr id="6" name="Picture 5" descr="3452fe1e3f44eedef2424ed7f20cd1b"/>
+          <p:cNvPr id="5" name="Picture 4" descr="7f497b2b291ec77375a123fe4491174"/>
           <p:cNvPicPr>
             <a:picLocks noChangeAspect="1"/>
           </p:cNvPicPr>
@@ -3400,8 +6269,32 @@
         </p:blipFill>
         <p:spPr>
           <a:xfrm>
-            <a:off x="7264400" y="1343025"/>
-            <a:ext cx="5343525" cy="4467225"/>
+            <a:off x="2313863" y="1024255"/>
+            <a:ext cx="4972050" cy="5153025"/>
+          </a:xfrm>
+          <a:prstGeom prst="rect">
+            <a:avLst/>
+          </a:prstGeom>
+        </p:spPr>
+      </p:pic>
+      <p:pic>
+        <p:nvPicPr>
+          <p:cNvPr id="6" name="Picture 5" descr="3452fe1e3f44eedef2424ed7f20cd1b"/>
+          <p:cNvPicPr>
+            <a:picLocks noChangeAspect="1"/>
+          </p:cNvPicPr>
+          <p:nvPr/>
+        </p:nvPicPr>
+        <p:blipFill>
+          <a:blip r:embed="rId4"/>
+          <a:stretch>
+            <a:fillRect/>
+          </a:stretch>
+        </p:blipFill>
+        <p:spPr>
+          <a:xfrm>
+            <a:off x="7135740" y="1024255"/>
+            <a:ext cx="4982196" cy="5153025"/>
           </a:xfrm>
           <a:prstGeom prst="rect">
             <a:avLst/>
@@ -3425,7 +6318,14 @@
         <p:cNvGrpSpPr/>
         <p:nvPr/>
       </p:nvGrpSpPr>
-      <p:grpSpPr/>
+      <p:grpSpPr>
+        <a:xfrm>
+          <a:off x="0" y="0"/>
+          <a:ext cx="0" cy="0"/>
+          <a:chOff x="0" y="0"/>
+          <a:chExt cx="0" cy="0"/>
+        </a:xfrm>
+      </p:grpSpPr>
       <p:sp>
         <p:nvSpPr>
           <p:cNvPr id="2" name="Title 1"/>
@@ -3439,12 +6339,12 @@
         <p:spPr/>
         <p:txBody>
           <a:bodyPr/>
+          <a:lstStyle/>
           <a:p>
             <a:r>
               <a:rPr lang="en-US"/>
               <a:t>Major Project Constraints.</a:t>
             </a:r>
-            <a:endParaRPr lang="en-US"/>
           </a:p>
         </p:txBody>
       </p:sp>
@@ -3458,45 +6358,46 @@
             <p:ph idx="1"/>
           </p:nvPr>
         </p:nvSpPr>
-        <p:spPr/>
+        <p:spPr>
+          <a:xfrm>
+            <a:off x="685800" y="2057401"/>
+            <a:ext cx="10820400" cy="4283152"/>
+          </a:xfrm>
+        </p:spPr>
         <p:txBody>
           <a:bodyPr>
-            <a:normAutofit fontScale="70000"/>
+            <a:normAutofit fontScale="85000" lnSpcReduction="20000"/>
           </a:bodyPr>
-          <a:p>
-            <a:r>
-              <a:rPr lang="en-US"/>
+          <a:lstStyle/>
+          <a:p>
+            <a:r>
+              <a:rPr lang="en-US" dirty="0"/>
               <a:t>Economic Constraints: Limited financial resources have led us to depend on open-source tools, potentially affecting our system's features and sophistication. Relying solely on UC resources might compromise server capabilities and user experience due to bandwidth constraints.</a:t>
             </a:r>
-            <a:endParaRPr lang="en-US"/>
-          </a:p>
-          <a:p>
-            <a:r>
-              <a:rPr lang="en-US"/>
+          </a:p>
+          <a:p>
+            <a:r>
+              <a:rPr lang="en-US" dirty="0"/>
               <a:t>Ethical Concerns: The system uses IP checking, facial recognition, and location tracking to validate attendance. This introduces potential privacy breaches, necessitating transparency in data collection and stringent security measures against unauthorized use.</a:t>
             </a:r>
-            <a:endParaRPr lang="en-US"/>
-          </a:p>
-          <a:p>
-            <a:r>
-              <a:rPr lang="en-US"/>
+          </a:p>
+          <a:p>
+            <a:r>
+              <a:rPr lang="en-US" dirty="0"/>
               <a:t>Legal Impediments: Deploying facial recognition and location services may present legal challenges, especially in regions with strict data protection laws. We must secure explicit student consent and be wary of intellectual property issues associated with open-source tools.</a:t>
             </a:r>
-            <a:endParaRPr lang="en-US"/>
-          </a:p>
-          <a:p>
-            <a:r>
-              <a:rPr lang="en-US"/>
+          </a:p>
+          <a:p>
+            <a:r>
+              <a:rPr lang="en-US" dirty="0"/>
               <a:t>Data Security: With the responsibility of collecting data comes the challenge of preventing data breaches and unauthorized access, requiring robust security mechanisms.</a:t>
             </a:r>
-            <a:endParaRPr lang="en-US"/>
-          </a:p>
-          <a:p>
-            <a:r>
-              <a:rPr lang="en-US"/>
+          </a:p>
+          <a:p>
+            <a:r>
+              <a:rPr lang="en-US" dirty="0"/>
               <a:t>Social Implications: While aimed at bolstering the academic process, our system could be perceived as intrusive, potentially affecting its social acceptability.</a:t>
             </a:r>
-            <a:endParaRPr lang="en-US"/>
           </a:p>
         </p:txBody>
       </p:sp>
@@ -3517,7 +6418,14 @@
         <p:cNvGrpSpPr/>
         <p:nvPr/>
       </p:nvGrpSpPr>
-      <p:grpSpPr/>
+      <p:grpSpPr>
+        <a:xfrm>
+          <a:off x="0" y="0"/>
+          <a:ext cx="0" cy="0"/>
+          <a:chOff x="0" y="0"/>
+          <a:chExt cx="0" cy="0"/>
+        </a:xfrm>
+      </p:grpSpPr>
       <p:sp>
         <p:nvSpPr>
           <p:cNvPr id="2" name="Title 1"/>
@@ -3528,37 +6436,42 @@
             <p:ph type="title"/>
           </p:nvPr>
         </p:nvSpPr>
+        <p:spPr>
+          <a:xfrm>
+            <a:off x="1434269" y="755828"/>
+            <a:ext cx="8610600" cy="1293028"/>
+          </a:xfrm>
+        </p:spPr>
+        <p:txBody>
+          <a:bodyPr/>
+          <a:lstStyle/>
+          <a:p>
+            <a:r>
+              <a:rPr lang="en-US" dirty="0"/>
+              <a:t>Current state of project</a:t>
+            </a:r>
+          </a:p>
+        </p:txBody>
+      </p:sp>
+      <p:sp>
+        <p:nvSpPr>
+          <p:cNvPr id="3" name="Content Placeholder 2"/>
+          <p:cNvSpPr>
+            <a:spLocks noGrp="1"/>
+          </p:cNvSpPr>
+          <p:nvPr>
+            <p:ph idx="1"/>
+          </p:nvPr>
+        </p:nvSpPr>
         <p:spPr/>
         <p:txBody>
           <a:bodyPr/>
-          <a:p>
-            <a:r>
-              <a:rPr lang="en-US"/>
-              <a:t>Current state of project</a:t>
-            </a:r>
-            <a:endParaRPr lang="en-US"/>
-          </a:p>
-        </p:txBody>
-      </p:sp>
-      <p:sp>
-        <p:nvSpPr>
-          <p:cNvPr id="3" name="Content Placeholder 2"/>
-          <p:cNvSpPr>
-            <a:spLocks noGrp="1"/>
-          </p:cNvSpPr>
-          <p:nvPr>
-            <p:ph idx="1"/>
-          </p:nvPr>
-        </p:nvSpPr>
-        <p:spPr/>
-        <p:txBody>
-          <a:bodyPr/>
+          <a:lstStyle/>
           <a:p>
             <a:r>
               <a:rPr lang="en-US"/>
               <a:t>We are currently working on the foundational code, the database, and the functional code, all of which have made notable progress.</a:t>
             </a:r>
-            <a:endParaRPr lang="en-US"/>
           </a:p>
         </p:txBody>
       </p:sp>
@@ -3579,7 +6492,14 @@
         <p:cNvGrpSpPr/>
         <p:nvPr/>
       </p:nvGrpSpPr>
-      <p:grpSpPr/>
+      <p:grpSpPr>
+        <a:xfrm>
+          <a:off x="0" y="0"/>
+          <a:ext cx="0" cy="0"/>
+          <a:chOff x="0" y="0"/>
+          <a:chExt cx="0" cy="0"/>
+        </a:xfrm>
+      </p:grpSpPr>
       <p:sp>
         <p:nvSpPr>
           <p:cNvPr id="2" name="Title 1"/>
@@ -3590,17 +6510,22 @@
             <p:ph type="title"/>
           </p:nvPr>
         </p:nvSpPr>
-        <p:spPr/>
+        <p:spPr>
+          <a:xfrm>
+            <a:off x="2493947" y="772919"/>
+            <a:ext cx="8610600" cy="1293028"/>
+          </a:xfrm>
+        </p:spPr>
         <p:txBody>
           <a:bodyPr>
-            <a:normAutofit fontScale="90000"/>
+            <a:normAutofit/>
           </a:bodyPr>
-          <a:p>
-            <a:r>
-              <a:rPr lang="en-US"/>
+          <a:lstStyle/>
+          <a:p>
+            <a:r>
+              <a:rPr lang="en-US" dirty="0"/>
               <a:t>Expected Accomplishments for the end of this term</a:t>
             </a:r>
-            <a:endParaRPr lang="en-US"/>
           </a:p>
         </p:txBody>
       </p:sp>
@@ -3614,15 +6539,20 @@
             <p:ph idx="1"/>
           </p:nvPr>
         </p:nvSpPr>
-        <p:spPr/>
-        <p:txBody>
-          <a:bodyPr/>
-          <a:p>
-            <a:r>
-              <a:rPr lang="en-US"/>
+        <p:spPr>
+          <a:xfrm>
+            <a:off x="685800" y="2194560"/>
+            <a:ext cx="10820400" cy="2898733"/>
+          </a:xfrm>
+        </p:spPr>
+        <p:txBody>
+          <a:bodyPr/>
+          <a:lstStyle/>
+          <a:p>
+            <a:r>
+              <a:rPr lang="en-US" dirty="0"/>
               <a:t>By the end of this term, we anticipate completing the basic framework of the project, implementing the envisioned features, and conducting debugging tests.</a:t>
             </a:r>
-            <a:endParaRPr lang="en-US"/>
           </a:p>
         </p:txBody>
       </p:sp>
@@ -3643,7 +6573,14 @@
         <p:cNvGrpSpPr/>
         <p:nvPr/>
       </p:nvGrpSpPr>
-      <p:grpSpPr/>
+      <p:grpSpPr>
+        <a:xfrm>
+          <a:off x="0" y="0"/>
+          <a:ext cx="0" cy="0"/>
+          <a:chOff x="0" y="0"/>
+          <a:chExt cx="0" cy="0"/>
+        </a:xfrm>
+      </p:grpSpPr>
       <p:sp>
         <p:nvSpPr>
           <p:cNvPr id="2" name="Title 1"/>
@@ -3657,12 +6594,12 @@
         <p:spPr/>
         <p:txBody>
           <a:bodyPr/>
-          <a:p>
-            <a:r>
-              <a:rPr lang="en-US"/>
+          <a:lstStyle/>
+          <a:p>
+            <a:r>
+              <a:rPr lang="en-US" dirty="0"/>
               <a:t>Division of Work</a:t>
             </a:r>
-            <a:endParaRPr lang="en-US"/>
           </a:p>
         </p:txBody>
       </p:sp>
@@ -3679,12 +6616,12 @@
         <p:spPr/>
         <p:txBody>
           <a:bodyPr/>
+          <a:lstStyle/>
           <a:p>
             <a:r>
               <a:rPr lang="en-US"/>
               <a:t>The roles discussed go’s as follows, Haoran will work on the Database and UI, Matthew and Yage will work on AI facial recognition and IP location (GPS – if included), as of right now these are the planned roles.</a:t>
             </a:r>
-            <a:endParaRPr lang="en-US"/>
           </a:p>
         </p:txBody>
       </p:sp>
@@ -3697,9 +6634,9 @@
 </file>
 
 <file path=ppt/theme/theme1.xml><?xml version="1.0" encoding="utf-8"?>
-<a:theme xmlns:a="http://schemas.openxmlformats.org/drawingml/2006/main" name="Office Theme">
+<a:theme xmlns:a="http://schemas.openxmlformats.org/drawingml/2006/main" name="Vapor Trail">
   <a:themeElements>
-    <a:clrScheme name="Office">
+    <a:clrScheme name="Vapor Trail">
       <a:dk1>
         <a:sysClr val="windowText" lastClr="000000"/>
       </a:dk1>
@@ -3707,39 +6644,39 @@
         <a:sysClr val="window" lastClr="FFFFFF"/>
       </a:lt1>
       <a:dk2>
-        <a:srgbClr val="44546A"/>
+        <a:srgbClr val="454545"/>
       </a:dk2>
       <a:lt2>
-        <a:srgbClr val="E7E6E6"/>
+        <a:srgbClr val="DADADA"/>
       </a:lt2>
       <a:accent1>
-        <a:srgbClr val="5B9BD5"/>
+        <a:srgbClr val="DF2E28"/>
       </a:accent1>
       <a:accent2>
-        <a:srgbClr val="ED7D31"/>
+        <a:srgbClr val="FE801A"/>
       </a:accent2>
       <a:accent3>
-        <a:srgbClr val="A5A5A5"/>
+        <a:srgbClr val="E9BF35"/>
       </a:accent3>
       <a:accent4>
-        <a:srgbClr val="FFC000"/>
+        <a:srgbClr val="81BB42"/>
       </a:accent4>
       <a:accent5>
-        <a:srgbClr val="4472C4"/>
+        <a:srgbClr val="32C7A9"/>
       </a:accent5>
       <a:accent6>
-        <a:srgbClr val="70AD47"/>
+        <a:srgbClr val="4A9BDC"/>
       </a:accent6>
       <a:hlink>
-        <a:srgbClr val="0563C1"/>
+        <a:srgbClr val="F0532B"/>
       </a:hlink>
       <a:folHlink>
-        <a:srgbClr val="954F72"/>
+        <a:srgbClr val="F38B53"/>
       </a:folHlink>
     </a:clrScheme>
-    <a:fontScheme name="Office">
+    <a:fontScheme name="Vapor Trail">
       <a:majorFont>
-        <a:latin typeface="Calibri Light"/>
+        <a:latin typeface="Century Gothic" panose="020B0502020202020204"/>
         <a:ea typeface=""/>
         <a:cs typeface=""/>
         <a:font script="Jpan" typeface="ＭＳ Ｐゴシック"/>
@@ -3774,7 +6711,7 @@
         <a:font script="Geor" typeface="Sylfaen"/>
       </a:majorFont>
       <a:minorFont>
-        <a:latin typeface="Calibri"/>
+        <a:latin typeface="Century Gothic" panose="020B0502020202020204"/>
         <a:ea typeface=""/>
         <a:cs typeface=""/>
         <a:font script="Jpan" typeface="ＭＳ Ｐゴシック"/>
@@ -3809,7 +6746,7 @@
         <a:font script="Geor" typeface="Sylfaen"/>
       </a:minorFont>
     </a:fontScheme>
-    <a:fmtScheme name="Office">
+    <a:fmtScheme name="Vapor Trail">
       <a:fillStyleLst>
         <a:solidFill>
           <a:schemeClr val="phClr"/>
@@ -3818,23 +6755,24 @@
           <a:gsLst>
             <a:gs pos="0">
               <a:schemeClr val="phClr">
+                <a:tint val="69000"/>
+                <a:alpha val="100000"/>
+                <a:satMod val="109000"/>
                 <a:lumMod val="110000"/>
-                <a:satMod val="105000"/>
-                <a:tint val="67000"/>
               </a:schemeClr>
             </a:gs>
-            <a:gs pos="50000">
+            <a:gs pos="52000">
               <a:schemeClr val="phClr">
-                <a:lumMod val="105000"/>
-                <a:satMod val="103000"/>
-                <a:tint val="73000"/>
+                <a:tint val="74000"/>
+                <a:satMod val="100000"/>
+                <a:lumMod val="104000"/>
               </a:schemeClr>
             </a:gs>
             <a:gs pos="100000">
               <a:schemeClr val="phClr">
-                <a:lumMod val="105000"/>
-                <a:satMod val="109000"/>
-                <a:tint val="81000"/>
+                <a:tint val="78000"/>
+                <a:satMod val="100000"/>
+                <a:lumMod val="100000"/>
               </a:schemeClr>
             </a:gs>
           </a:gsLst>
@@ -3844,23 +6782,16 @@
           <a:gsLst>
             <a:gs pos="0">
               <a:schemeClr val="phClr">
-                <a:satMod val="103000"/>
-                <a:lumMod val="102000"/>
-                <a:tint val="94000"/>
+                <a:tint val="96000"/>
+                <a:satMod val="100000"/>
+                <a:lumMod val="104000"/>
               </a:schemeClr>
             </a:gs>
-            <a:gs pos="50000">
+            <a:gs pos="78000">
               <a:schemeClr val="phClr">
+                <a:shade val="100000"/>
                 <a:satMod val="110000"/>
                 <a:lumMod val="100000"/>
-                <a:shade val="100000"/>
-              </a:schemeClr>
-            </a:gs>
-            <a:gs pos="100000">
-              <a:schemeClr val="phClr">
-                <a:lumMod val="99000"/>
-                <a:satMod val="120000"/>
-                <a:shade val="78000"/>
               </a:schemeClr>
             </a:gs>
           </a:gsLst>
@@ -3868,26 +6799,23 @@
         </a:gradFill>
       </a:fillStyleLst>
       <a:lnStyleLst>
-        <a:ln w="6350" cap="flat" cmpd="sng" algn="ctr">
+        <a:ln w="9525" cap="flat" cmpd="sng" algn="ctr">
           <a:solidFill>
             <a:schemeClr val="phClr"/>
           </a:solidFill>
           <a:prstDash val="solid"/>
-          <a:miter lim="800000"/>
         </a:ln>
         <a:ln w="12700" cap="flat" cmpd="sng" algn="ctr">
           <a:solidFill>
             <a:schemeClr val="phClr"/>
           </a:solidFill>
           <a:prstDash val="solid"/>
-          <a:miter lim="800000"/>
         </a:ln>
         <a:ln w="19050" cap="flat" cmpd="sng" algn="ctr">
           <a:solidFill>
             <a:schemeClr val="phClr"/>
           </a:solidFill>
           <a:prstDash val="solid"/>
-          <a:miter lim="800000"/>
         </a:ln>
       </a:lnStyleLst>
       <a:effectStyleLst>
@@ -3896,15 +6824,33 @@
         </a:effectStyle>
         <a:effectStyle>
           <a:effectLst/>
+          <a:scene3d>
+            <a:camera prst="orthographicFront">
+              <a:rot lat="0" lon="0" rev="0"/>
+            </a:camera>
+            <a:lightRig rig="threePt" dir="t"/>
+          </a:scene3d>
+          <a:sp3d>
+            <a:bevelT w="25400" h="12700"/>
+          </a:sp3d>
         </a:effectStyle>
         <a:effectStyle>
           <a:effectLst>
             <a:outerShdw blurRad="57150" dist="19050" dir="5400000" algn="ctr" rotWithShape="0">
               <a:srgbClr val="000000">
-                <a:alpha val="63000"/>
+                <a:alpha val="48000"/>
               </a:srgbClr>
             </a:outerShdw>
           </a:effectLst>
+          <a:scene3d>
+            <a:camera prst="orthographicFront">
+              <a:rot lat="0" lon="0" rev="0"/>
+            </a:camera>
+            <a:lightRig rig="threePt" dir="t"/>
+          </a:scene3d>
+          <a:sp3d>
+            <a:bevelT w="50800" h="25400"/>
+          </a:sp3d>
         </a:effectStyle>
       </a:effectStyleLst>
       <a:bgFillStyleLst>
@@ -3922,16 +6868,16 @@
             <a:gs pos="0">
               <a:schemeClr val="phClr">
                 <a:tint val="93000"/>
+                <a:shade val="98000"/>
                 <a:satMod val="150000"/>
-                <a:shade val="98000"/>
                 <a:lumMod val="102000"/>
               </a:schemeClr>
             </a:gs>
             <a:gs pos="50000">
               <a:schemeClr val="phClr">
                 <a:tint val="98000"/>
+                <a:shade val="90000"/>
                 <a:satMod val="130000"/>
-                <a:shade val="90000"/>
                 <a:lumMod val="103000"/>
               </a:schemeClr>
             </a:gs>
@@ -3947,9 +6893,11 @@
       </a:bgFillStyleLst>
     </a:fmtScheme>
   </a:themeElements>
+  <a:objectDefaults/>
+  <a:extraClrSchemeLst/>
   <a:extLst>
     <a:ext uri="{05A4C25C-085E-4340-85A3-A5531E510DB2}">
-      <thm15:themeFamily xmlns:thm15="http://schemas.microsoft.com/office/thememl/2012/main" name="Office Theme" id="{62F939B6-93AF-4DB8-9C6B-D6C7DFDC589F}" vid="{4A3C46E8-61CC-4603-A589-7422A47A8E4A}"/>
+      <thm15:themeFamily xmlns:thm15="http://schemas.microsoft.com/office/thememl/2012/main" name="Vapor Trail" id="{4FDF2955-7D9C-493C-B9F9-C205151B46CD}" vid="{8F31A783-2159-4870-BC29-2BA7D038EA44}"/>
     </a:ext>
   </a:extLst>
 </a:theme>
